--- a/2010/lectures/1. .NET Framework Overview.pptx
+++ b/2010/lectures/1. .NET Framework Overview.pptx
@@ -312,7 +312,7 @@
             <a:fld id="{3BF7C7B5-275F-4D1F-9AB4-9255447DBC73}" type="datetimeFigureOut">
               <a:rPr lang="en-US"/>
               <a:pPr/>
-              <a:t>2/16/2010</a:t>
+              <a:t>10/5/2010</a:t>
             </a:fld>
             <a:endParaRPr lang="en-US" dirty="0"/>
           </a:p>
@@ -418,6 +418,11 @@
         </p:txBody>
       </p:sp>
     </p:spTree>
+    <p:extLst>
+      <p:ext uri="{BB962C8B-B14F-4D97-AF65-F5344CB8AC3E}">
+        <p14:creationId xmlns:p14="http://schemas.microsoft.com/office/powerpoint/2010/main" val="1477804946"/>
+      </p:ext>
+    </p:extLst>
   </p:cSld>
   <p:clrMap bg1="lt1" tx1="dk1" bg2="lt2" tx2="dk2" accent1="accent1" accent2="accent2" accent3="accent3" accent4="accent4" accent5="accent5" accent6="accent6" hlink="hlink" folHlink="folHlink"/>
 </p:handoutMaster>
@@ -538,7 +543,7 @@
             <a:fld id="{9B46F231-FB2B-4655-A644-E2477325E686}" type="datetimeFigureOut">
               <a:rPr lang="en-US"/>
               <a:pPr/>
-              <a:t>2/16/2010</a:t>
+              <a:t>10/5/2010</a:t>
             </a:fld>
             <a:endParaRPr lang="en-US" dirty="0"/>
           </a:p>
@@ -749,6 +754,11 @@
         </p:txBody>
       </p:sp>
     </p:spTree>
+    <p:extLst>
+      <p:ext uri="{BB962C8B-B14F-4D97-AF65-F5344CB8AC3E}">
+        <p14:creationId xmlns:p14="http://schemas.microsoft.com/office/powerpoint/2010/main" val="2787052020"/>
+      </p:ext>
+    </p:extLst>
   </p:cSld>
   <p:clrMap bg1="lt1" tx1="dk1" bg2="lt2" tx2="dk2" accent1="accent1" accent2="accent2" accent3="accent3" accent4="accent4" accent5="accent5" accent6="accent6" hlink="hlink" folHlink="folHlink"/>
   <p:notesStyle>
@@ -19253,7 +19263,7 @@
         </p:nvSpPr>
         <p:spPr>
           <a:xfrm>
-            <a:off x="228600" y="1066800"/>
+            <a:off x="228600" y="990600"/>
             <a:ext cx="8686800" cy="5638800"/>
           </a:xfrm>
         </p:spPr>
@@ -19263,7 +19273,7 @@
           <a:p>
             <a:pPr marL="542925" indent="-542925">
               <a:lnSpc>
-                <a:spcPts val="3600"/>
+                <a:spcPct val="100000"/>
               </a:lnSpc>
               <a:buFontTx/>
               <a:buAutoNum type="arabicPeriod"/>
@@ -19288,7 +19298,7 @@
           <a:p>
             <a:pPr marL="984250" lvl="1" indent="-261938">
               <a:lnSpc>
-                <a:spcPts val="3600"/>
+                <a:spcPct val="100000"/>
               </a:lnSpc>
             </a:pPr>
             <a:r>
@@ -19299,7 +19309,7 @@
           <a:p>
             <a:pPr marL="542925" indent="-542925">
               <a:lnSpc>
-                <a:spcPts val="3600"/>
+                <a:spcPct val="100000"/>
               </a:lnSpc>
               <a:buFontTx/>
               <a:buAutoNum type="arabicPeriod"/>
@@ -19332,7 +19342,7 @@
           <a:p>
             <a:pPr marL="984250" lvl="1" indent="-261938">
               <a:lnSpc>
-                <a:spcPts val="3600"/>
+                <a:spcPct val="100000"/>
               </a:lnSpc>
             </a:pPr>
             <a:r>
@@ -19343,7 +19353,7 @@
           <a:p>
             <a:pPr marL="542925" indent="-542925">
               <a:lnSpc>
-                <a:spcPts val="3600"/>
+                <a:spcPct val="100000"/>
               </a:lnSpc>
               <a:buFontTx/>
               <a:buAutoNum type="arabicPeriod"/>
@@ -19356,7 +19366,7 @@
           <a:p>
             <a:pPr marL="542925" indent="-542925">
               <a:lnSpc>
-                <a:spcPts val="3600"/>
+                <a:spcPct val="100000"/>
               </a:lnSpc>
               <a:buFontTx/>
               <a:buAutoNum type="arabicPeriod"/>
@@ -19369,7 +19379,7 @@
           <a:p>
             <a:pPr marL="542925" indent="-542925">
               <a:lnSpc>
-                <a:spcPts val="3600"/>
+                <a:spcPct val="100000"/>
               </a:lnSpc>
               <a:buFontTx/>
               <a:buAutoNum type="arabicPeriod"/>
@@ -19390,7 +19400,7 @@
           <a:p>
             <a:pPr marL="542925" indent="-542925">
               <a:lnSpc>
-                <a:spcPts val="3600"/>
+                <a:spcPct val="100000"/>
               </a:lnSpc>
               <a:buFontTx/>
               <a:buAutoNum type="arabicPeriod"/>
@@ -19407,7 +19417,7 @@
           <a:p>
             <a:pPr marL="542925" indent="-542925">
               <a:lnSpc>
-                <a:spcPts val="3600"/>
+                <a:spcPct val="100000"/>
               </a:lnSpc>
               <a:buFontTx/>
               <a:buAutoNum type="arabicPeriod"/>
@@ -37215,13 +37225,22 @@
           <a:bodyPr/>
           <a:lstStyle/>
           <a:p>
+            <a:pPr>
+              <a:lnSpc>
+                <a:spcPct val="100000"/>
+              </a:lnSpc>
+            </a:pPr>
             <a:r>
               <a:rPr lang="en-US" dirty="0" smtClean="0"/>
               <a:t>The .NET platform</a:t>
             </a:r>
           </a:p>
           <a:p>
-            <a:pPr lvl="1"/>
+            <a:pPr lvl="1">
+              <a:lnSpc>
+                <a:spcPct val="100000"/>
+              </a:lnSpc>
+            </a:pPr>
             <a:r>
               <a:rPr lang="en-US" dirty="0" smtClean="0"/>
               <a:t>Microsoft's platform for software development</a:t>
@@ -37229,7 +37248,11 @@
             <a:endParaRPr lang="bg-BG" dirty="0" smtClean="0"/>
           </a:p>
           <a:p>
-            <a:pPr lvl="1"/>
+            <a:pPr lvl="1">
+              <a:lnSpc>
+                <a:spcPct val="100000"/>
+              </a:lnSpc>
+            </a:pPr>
             <a:r>
               <a:rPr lang="en-US" dirty="0" smtClean="0"/>
               <a:t>Unified technology for development of almost any kind of applications</a:t>
@@ -37237,7 +37260,11 @@
             <a:endParaRPr lang="bg-BG" dirty="0"/>
           </a:p>
           <a:p>
-            <a:pPr lvl="2"/>
+            <a:pPr lvl="2">
+              <a:lnSpc>
+                <a:spcPct val="100000"/>
+              </a:lnSpc>
+            </a:pPr>
             <a:r>
               <a:rPr lang="en-US" dirty="0" smtClean="0"/>
               <a:t>GUI / Web / mobile / server / cloud / etc.</a:t>
@@ -37245,27 +37272,44 @@
             <a:endParaRPr lang="bg-BG" dirty="0"/>
           </a:p>
           <a:p>
+            <a:pPr>
+              <a:lnSpc>
+                <a:spcPct val="100000"/>
+              </a:lnSpc>
+            </a:pPr>
             <a:r>
               <a:rPr lang="en-US" dirty="0" smtClean="0"/>
               <a:t>.NET platform versions</a:t>
             </a:r>
           </a:p>
           <a:p>
-            <a:pPr lvl="1"/>
+            <a:pPr lvl="1">
+              <a:lnSpc>
+                <a:spcPct val="100000"/>
+              </a:lnSpc>
+            </a:pPr>
             <a:r>
               <a:rPr lang="en-US" dirty="0" smtClean="0"/>
               <a:t>.NET Framework</a:t>
             </a:r>
           </a:p>
           <a:p>
-            <a:pPr lvl="1"/>
+            <a:pPr lvl="1">
+              <a:lnSpc>
+                <a:spcPct val="100000"/>
+              </a:lnSpc>
+            </a:pPr>
             <a:r>
               <a:rPr lang="en-US" dirty="0" smtClean="0"/>
               <a:t>Silverlight</a:t>
             </a:r>
           </a:p>
           <a:p>
-            <a:pPr lvl="1"/>
+            <a:pPr lvl="1">
+              <a:lnSpc>
+                <a:spcPct val="100000"/>
+              </a:lnSpc>
+            </a:pPr>
             <a:r>
               <a:rPr lang="en-US" dirty="0" smtClean="0"/>
               <a:t>.NET Compact Framework</a:t>
@@ -39104,7 +39148,7 @@
           <a:p>
             <a:pPr>
               <a:lnSpc>
-                <a:spcPts val="3600"/>
+                <a:spcPct val="100000"/>
               </a:lnSpc>
             </a:pPr>
             <a:r>
@@ -39115,7 +39159,7 @@
           <a:p>
             <a:pPr lvl="1">
               <a:lnSpc>
-                <a:spcPts val="3600"/>
+                <a:spcPct val="100000"/>
               </a:lnSpc>
             </a:pPr>
             <a:r>
@@ -39147,7 +39191,7 @@
           <a:p>
             <a:pPr lvl="1">
               <a:lnSpc>
-                <a:spcPts val="3600"/>
+                <a:spcPct val="100000"/>
               </a:lnSpc>
             </a:pPr>
             <a:r>
@@ -39179,7 +39223,7 @@
           <a:p>
             <a:pPr lvl="1">
               <a:lnSpc>
-                <a:spcPts val="3600"/>
+                <a:spcPct val="100000"/>
               </a:lnSpc>
             </a:pPr>
             <a:r>
@@ -39198,7 +39242,7 @@
           <a:p>
             <a:pPr>
               <a:lnSpc>
-                <a:spcPts val="3600"/>
+                <a:spcPct val="100000"/>
               </a:lnSpc>
             </a:pPr>
             <a:r>
@@ -39209,7 +39253,7 @@
           <a:p>
             <a:pPr lvl="1">
               <a:lnSpc>
-                <a:spcPts val="3600"/>
+                <a:spcPct val="100000"/>
               </a:lnSpc>
             </a:pPr>
             <a:r>
@@ -39328,7 +39372,7 @@
           <a:p>
             <a:pPr>
               <a:lnSpc>
-                <a:spcPts val="3600"/>
+                <a:spcPct val="100000"/>
               </a:lnSpc>
             </a:pPr>
             <a:r>
@@ -39350,7 +39394,7 @@
           <a:p>
             <a:pPr lvl="1">
               <a:lnSpc>
-                <a:spcPts val="3600"/>
+                <a:spcPct val="100000"/>
               </a:lnSpc>
             </a:pPr>
             <a:r>
@@ -39386,7 +39430,7 @@
           <a:p>
             <a:pPr lvl="1">
               <a:lnSpc>
-                <a:spcPts val="3600"/>
+                <a:spcPct val="100000"/>
               </a:lnSpc>
             </a:pPr>
             <a:r>
@@ -39413,7 +39457,7 @@
           <a:p>
             <a:pPr>
               <a:lnSpc>
-                <a:spcPts val="3600"/>
+                <a:spcPct val="100000"/>
               </a:lnSpc>
             </a:pPr>
             <a:r>
@@ -39436,7 +39480,7 @@
           <a:p>
             <a:pPr lvl="1">
               <a:lnSpc>
-                <a:spcPts val="3600"/>
+                <a:spcPct val="100000"/>
               </a:lnSpc>
             </a:pPr>
             <a:r>
@@ -39460,7 +39504,7 @@
           <a:p>
             <a:pPr lvl="1">
               <a:lnSpc>
-                <a:spcPts val="3600"/>
+                <a:spcPct val="100000"/>
               </a:lnSpc>
             </a:pPr>
             <a:r>
@@ -39511,7 +39555,7 @@
           <a:p>
             <a:pPr>
               <a:lnSpc>
-                <a:spcPts val="3600"/>
+                <a:spcPct val="100000"/>
               </a:lnSpc>
             </a:pPr>
             <a:r>

--- a/2010/lectures/1. .NET Framework Overview.pptx
+++ b/2010/lectures/1. .NET Framework Overview.pptx
@@ -312,7 +312,7 @@
             <a:fld id="{3BF7C7B5-275F-4D1F-9AB4-9255447DBC73}" type="datetimeFigureOut">
               <a:rPr lang="en-US"/>
               <a:pPr/>
-              <a:t>10/5/2010</a:t>
+              <a:t>10/6/2010</a:t>
             </a:fld>
             <a:endParaRPr lang="en-US" dirty="0"/>
           </a:p>
@@ -543,7 +543,7 @@
             <a:fld id="{9B46F231-FB2B-4655-A644-E2477325E686}" type="datetimeFigureOut">
               <a:rPr lang="en-US"/>
               <a:pPr/>
-              <a:t>10/5/2010</a:t>
+              <a:t>10/6/2010</a:t>
             </a:fld>
             <a:endParaRPr lang="en-US" dirty="0"/>
           </a:p>
@@ -12320,7 +12320,11 @@
           <a:bodyPr/>
           <a:lstStyle/>
           <a:p>
-            <a:pPr marL="622300" lvl="1" indent="-260350"/>
+            <a:pPr marL="622300" lvl="1" indent="-260350">
+              <a:lnSpc>
+                <a:spcPct val="100000"/>
+              </a:lnSpc>
+            </a:pPr>
             <a:r>
               <a:rPr lang="en-US" dirty="0"/>
               <a:t>Rich object-oriented library with fundamental classes</a:t>
@@ -12332,7 +12336,11 @@
             <a:endParaRPr lang="en-US" dirty="0"/>
           </a:p>
           <a:p>
-            <a:pPr marL="622300" lvl="1" indent="-260350"/>
+            <a:pPr marL="622300" lvl="1" indent="-260350">
+              <a:lnSpc>
+                <a:spcPct val="100000"/>
+              </a:lnSpc>
+            </a:pPr>
             <a:r>
               <a:rPr lang="en-US" dirty="0" smtClean="0"/>
               <a:t>Input-output, collections</a:t>
@@ -13147,9 +13155,6 @@
           <a:lstStyle/>
           <a:p>
             <a:pPr marL="622300" lvl="1" indent="-260350" eaLnBrk="0" hangingPunct="0">
-              <a:lnSpc>
-                <a:spcPts val="3800"/>
-              </a:lnSpc>
               <a:spcBef>
                 <a:spcPts val="600"/>
               </a:spcBef>
@@ -13184,9 +13189,6 @@
           </a:p>
           <a:p>
             <a:pPr marL="622300" lvl="1" indent="-260350" eaLnBrk="0" hangingPunct="0">
-              <a:lnSpc>
-                <a:spcPts val="3800"/>
-              </a:lnSpc>
               <a:spcBef>
                 <a:spcPts val="600"/>
               </a:spcBef>
@@ -13221,9 +13223,6 @@
           </a:p>
           <a:p>
             <a:pPr marL="622300" lvl="1" indent="-260350" eaLnBrk="0" hangingPunct="0">
-              <a:lnSpc>
-                <a:spcPts val="3800"/>
-              </a:lnSpc>
               <a:spcBef>
                 <a:spcPts val="600"/>
               </a:spcBef>
@@ -14167,9 +14166,6 @@
           <a:lstStyle/>
           <a:p>
             <a:pPr marL="622300" lvl="1" indent="-260350" eaLnBrk="0" hangingPunct="0">
-              <a:lnSpc>
-                <a:spcPts val="3800"/>
-              </a:lnSpc>
               <a:spcBef>
                 <a:spcPts val="600"/>
               </a:spcBef>
@@ -15327,9 +15323,6 @@
           <a:lstStyle/>
           <a:p>
             <a:pPr marL="622300" lvl="1" indent="-260350" eaLnBrk="0" hangingPunct="0">
-              <a:lnSpc>
-                <a:spcPts val="3800"/>
-              </a:lnSpc>
               <a:spcBef>
                 <a:spcPts val="600"/>
               </a:spcBef>
@@ -17373,9 +17366,6 @@
           <a:lstStyle/>
           <a:p>
             <a:pPr marL="622300" lvl="1" indent="-260350" eaLnBrk="0" hangingPunct="0">
-              <a:lnSpc>
-                <a:spcPts val="3800"/>
-              </a:lnSpc>
               <a:spcBef>
                 <a:spcPts val="600"/>
               </a:spcBef>
@@ -18483,6 +18473,11 @@
           <a:bodyPr/>
           <a:lstStyle/>
           <a:p>
+            <a:pPr>
+              <a:lnSpc>
+                <a:spcPct val="100000"/>
+              </a:lnSpc>
+            </a:pPr>
             <a:r>
               <a:rPr lang="en-US" dirty="0">
                 <a:solidFill>
@@ -18491,11 +18486,6 @@
                     <a:lumOff val="80000"/>
                   </a:schemeClr>
                 </a:solidFill>
-                <a:effectLst>
-                  <a:outerShdw blurRad="38100" dist="38100" dir="2700000" algn="tl">
-                    <a:srgbClr val="000000"/>
-                  </a:outerShdw>
-                </a:effectLst>
               </a:rPr>
               <a:t>Managed </a:t>
             </a:r>
@@ -18507,11 +18497,6 @@
                     <a:lumOff val="80000"/>
                   </a:schemeClr>
                 </a:solidFill>
-                <a:effectLst>
-                  <a:outerShdw blurRad="38100" dist="38100" dir="2700000" algn="tl">
-                    <a:srgbClr val="000000"/>
-                  </a:outerShdw>
-                </a:effectLst>
               </a:rPr>
               <a:t>execution environment</a:t>
             </a:r>
@@ -18522,15 +18507,14 @@
                   <a:lumOff val="80000"/>
                 </a:schemeClr>
               </a:solidFill>
-              <a:effectLst>
-                <a:outerShdw blurRad="38100" dist="38100" dir="2700000" algn="tl">
-                  <a:srgbClr val="000000"/>
-                </a:outerShdw>
-              </a:effectLst>
             </a:endParaRPr>
           </a:p>
           <a:p>
-            <a:pPr lvl="1"/>
+            <a:pPr lvl="1">
+              <a:lnSpc>
+                <a:spcPct val="100000"/>
+              </a:lnSpc>
+            </a:pPr>
             <a:r>
               <a:rPr lang="en-US" dirty="0" smtClean="0"/>
               <a:t>Controls the </a:t>
@@ -18554,6 +18538,11 @@
             <a:endParaRPr lang="bg-BG" dirty="0"/>
           </a:p>
           <a:p>
+            <a:pPr>
+              <a:lnSpc>
+                <a:spcPct val="100000"/>
+              </a:lnSpc>
+            </a:pPr>
             <a:r>
               <a:rPr lang="en-US" dirty="0"/>
               <a:t>Something like virtual </a:t>
@@ -18564,7 +18553,11 @@
             </a:r>
           </a:p>
           <a:p>
-            <a:pPr lvl="1"/>
+            <a:pPr lvl="1">
+              <a:lnSpc>
+                <a:spcPct val="100000"/>
+              </a:lnSpc>
+            </a:pPr>
             <a:r>
               <a:rPr lang="en-US" dirty="0" smtClean="0"/>
               <a:t>Like the Java </a:t>
@@ -18580,6 +18573,11 @@
             <a:endParaRPr lang="en-US" dirty="0"/>
           </a:p>
           <a:p>
+            <a:pPr>
+              <a:lnSpc>
+                <a:spcPct val="100000"/>
+              </a:lnSpc>
+            </a:pPr>
             <a:r>
               <a:rPr lang="en-US" dirty="0"/>
               <a:t>Not an </a:t>
@@ -18590,14 +18588,22 @@
             </a:r>
           </a:p>
           <a:p>
-            <a:pPr lvl="1"/>
+            <a:pPr lvl="1">
+              <a:lnSpc>
+                <a:spcPct val="100000"/>
+              </a:lnSpc>
+            </a:pPr>
             <a:r>
               <a:rPr lang="en-US" dirty="0" smtClean="0"/>
               <a:t>Compilation on-demand is used</a:t>
             </a:r>
           </a:p>
           <a:p>
-            <a:pPr lvl="2"/>
+            <a:pPr lvl="2">
+              <a:lnSpc>
+                <a:spcPct val="100000"/>
+              </a:lnSpc>
+            </a:pPr>
             <a:r>
               <a:rPr lang="en-US" dirty="0" smtClean="0"/>
               <a:t>Known as </a:t>
@@ -18645,6 +18651,11 @@
             </a:endParaRPr>
           </a:p>
           <a:p>
+            <a:pPr>
+              <a:lnSpc>
+                <a:spcPct val="100000"/>
+              </a:lnSpc>
+            </a:pPr>
             <a:r>
               <a:rPr lang="en-US" dirty="0"/>
               <a:t>Possible compilation in advance</a:t>
@@ -18781,6 +18792,9 @@
           <a:lstStyle/>
           <a:p>
             <a:pPr>
+              <a:lnSpc>
+                <a:spcPct val="100000"/>
+              </a:lnSpc>
               <a:spcBef>
                 <a:spcPct val="35000"/>
               </a:spcBef>
@@ -18821,6 +18835,9 @@
           </a:p>
           <a:p>
             <a:pPr>
+              <a:lnSpc>
+                <a:spcPct val="100000"/>
+              </a:lnSpc>
               <a:spcBef>
                 <a:spcPct val="35000"/>
               </a:spcBef>
@@ -18833,6 +18850,9 @@
           </a:p>
           <a:p>
             <a:pPr>
+              <a:lnSpc>
+                <a:spcPct val="100000"/>
+              </a:lnSpc>
               <a:spcBef>
                 <a:spcPct val="35000"/>
               </a:spcBef>
@@ -18845,6 +18865,9 @@
           </a:p>
           <a:p>
             <a:pPr>
+              <a:lnSpc>
+                <a:spcPct val="100000"/>
+              </a:lnSpc>
               <a:spcBef>
                 <a:spcPct val="35000"/>
               </a:spcBef>
@@ -18857,6 +18880,9 @@
           </a:p>
           <a:p>
             <a:pPr>
+              <a:lnSpc>
+                <a:spcPct val="100000"/>
+              </a:lnSpc>
               <a:spcBef>
                 <a:spcPct val="35000"/>
               </a:spcBef>
@@ -18868,6 +18894,9 @@
           </a:p>
           <a:p>
             <a:pPr lvl="1">
+              <a:lnSpc>
+                <a:spcPct val="100000"/>
+              </a:lnSpc>
               <a:spcBef>
                 <a:spcPct val="35000"/>
               </a:spcBef>
@@ -18879,6 +18908,9 @@
           </a:p>
           <a:p>
             <a:pPr lvl="1">
+              <a:lnSpc>
+                <a:spcPct val="100000"/>
+              </a:lnSpc>
               <a:spcBef>
                 <a:spcPct val="35000"/>
               </a:spcBef>
@@ -20576,6 +20608,11 @@
           <a:bodyPr/>
           <a:lstStyle/>
           <a:p>
+            <a:pPr>
+              <a:lnSpc>
+                <a:spcPct val="100000"/>
+              </a:lnSpc>
+            </a:pPr>
             <a:r>
               <a:rPr lang="en-US" dirty="0" smtClean="0"/>
               <a:t>CLR </a:t>
@@ -20609,6 +20646,11 @@
             </a:endParaRPr>
           </a:p>
           <a:p>
+            <a:pPr>
+              <a:lnSpc>
+                <a:spcPct val="100000"/>
+              </a:lnSpc>
+            </a:pPr>
             <a:r>
               <a:rPr lang="en-US" dirty="0"/>
               <a:t>Represents programming code in the low level language </a:t>
@@ -20638,6 +20680,11 @@
             </a:r>
           </a:p>
           <a:p>
+            <a:pPr>
+              <a:lnSpc>
+                <a:spcPct val="100000"/>
+              </a:lnSpc>
+            </a:pPr>
             <a:r>
               <a:rPr lang="en-US" dirty="0" smtClean="0"/>
               <a:t>Contains metadata</a:t>
@@ -20645,7 +20692,11 @@
             <a:endParaRPr lang="bg-BG" dirty="0"/>
           </a:p>
           <a:p>
-            <a:pPr lvl="1"/>
+            <a:pPr lvl="1">
+              <a:lnSpc>
+                <a:spcPct val="100000"/>
+              </a:lnSpc>
+            </a:pPr>
             <a:r>
               <a:rPr lang="en-US" dirty="0"/>
               <a:t>Description of classes</a:t>
@@ -20693,6 +20744,11 @@
             <a:endParaRPr lang="bg-BG" dirty="0"/>
           </a:p>
           <a:p>
+            <a:pPr>
+              <a:lnSpc>
+                <a:spcPct val="100000"/>
+              </a:lnSpc>
+            </a:pPr>
             <a:r>
               <a:rPr lang="en-US" dirty="0" smtClean="0"/>
               <a:t>Programs</a:t>
@@ -20719,7 +20775,11 @@
             </a:r>
           </a:p>
           <a:p>
-            <a:pPr lvl="1"/>
+            <a:pPr lvl="1">
+              <a:lnSpc>
+                <a:spcPct val="100000"/>
+              </a:lnSpc>
+            </a:pPr>
             <a:r>
               <a:rPr lang="en-US" dirty="0" smtClean="0"/>
               <a:t>Compiled </a:t>
@@ -20742,7 +20802,11 @@
             </a:r>
           </a:p>
           <a:p>
-            <a:pPr lvl="1"/>
+            <a:pPr lvl="1">
+              <a:lnSpc>
+                <a:spcPct val="100000"/>
+              </a:lnSpc>
+            </a:pPr>
             <a:r>
               <a:rPr lang="en-US" dirty="0" smtClean="0"/>
               <a:t>Packaged as assemblies (</a:t>
@@ -21092,7 +21156,7 @@
           <a:p>
             <a:pPr>
               <a:lnSpc>
-                <a:spcPct val="105000"/>
+                <a:spcPct val="100000"/>
               </a:lnSpc>
             </a:pPr>
             <a:r>
@@ -21108,7 +21172,7 @@
           <a:p>
             <a:pPr lvl="1">
               <a:lnSpc>
-                <a:spcPct val="105000"/>
+                <a:spcPct val="100000"/>
               </a:lnSpc>
             </a:pPr>
             <a:r>
@@ -21120,7 +21184,7 @@
           <a:p>
             <a:pPr lvl="1">
               <a:lnSpc>
-                <a:spcPct val="105000"/>
+                <a:spcPct val="100000"/>
               </a:lnSpc>
             </a:pPr>
             <a:r>
@@ -21135,7 +21199,7 @@
           <a:p>
             <a:pPr>
               <a:lnSpc>
-                <a:spcPct val="105000"/>
+                <a:spcPct val="100000"/>
               </a:lnSpc>
             </a:pPr>
             <a:r>
@@ -21154,7 +21218,7 @@
           <a:p>
             <a:pPr lvl="1">
               <a:lnSpc>
-                <a:spcPct val="105000"/>
+                <a:spcPct val="100000"/>
               </a:lnSpc>
             </a:pPr>
             <a:r>
@@ -21166,7 +21230,7 @@
           <a:p>
             <a:pPr>
               <a:lnSpc>
-                <a:spcPct val="105000"/>
+                <a:spcPct val="100000"/>
               </a:lnSpc>
             </a:pPr>
             <a:r>
@@ -21181,7 +21245,7 @@
           <a:p>
             <a:pPr lvl="1">
               <a:lnSpc>
-                <a:spcPct val="105000"/>
+                <a:spcPct val="100000"/>
               </a:lnSpc>
             </a:pPr>
             <a:r>
@@ -21193,7 +21257,7 @@
           <a:p>
             <a:pPr lvl="1">
               <a:lnSpc>
-                <a:spcPct val="105000"/>
+                <a:spcPct val="100000"/>
               </a:lnSpc>
             </a:pPr>
             <a:r>
@@ -21309,11 +21373,6 @@
                     <a:lumOff val="80000"/>
                   </a:schemeClr>
                 </a:solidFill>
-                <a:effectLst>
-                  <a:outerShdw blurRad="38100" dist="38100" dir="2700000" algn="tl">
-                    <a:srgbClr val="000000"/>
-                  </a:outerShdw>
-                </a:effectLst>
               </a:rPr>
               <a:t>managed </a:t>
             </a:r>
@@ -21325,11 +21384,6 @@
                     <a:lumOff val="80000"/>
                   </a:schemeClr>
                 </a:solidFill>
-                <a:effectLst>
-                  <a:outerShdw blurRad="38100" dist="38100" dir="2700000" algn="tl">
-                    <a:srgbClr val="000000"/>
-                  </a:outerShdw>
-                </a:effectLst>
               </a:rPr>
               <a:t>heap</a:t>
             </a:r>
@@ -21356,11 +21410,6 @@
                     <a:lumOff val="80000"/>
                   </a:schemeClr>
                 </a:solidFill>
-                <a:effectLst>
-                  <a:outerShdw blurRad="38100" dist="38100" dir="2700000" algn="tl">
-                    <a:srgbClr val="000000"/>
-                  </a:outerShdw>
-                </a:effectLst>
               </a:rPr>
               <a:t>garbage </a:t>
             </a:r>
@@ -21372,11 +21421,6 @@
                     <a:lumOff val="80000"/>
                   </a:schemeClr>
                 </a:solidFill>
-                <a:effectLst>
-                  <a:outerShdw blurRad="38100" dist="38100" dir="2700000" algn="tl">
-                    <a:srgbClr val="000000"/>
-                  </a:outerShdw>
-                </a:effectLst>
               </a:rPr>
               <a:t>collector</a:t>
             </a:r>
@@ -21640,6 +21684,11 @@
           <a:bodyPr/>
           <a:lstStyle/>
           <a:p>
+            <a:pPr>
+              <a:lnSpc>
+                <a:spcPct val="100000"/>
+              </a:lnSpc>
+            </a:pPr>
             <a:r>
               <a:rPr lang="en-US" dirty="0"/>
               <a:t>Low level language</a:t>
@@ -21663,6 +21712,11 @@
             <a:endParaRPr lang="en-US" dirty="0"/>
           </a:p>
           <a:p>
+            <a:pPr>
+              <a:lnSpc>
+                <a:spcPct val="100000"/>
+              </a:lnSpc>
+            </a:pPr>
             <a:r>
               <a:rPr lang="en-US" dirty="0" smtClean="0"/>
               <a:t>Has </a:t>
@@ -21678,7 +21732,11 @@
             <a:endParaRPr lang="en-US" dirty="0"/>
           </a:p>
           <a:p>
-            <a:pPr lvl="1"/>
+            <a:pPr lvl="1">
+              <a:lnSpc>
+                <a:spcPct val="100000"/>
+              </a:lnSpc>
+            </a:pPr>
             <a:r>
               <a:rPr lang="en-US" dirty="0" smtClean="0"/>
               <a:t>Loading and storing data, calling </a:t>
@@ -21689,21 +21747,33 @@
             </a:r>
           </a:p>
           <a:p>
-            <a:pPr lvl="1"/>
+            <a:pPr lvl="1">
+              <a:lnSpc>
+                <a:spcPct val="100000"/>
+              </a:lnSpc>
+            </a:pPr>
             <a:r>
               <a:rPr lang="en-US" dirty="0"/>
               <a:t>Arithmetic and logical operations</a:t>
             </a:r>
           </a:p>
           <a:p>
-            <a:pPr lvl="1"/>
+            <a:pPr lvl="1">
+              <a:lnSpc>
+                <a:spcPct val="100000"/>
+              </a:lnSpc>
+            </a:pPr>
             <a:r>
               <a:rPr lang="en-US" dirty="0" smtClean="0"/>
               <a:t>Exception handling</a:t>
             </a:r>
           </a:p>
           <a:p>
-            <a:pPr lvl="1"/>
+            <a:pPr lvl="1">
+              <a:lnSpc>
+                <a:spcPct val="100000"/>
+              </a:lnSpc>
+            </a:pPr>
             <a:r>
               <a:rPr lang="en-US" dirty="0" smtClean="0"/>
               <a:t>Etc.</a:t>
@@ -21711,6 +21781,11 @@
             <a:endParaRPr lang="bg-BG" dirty="0"/>
           </a:p>
           <a:p>
+            <a:pPr>
+              <a:lnSpc>
+                <a:spcPct val="100000"/>
+              </a:lnSpc>
+            </a:pPr>
             <a:r>
               <a:rPr lang="en-US" dirty="0"/>
               <a:t>MSIL </a:t>
@@ -26864,8 +26939,8 @@
         </p:nvSpPr>
         <p:spPr>
           <a:xfrm>
-            <a:off x="228600" y="914400"/>
-            <a:ext cx="8720138" cy="5719763"/>
+            <a:off x="228600" y="838200"/>
+            <a:ext cx="8720138" cy="5867400"/>
           </a:xfrm>
         </p:spPr>
         <p:txBody>
@@ -26874,7 +26949,7 @@
           <a:p>
             <a:pPr>
               <a:lnSpc>
-                <a:spcPct val="95000"/>
+                <a:spcPct val="100000"/>
               </a:lnSpc>
             </a:pPr>
             <a:r>
@@ -26885,7 +26960,7 @@
           <a:p>
             <a:pPr lvl="1">
               <a:lnSpc>
-                <a:spcPct val="95000"/>
+                <a:spcPct val="100000"/>
               </a:lnSpc>
             </a:pPr>
             <a:r>
@@ -26896,7 +26971,7 @@
           <a:p>
             <a:pPr lvl="2">
               <a:lnSpc>
-                <a:spcPct val="95000"/>
+                <a:spcPct val="100000"/>
               </a:lnSpc>
             </a:pPr>
             <a:r>
@@ -26907,7 +26982,7 @@
           <a:p>
             <a:pPr lvl="1">
               <a:lnSpc>
-                <a:spcPct val="95000"/>
+                <a:spcPct val="100000"/>
               </a:lnSpc>
             </a:pPr>
             <a:r>
@@ -26918,7 +26993,7 @@
           <a:p>
             <a:pPr lvl="1">
               <a:lnSpc>
-                <a:spcPct val="95000"/>
+                <a:spcPct val="100000"/>
               </a:lnSpc>
             </a:pPr>
             <a:r>
@@ -26933,7 +27008,7 @@
           <a:p>
             <a:pPr lvl="1">
               <a:lnSpc>
-                <a:spcPct val="95000"/>
+                <a:spcPct val="100000"/>
               </a:lnSpc>
             </a:pPr>
             <a:r>
@@ -26944,7 +27019,7 @@
           <a:p>
             <a:pPr>
               <a:lnSpc>
-                <a:spcPct val="95000"/>
+                <a:spcPct val="100000"/>
               </a:lnSpc>
             </a:pPr>
             <a:r>
@@ -26955,7 +27030,7 @@
           <a:p>
             <a:pPr lvl="1">
               <a:lnSpc>
-                <a:spcPct val="95000"/>
+                <a:spcPct val="100000"/>
               </a:lnSpc>
             </a:pPr>
             <a:r>
@@ -26975,7 +27050,7 @@
           <a:p>
             <a:pPr lvl="1">
               <a:lnSpc>
-                <a:spcPct val="95000"/>
+                <a:spcPct val="100000"/>
               </a:lnSpc>
             </a:pPr>
             <a:r>
@@ -27069,13 +27144,22 @@
           <a:bodyPr/>
           <a:lstStyle/>
           <a:p>
+            <a:pPr>
+              <a:lnSpc>
+                <a:spcPct val="100000"/>
+              </a:lnSpc>
+            </a:pPr>
             <a:r>
               <a:rPr lang="en-US" dirty="0" smtClean="0"/>
               <a:t>Metadata in the .NET assemblies</a:t>
             </a:r>
           </a:p>
           <a:p>
-            <a:pPr lvl="1"/>
+            <a:pPr lvl="1">
+              <a:lnSpc>
+                <a:spcPct val="100000"/>
+              </a:lnSpc>
+            </a:pPr>
             <a:r>
               <a:rPr lang="en-US" dirty="0" smtClean="0"/>
               <a:t>Data </a:t>
@@ -27091,7 +27175,11 @@
             <a:endParaRPr lang="en-US" dirty="0"/>
           </a:p>
           <a:p>
-            <a:pPr lvl="1"/>
+            <a:pPr lvl="1">
+              <a:lnSpc>
+                <a:spcPct val="100000"/>
+              </a:lnSpc>
+            </a:pPr>
             <a:r>
               <a:rPr lang="en-US" dirty="0" smtClean="0"/>
               <a:t>Integral part </a:t>
@@ -27107,7 +27195,11 @@
             <a:endParaRPr lang="en-US" dirty="0"/>
           </a:p>
           <a:p>
-            <a:pPr lvl="1"/>
+            <a:pPr lvl="1">
+              <a:lnSpc>
+                <a:spcPct val="100000"/>
+              </a:lnSpc>
+            </a:pPr>
             <a:r>
               <a:rPr lang="en-US" dirty="0"/>
               <a:t>Generated by </a:t>
@@ -27119,7 +27211,11 @@
             <a:endParaRPr lang="en-US" dirty="0"/>
           </a:p>
           <a:p>
-            <a:pPr lvl="1"/>
+            <a:pPr lvl="1">
+              <a:lnSpc>
+                <a:spcPct val="100000"/>
+              </a:lnSpc>
+            </a:pPr>
             <a:r>
               <a:rPr lang="en-US" dirty="0"/>
               <a:t>Describes all </a:t>
@@ -28168,6 +28264,11 @@
           <a:bodyPr/>
           <a:lstStyle/>
           <a:p>
+            <a:pPr>
+              <a:lnSpc>
+                <a:spcPct val="100000"/>
+              </a:lnSpc>
+            </a:pPr>
             <a:r>
               <a:rPr lang="en-US" dirty="0" smtClean="0"/>
               <a:t>Configurable </a:t>
@@ -28183,12 +28284,22 @@
             <a:endParaRPr lang="bg-BG" dirty="0"/>
           </a:p>
           <a:p>
+            <a:pPr>
+              <a:lnSpc>
+                <a:spcPct val="100000"/>
+              </a:lnSpc>
+            </a:pPr>
             <a:r>
               <a:rPr lang="en-US" dirty="0"/>
               <a:t>Consist of one or more assemblies</a:t>
             </a:r>
           </a:p>
           <a:p>
+            <a:pPr>
+              <a:lnSpc>
+                <a:spcPct val="100000"/>
+              </a:lnSpc>
+            </a:pPr>
             <a:r>
               <a:rPr lang="en-US" dirty="0"/>
               <a:t>Installed by </a:t>
@@ -28199,7 +28310,11 @@
             </a:r>
           </a:p>
           <a:p>
-            <a:pPr lvl="1"/>
+            <a:pPr lvl="1">
+              <a:lnSpc>
+                <a:spcPct val="100000"/>
+              </a:lnSpc>
+            </a:pPr>
             <a:r>
               <a:rPr lang="en-US" dirty="0" smtClean="0"/>
               <a:t>No </a:t>
@@ -28214,6 +28329,11 @@
             </a:r>
           </a:p>
           <a:p>
+            <a:pPr>
+              <a:lnSpc>
+                <a:spcPct val="100000"/>
+              </a:lnSpc>
+            </a:pPr>
             <a:r>
               <a:rPr lang="en-US" dirty="0" smtClean="0"/>
               <a:t>Different </a:t>
@@ -28225,7 +28345,11 @@
             <a:endParaRPr lang="bg-BG" dirty="0"/>
           </a:p>
           <a:p>
-            <a:pPr lvl="1"/>
+            <a:pPr lvl="1">
+              <a:lnSpc>
+                <a:spcPct val="100000"/>
+              </a:lnSpc>
+            </a:pPr>
             <a:r>
               <a:rPr lang="en-US" dirty="0"/>
               <a:t>No </a:t>
@@ -28237,6 +28361,11 @@
             <a:endParaRPr lang="bg-BG" dirty="0"/>
           </a:p>
           <a:p>
+            <a:pPr>
+              <a:lnSpc>
+                <a:spcPct val="100000"/>
+              </a:lnSpc>
+            </a:pPr>
             <a:r>
               <a:rPr lang="en-US" dirty="0"/>
               <a:t>Easy installation</a:t>
@@ -28465,13 +28594,22 @@
           <a:bodyPr/>
           <a:lstStyle/>
           <a:p>
+            <a:pPr>
+              <a:lnSpc>
+                <a:spcPct val="100000"/>
+              </a:lnSpc>
+            </a:pPr>
             <a:r>
               <a:rPr lang="en-US" dirty="0" smtClean="0"/>
               <a:t>Common Language Infrastructure (CLI)</a:t>
             </a:r>
           </a:p>
           <a:p>
-            <a:pPr lvl="1"/>
+            <a:pPr lvl="1">
+              <a:lnSpc>
+                <a:spcPct val="100000"/>
+              </a:lnSpc>
+            </a:pPr>
             <a:r>
               <a:rPr lang="en-US" dirty="0" smtClean="0"/>
               <a:t>Open </a:t>
@@ -28482,7 +28620,11 @@
             </a:r>
           </a:p>
           <a:p>
-            <a:pPr lvl="1"/>
+            <a:pPr lvl="1">
+              <a:lnSpc>
+                <a:spcPct val="100000"/>
+              </a:lnSpc>
+            </a:pPr>
             <a:r>
               <a:rPr lang="en-US" dirty="0"/>
               <a:t>Multiple high-level languages </a:t>
@@ -28502,14 +28644,22 @@
             <a:endParaRPr lang="en-US" dirty="0"/>
           </a:p>
           <a:p>
-            <a:pPr lvl="1"/>
+            <a:pPr lvl="1">
+              <a:lnSpc>
+                <a:spcPct val="100000"/>
+              </a:lnSpc>
+            </a:pPr>
             <a:r>
               <a:rPr lang="en-US" dirty="0"/>
               <a:t>Standardized part of CLR</a:t>
             </a:r>
           </a:p>
           <a:p>
-            <a:pPr lvl="1"/>
+            <a:pPr lvl="1">
+              <a:lnSpc>
+                <a:spcPct val="100000"/>
+              </a:lnSpc>
+            </a:pPr>
             <a:r>
               <a:rPr lang="en-US" dirty="0"/>
               <a:t>.NET Framework is </a:t>
@@ -28520,7 +28670,11 @@
             </a:r>
           </a:p>
           <a:p>
-            <a:pPr lvl="1"/>
+            <a:pPr lvl="1">
+              <a:lnSpc>
+                <a:spcPct val="100000"/>
+              </a:lnSpc>
+            </a:pPr>
             <a:r>
               <a:rPr lang="en-US" dirty="0" smtClean="0"/>
               <a:t>Mono is CLI implementation for Linux</a:t>
@@ -28612,7 +28766,7 @@
           <a:p>
             <a:pPr>
               <a:lnSpc>
-                <a:spcPct val="105000"/>
+                <a:spcPct val="100000"/>
               </a:lnSpc>
               <a:spcBef>
                 <a:spcPct val="35000"/>
@@ -28631,7 +28785,7 @@
           <a:p>
             <a:pPr lvl="1">
               <a:lnSpc>
-                <a:spcPct val="105000"/>
+                <a:spcPct val="100000"/>
               </a:lnSpc>
               <a:spcBef>
                 <a:spcPct val="35000"/>
@@ -28645,7 +28799,7 @@
           <a:p>
             <a:pPr lvl="1">
               <a:lnSpc>
-                <a:spcPct val="105000"/>
+                <a:spcPct val="100000"/>
               </a:lnSpc>
               <a:spcBef>
                 <a:spcPct val="35000"/>
@@ -28660,7 +28814,7 @@
           <a:p>
             <a:pPr lvl="1">
               <a:lnSpc>
-                <a:spcPct val="105000"/>
+                <a:spcPct val="100000"/>
               </a:lnSpc>
               <a:spcBef>
                 <a:spcPct val="35000"/>
@@ -28674,7 +28828,7 @@
           <a:p>
             <a:pPr lvl="1">
               <a:lnSpc>
-                <a:spcPct val="105000"/>
+                <a:spcPct val="100000"/>
               </a:lnSpc>
               <a:spcBef>
                 <a:spcPct val="35000"/>
@@ -28689,14 +28843,6 @@
               <a:t>)</a:t>
             </a:r>
             <a:endParaRPr lang="en-US" dirty="0"/>
-          </a:p>
-          <a:p>
-            <a:pPr>
-              <a:spcBef>
-                <a:spcPct val="35000"/>
-              </a:spcBef>
-            </a:pPr>
-            <a:endParaRPr lang="bg-BG" dirty="0"/>
           </a:p>
         </p:txBody>
       </p:sp>
@@ -29021,6 +29167,11 @@
           <a:bodyPr/>
           <a:lstStyle/>
           <a:p>
+            <a:pPr>
+              <a:lnSpc>
+                <a:spcPct val="100000"/>
+              </a:lnSpc>
+            </a:pPr>
             <a:r>
               <a:rPr lang="en-US" dirty="0" smtClean="0"/>
               <a:t>CTS defines the CLR</a:t>
@@ -29036,6 +29187,11 @@
             <a:endParaRPr lang="bg-BG" dirty="0"/>
           </a:p>
           <a:p>
+            <a:pPr>
+              <a:lnSpc>
+                <a:spcPct val="100000"/>
+              </a:lnSpc>
+            </a:pPr>
             <a:r>
               <a:rPr lang="en-US" dirty="0"/>
               <a:t>Ensures </a:t>
@@ -29058,7 +29214,11 @@
             </a:r>
           </a:p>
           <a:p>
-            <a:pPr lvl="1"/>
+            <a:pPr lvl="1">
+              <a:lnSpc>
+                <a:spcPct val="100000"/>
+              </a:lnSpc>
+            </a:pPr>
             <a:r>
               <a:rPr lang="en-US" dirty="0" smtClean="0"/>
               <a:t>E.g. </a:t>
@@ -29071,11 +29231,6 @@
                     <a:lumOff val="80000"/>
                   </a:schemeClr>
                 </a:solidFill>
-                <a:effectLst>
-                  <a:outerShdw blurRad="38100" dist="38100" dir="2700000" algn="tl">
-                    <a:srgbClr val="000000"/>
-                  </a:outerShdw>
-                </a:effectLst>
                 <a:latin typeface="Consolas" pitchFamily="49" charset="0"/>
                 <a:cs typeface="Consolas" pitchFamily="49" charset="0"/>
               </a:rPr>
@@ -29125,11 +29280,6 @@
                     <a:lumOff val="80000"/>
                   </a:schemeClr>
                 </a:solidFill>
-                <a:effectLst>
-                  <a:outerShdw blurRad="38100" dist="38100" dir="2700000" algn="tl">
-                    <a:srgbClr val="000000"/>
-                  </a:outerShdw>
-                </a:effectLst>
                 <a:latin typeface="Consolas" pitchFamily="49" charset="0"/>
                 <a:cs typeface="Consolas" pitchFamily="49" charset="0"/>
               </a:rPr>
@@ -29169,6 +29319,11 @@
             </a:r>
           </a:p>
           <a:p>
+            <a:pPr>
+              <a:lnSpc>
+                <a:spcPct val="100000"/>
+              </a:lnSpc>
+            </a:pPr>
             <a:r>
               <a:rPr lang="en-US" dirty="0"/>
               <a:t>Value </a:t>
@@ -29188,6 +29343,11 @@
             <a:endParaRPr lang="en-US" dirty="0"/>
           </a:p>
           <a:p>
+            <a:pPr>
+              <a:lnSpc>
+                <a:spcPct val="100000"/>
+              </a:lnSpc>
+            </a:pPr>
             <a:r>
               <a:rPr lang="en-US" dirty="0"/>
               <a:t>All types derive from</a:t>
@@ -30113,7 +30273,11 @@
           <a:bodyPr/>
           <a:lstStyle/>
           <a:p>
-            <a:pPr marL="357188" indent="-357188"/>
+            <a:pPr marL="357188" indent="-357188">
+              <a:lnSpc>
+                <a:spcPct val="100000"/>
+              </a:lnSpc>
+            </a:pPr>
             <a:r>
               <a:rPr lang="en-US" dirty="0" smtClean="0"/>
               <a:t>C</a:t>
@@ -30136,7 +30300,11 @@
             </a:r>
           </a:p>
           <a:p>
-            <a:pPr marL="357188" indent="-357188"/>
+            <a:pPr marL="357188" indent="-357188">
+              <a:lnSpc>
+                <a:spcPct val="100000"/>
+              </a:lnSpc>
+            </a:pPr>
             <a:r>
               <a:rPr lang="en-US" dirty="0" smtClean="0"/>
               <a:t>Example of C# program:</a:t>
@@ -30207,9 +30375,6 @@
           <a:lstStyle/>
           <a:p>
             <a:pPr eaLnBrk="0" hangingPunct="0">
-              <a:lnSpc>
-                <a:spcPct val="100000"/>
-              </a:lnSpc>
               <a:spcBef>
                 <a:spcPts val="0"/>
               </a:spcBef>
@@ -30258,9 +30423,6 @@
           </a:p>
           <a:p>
             <a:pPr eaLnBrk="0" hangingPunct="0">
-              <a:lnSpc>
-                <a:spcPct val="100000"/>
-              </a:lnSpc>
               <a:spcBef>
                 <a:spcPts val="0"/>
               </a:spcBef>
@@ -30289,9 +30451,6 @@
           </a:p>
           <a:p>
             <a:pPr eaLnBrk="0" hangingPunct="0">
-              <a:lnSpc>
-                <a:spcPct val="100000"/>
-              </a:lnSpc>
               <a:spcBef>
                 <a:spcPts val="0"/>
               </a:spcBef>
@@ -30354,9 +30513,6 @@
           </a:p>
           <a:p>
             <a:pPr eaLnBrk="0" hangingPunct="0">
-              <a:lnSpc>
-                <a:spcPct val="100000"/>
-              </a:lnSpc>
               <a:spcBef>
                 <a:spcPts val="0"/>
               </a:spcBef>
@@ -30388,9 +30544,6 @@
           </a:p>
           <a:p>
             <a:pPr eaLnBrk="0" hangingPunct="0">
-              <a:lnSpc>
-                <a:spcPct val="100000"/>
-              </a:lnSpc>
               <a:spcBef>
                 <a:spcPts val="0"/>
               </a:spcBef>
@@ -30422,9 +30575,6 @@
           </a:p>
           <a:p>
             <a:pPr eaLnBrk="0" hangingPunct="0">
-              <a:lnSpc>
-                <a:spcPct val="100000"/>
-              </a:lnSpc>
               <a:spcBef>
                 <a:spcPts val="0"/>
               </a:spcBef>
@@ -30473,9 +30623,6 @@
           </a:p>
           <a:p>
             <a:pPr eaLnBrk="0" hangingPunct="0">
-              <a:lnSpc>
-                <a:spcPct val="100000"/>
-              </a:lnSpc>
               <a:spcBef>
                 <a:spcPts val="0"/>
               </a:spcBef>
@@ -30557,9 +30704,6 @@
           </a:p>
           <a:p>
             <a:pPr eaLnBrk="0" hangingPunct="0">
-              <a:lnSpc>
-                <a:spcPct val="100000"/>
-              </a:lnSpc>
               <a:spcBef>
                 <a:spcPts val="0"/>
               </a:spcBef>
@@ -30591,9 +30735,6 @@
           </a:p>
           <a:p>
             <a:pPr eaLnBrk="0" hangingPunct="0">
-              <a:lnSpc>
-                <a:spcPct val="100000"/>
-              </a:lnSpc>
               <a:spcBef>
                 <a:spcPts val="0"/>
               </a:spcBef>
@@ -30639,9 +30780,6 @@
           </a:p>
           <a:p>
             <a:pPr eaLnBrk="0" hangingPunct="0">
-              <a:lnSpc>
-                <a:spcPct val="100000"/>
-              </a:lnSpc>
               <a:spcBef>
                 <a:spcPts val="0"/>
               </a:spcBef>
@@ -30673,9 +30811,6 @@
           </a:p>
           <a:p>
             <a:pPr eaLnBrk="0" hangingPunct="0">
-              <a:lnSpc>
-                <a:spcPct val="100000"/>
-              </a:lnSpc>
               <a:spcBef>
                 <a:spcPts val="0"/>
               </a:spcBef>
@@ -30941,7 +31076,11 @@
           <a:bodyPr/>
           <a:lstStyle/>
           <a:p>
-            <a:pPr marL="542925" indent="-542925"/>
+            <a:pPr marL="542925" indent="-542925">
+              <a:lnSpc>
+                <a:spcPct val="100000"/>
+              </a:lnSpc>
+            </a:pPr>
             <a:r>
               <a:rPr lang="en-US" dirty="0"/>
               <a:t>Framework Class Library is the standard .NET Framework </a:t>
@@ -37109,14 +37248,20 @@
       </p:sp>
       <p:pic>
         <p:nvPicPr>
-          <p:cNvPr id="14338" name="Picture 2" descr="http://blogs.aspitalia.com/img/m.casati/netframework4.0beta2visualstudio2010_1482c/vs2010-logo_2.gif"/>
+          <p:cNvPr id="1026" name="Picture 2"/>
           <p:cNvPicPr>
             <a:picLocks noChangeAspect="1" noChangeArrowheads="1"/>
           </p:cNvPicPr>
           <p:nvPr/>
         </p:nvPicPr>
         <p:blipFill>
-          <a:blip r:embed="rId3" cstate="print"/>
+          <a:blip r:embed="rId3">
+            <a:extLst>
+              <a:ext uri="{28A0092B-C50C-407E-A947-70E740481C1C}">
+                <a14:useLocalDpi xmlns:a14="http://schemas.microsoft.com/office/drawing/2010/main" val="0"/>
+              </a:ext>
+            </a:extLst>
+          </a:blip>
           <a:srcRect/>
           <a:stretch>
             <a:fillRect/>
@@ -37124,23 +37269,46 @@
         </p:blipFill>
         <p:spPr bwMode="auto">
           <a:xfrm>
-            <a:off x="2286000" y="1600200"/>
-            <a:ext cx="4456652" cy="1905000"/>
+            <a:off x="1824392" y="1293304"/>
+            <a:ext cx="5495216" cy="3050096"/>
           </a:xfrm>
-          <a:prstGeom prst="roundRect">
-            <a:avLst>
-              <a:gd name="adj" fmla="val 8594"/>
-            </a:avLst>
+          <a:prstGeom prst="rect">
+            <a:avLst/>
           </a:prstGeom>
-          <a:solidFill>
-            <a:srgbClr val="FFFFFF"/>
-          </a:solidFill>
+          <a:noFill/>
           <a:ln>
             <a:noFill/>
           </a:ln>
           <a:effectLst>
-            <a:reflection blurRad="12700" stA="38000" endPos="28000" dist="5000" dir="5400000" sy="-100000" algn="bl" rotWithShape="0"/>
+            <a:glow rad="12700">
+              <a:srgbClr val="FFFFFF">
+                <a:alpha val="17000"/>
+              </a:srgbClr>
+            </a:glow>
+            <a:outerShdw dist="35921" dir="2700000" algn="ctr" rotWithShape="0">
+              <a:schemeClr val="bg2"/>
+            </a:outerShdw>
+            <a:softEdge rad="114300"/>
           </a:effectLst>
+          <a:extLst>
+            <a:ext uri="{909E8E84-426E-40DD-AFC4-6F175D3DCCD1}">
+              <a14:hiddenFill xmlns:a14="http://schemas.microsoft.com/office/drawing/2010/main">
+                <a:solidFill>
+                  <a:schemeClr val="accent1"/>
+                </a:solidFill>
+              </a14:hiddenFill>
+            </a:ext>
+            <a:ext uri="{91240B29-F687-4F45-9708-019B960494DF}">
+              <a14:hiddenLine xmlns:a14="http://schemas.microsoft.com/office/drawing/2010/main" w="9525">
+                <a:solidFill>
+                  <a:schemeClr val="tx1"/>
+                </a:solidFill>
+                <a:miter lim="800000"/>
+                <a:headEnd/>
+                <a:tailEnd/>
+              </a14:hiddenLine>
+            </a:ext>
+          </a:extLst>
         </p:spPr>
       </p:pic>
     </p:spTree>
@@ -37618,6 +37786,13 @@
     <a:masterClrMapping/>
   </p:clrMapOvr>
   <p:transition/>
+  <p:timing>
+    <p:tnLst>
+      <p:par>
+        <p:cTn id="1" dur="indefinite" restart="never" nodeType="tmRoot"/>
+      </p:par>
+    </p:tnLst>
+  </p:timing>
 </p:sld>
 </file>
 
@@ -37681,7 +37856,7 @@
           <a:p>
             <a:pPr>
               <a:lnSpc>
-                <a:spcPts val="3600"/>
+                <a:spcPct val="100000"/>
               </a:lnSpc>
             </a:pPr>
             <a:r>
@@ -37692,7 +37867,7 @@
           <a:p>
             <a:pPr lvl="1">
               <a:lnSpc>
-                <a:spcPts val="3600"/>
+                <a:spcPct val="100000"/>
               </a:lnSpc>
             </a:pPr>
             <a:r>
@@ -37712,7 +37887,7 @@
           <a:p>
             <a:pPr>
               <a:lnSpc>
-                <a:spcPts val="3600"/>
+                <a:spcPct val="100000"/>
               </a:lnSpc>
             </a:pPr>
             <a:r>
@@ -37728,7 +37903,7 @@
           <a:p>
             <a:pPr>
               <a:lnSpc>
-                <a:spcPts val="3600"/>
+                <a:spcPct val="100000"/>
               </a:lnSpc>
             </a:pPr>
             <a:r>
@@ -37740,7 +37915,7 @@
           <a:p>
             <a:pPr lvl="1">
               <a:lnSpc>
-                <a:spcPts val="3600"/>
+                <a:spcPct val="100000"/>
               </a:lnSpc>
             </a:pPr>
             <a:r>
@@ -37751,7 +37926,7 @@
           <a:p>
             <a:pPr lvl="1">
               <a:lnSpc>
-                <a:spcPts val="3600"/>
+                <a:spcPct val="100000"/>
               </a:lnSpc>
             </a:pPr>
             <a:r>
@@ -37762,7 +37937,7 @@
           <a:p>
             <a:pPr lvl="1">
               <a:lnSpc>
-                <a:spcPts val="3600"/>
+                <a:spcPct val="100000"/>
               </a:lnSpc>
             </a:pPr>
             <a:r>
@@ -37778,7 +37953,7 @@
           <a:p>
             <a:pPr lvl="1">
               <a:lnSpc>
-                <a:spcPts val="3600"/>
+                <a:spcPct val="100000"/>
               </a:lnSpc>
             </a:pPr>
             <a:r>
@@ -37789,7 +37964,7 @@
           <a:p>
             <a:pPr>
               <a:lnSpc>
-                <a:spcPts val="3600"/>
+                <a:spcPct val="100000"/>
               </a:lnSpc>
             </a:pPr>
             <a:r>
@@ -38962,6 +39137,9 @@
           <a:lstStyle/>
           <a:p>
             <a:pPr marL="542925" indent="-542925">
+              <a:lnSpc>
+                <a:spcPct val="100000"/>
+              </a:lnSpc>
               <a:buSzPct val="90000"/>
               <a:buFont typeface="Wingdings" pitchFamily="2" charset="2"/>
               <a:buAutoNum type="arabicPeriod" startAt="7"/>
@@ -38978,6 +39156,9 @@
           </a:p>
           <a:p>
             <a:pPr marL="542925" indent="-542925">
+              <a:lnSpc>
+                <a:spcPct val="100000"/>
+              </a:lnSpc>
               <a:buSzPct val="90000"/>
               <a:buFont typeface="Wingdings" pitchFamily="2" charset="2"/>
               <a:buAutoNum type="arabicPeriod" startAt="7"/>
@@ -39001,6 +39182,9 @@
           </a:p>
           <a:p>
             <a:pPr marL="542925" indent="-542925">
+              <a:lnSpc>
+                <a:spcPct val="100000"/>
+              </a:lnSpc>
               <a:buSzPct val="90000"/>
               <a:buFont typeface="Wingdings" pitchFamily="2" charset="2"/>
               <a:buAutoNum type="arabicPeriod" startAt="7"/>
@@ -39020,6 +39204,9 @@
           </a:p>
           <a:p>
             <a:pPr marL="542925" indent="-542925">
+              <a:lnSpc>
+                <a:spcPct val="100000"/>
+              </a:lnSpc>
               <a:buSzPct val="90000"/>
               <a:buFont typeface="Wingdings" pitchFamily="2" charset="2"/>
               <a:buAutoNum type="arabicPeriod" startAt="7"/>
@@ -39047,6 +39234,9 @@
           </a:p>
           <a:p>
             <a:pPr marL="542925" indent="-542925">
+              <a:lnSpc>
+                <a:spcPct val="100000"/>
+              </a:lnSpc>
               <a:buSzPct val="90000"/>
               <a:buFont typeface="Wingdings" pitchFamily="2" charset="2"/>
               <a:buAutoNum type="arabicPeriod" startAt="7"/>
@@ -39619,7 +39809,11 @@
           <a:bodyPr/>
           <a:lstStyle/>
           <a:p>
-            <a:pPr lvl="1"/>
+            <a:pPr lvl="1">
+              <a:lnSpc>
+                <a:spcPct val="100000"/>
+              </a:lnSpc>
+            </a:pPr>
             <a:r>
               <a:rPr lang="en-US" dirty="0" smtClean="0"/>
               <a:t>The OS</a:t>
@@ -39654,7 +39848,11 @@
             </a:r>
           </a:p>
           <a:p>
-            <a:pPr lvl="1"/>
+            <a:pPr lvl="1">
+              <a:lnSpc>
+                <a:spcPct val="100000"/>
+              </a:lnSpc>
+            </a:pPr>
             <a:r>
               <a:rPr lang="en-US" dirty="0"/>
               <a:t>Provides to the applications some services (threads</a:t>
@@ -39678,7 +39876,11 @@
             <a:endParaRPr lang="bg-BG" dirty="0"/>
           </a:p>
           <a:p>
-            <a:pPr lvl="1"/>
+            <a:pPr lvl="1">
+              <a:lnSpc>
+                <a:spcPct val="100000"/>
+              </a:lnSpc>
+            </a:pPr>
             <a:r>
               <a:rPr lang="en-US" dirty="0"/>
               <a:t>CLR is a separate process </a:t>
@@ -40386,9 +40588,6 @@
           <a:lstStyle/>
           <a:p>
             <a:pPr marL="630238" lvl="1" indent="-273050" eaLnBrk="0" hangingPunct="0">
-              <a:lnSpc>
-                <a:spcPts val="3800"/>
-              </a:lnSpc>
               <a:spcBef>
                 <a:spcPts val="600"/>
               </a:spcBef>
@@ -40496,9 +40695,6 @@
           </a:p>
           <a:p>
             <a:pPr marL="630238" lvl="1" indent="-273050" eaLnBrk="0" hangingPunct="0">
-              <a:lnSpc>
-                <a:spcPts val="3800"/>
-              </a:lnSpc>
               <a:spcBef>
                 <a:spcPts val="600"/>
               </a:spcBef>

--- a/2010/lectures/1. .NET Framework Overview.pptx
+++ b/2010/lectures/1. .NET Framework Overview.pptx
@@ -2,7 +2,7 @@
 <file path=ppt/presentation.xml><?xml version="1.0" encoding="utf-8"?>
 <p:presentation xmlns:a="http://schemas.openxmlformats.org/drawingml/2006/main" xmlns:r="http://schemas.openxmlformats.org/officeDocument/2006/relationships" xmlns:p="http://schemas.openxmlformats.org/presentationml/2006/main" saveSubsetFonts="1">
   <p:sldMasterIdLst>
-    <p:sldMasterId id="2147483672" r:id="rId1"/>
+    <p:sldMasterId id="2147483704" r:id="rId1"/>
   </p:sldMasterIdLst>
   <p:notesMasterIdLst>
     <p:notesMasterId r:id="rId57"/>
@@ -312,7 +312,7 @@
             <a:fld id="{3BF7C7B5-275F-4D1F-9AB4-9255447DBC73}" type="datetimeFigureOut">
               <a:rPr lang="en-US"/>
               <a:pPr/>
-              <a:t>10/6/2010</a:t>
+              <a:t>06-Oct-10</a:t>
             </a:fld>
             <a:endParaRPr lang="en-US" dirty="0"/>
           </a:p>
@@ -543,7 +543,7 @@
             <a:fld id="{9B46F231-FB2B-4655-A644-E2477325E686}" type="datetimeFigureOut">
               <a:rPr lang="en-US"/>
               <a:pPr/>
-              <a:t>10/6/2010</a:t>
+              <a:t>06-Oct-10</a:t>
             </a:fld>
             <a:endParaRPr lang="en-US" dirty="0"/>
           </a:p>
@@ -8981,7 +8981,7 @@
 </file>
 
 <file path=ppt/slideLayouts/slideLayout1.xml><?xml version="1.0" encoding="utf-8"?>
-<p:sldLayout xmlns:a="http://schemas.openxmlformats.org/drawingml/2006/main" xmlns:r="http://schemas.openxmlformats.org/officeDocument/2006/relationships" xmlns:p="http://schemas.openxmlformats.org/presentationml/2006/main" preserve="1" userDrawn="1">
+<p:sldLayout xmlns:a="http://schemas.openxmlformats.org/drawingml/2006/main" xmlns:r="http://schemas.openxmlformats.org/officeDocument/2006/relationships" xmlns:p="http://schemas.openxmlformats.org/presentationml/2006/main" preserve="1">
   <p:cSld name="Presentation Title Slide">
     <p:spTree>
       <p:nvGrpSpPr>
@@ -9035,7 +9035,7 @@
                       <a:alpha val="90000"/>
                     </a:schemeClr>
                   </a:outerShdw>
-                  <a:reflection blurRad="12000" stA="25000" endPos="49000" dist="5000" dir="5400000" sy="-100000" algn="bl" rotWithShape="0"/>
+                  <a:reflection blurRad="12000" stA="20000" endPos="50000" dist="12700" dir="5400000" sy="-100000" algn="bl" rotWithShape="0"/>
                 </a:effectLst>
               </a:defRPr>
             </a:lvl1pPr>
@@ -9069,7 +9069,7 @@
           </a:prstGeom>
         </p:spPr>
         <p:txBody>
-          <a:bodyPr lIns="0" tIns="0" rIns="0" bIns="0" anchor="ctr" anchorCtr="0"/>
+          <a:bodyPr lIns="90000" tIns="0" rIns="90000" bIns="0" anchor="ctr" anchorCtr="0"/>
           <a:lstStyle>
             <a:lvl1pPr marL="0" indent="0" algn="r">
               <a:buNone/>
@@ -9117,7 +9117,7 @@
         <p:nvCxnSpPr>
           <p:cNvPr id="11" name="Straight Connector 10"/>
           <p:cNvCxnSpPr/>
-          <p:nvPr userDrawn="1"/>
+          <p:nvPr/>
         </p:nvCxnSpPr>
         <p:spPr>
           <a:xfrm>
@@ -9388,6 +9388,52 @@
           </a:p>
         </p:txBody>
       </p:sp>
+      <p:cxnSp>
+        <p:nvCxnSpPr>
+          <p:cNvPr id="8" name="Straight Connector 7"/>
+          <p:cNvCxnSpPr/>
+          <p:nvPr userDrawn="1"/>
+        </p:nvCxnSpPr>
+        <p:spPr>
+          <a:xfrm>
+            <a:off x="2667000" y="4114800"/>
+            <a:ext cx="6248400" cy="0"/>
+          </a:xfrm>
+          <a:prstGeom prst="line">
+            <a:avLst/>
+          </a:prstGeom>
+          <a:ln w="38100" cap="rnd">
+            <a:solidFill>
+              <a:schemeClr val="accent5">
+                <a:lumMod val="20000"/>
+                <a:lumOff val="80000"/>
+                <a:alpha val="50000"/>
+              </a:schemeClr>
+            </a:solidFill>
+          </a:ln>
+          <a:effectLst>
+            <a:outerShdw blurRad="50800" dist="38100" dir="2700000" algn="tl" rotWithShape="0">
+              <a:prstClr val="black">
+                <a:alpha val="40000"/>
+              </a:prstClr>
+            </a:outerShdw>
+          </a:effectLst>
+        </p:spPr>
+        <p:style>
+          <a:lnRef idx="1">
+            <a:schemeClr val="accent1"/>
+          </a:lnRef>
+          <a:fillRef idx="0">
+            <a:schemeClr val="accent1"/>
+          </a:fillRef>
+          <a:effectRef idx="0">
+            <a:schemeClr val="accent1"/>
+          </a:effectRef>
+          <a:fontRef idx="minor">
+            <a:schemeClr val="tx1"/>
+          </a:fontRef>
+        </p:style>
+      </p:cxnSp>
     </p:spTree>
   </p:cSld>
   <p:clrMapOvr>
@@ -9444,11 +9490,35 @@
             <a:noAutofit/>
           </a:bodyPr>
           <a:lstStyle>
-            <a:lvl1pPr>
+            <a:lvl1pPr algn="r" rtl="0" eaLnBrk="0" fontAlgn="base" hangingPunct="0">
               <a:lnSpc>
                 <a:spcPts val="4000"/>
               </a:lnSpc>
-              <a:defRPr sz="4000"/>
+              <a:spcBef>
+                <a:spcPct val="0"/>
+              </a:spcBef>
+              <a:spcAft>
+                <a:spcPct val="0"/>
+              </a:spcAft>
+              <a:defRPr lang="en-US" sz="4000" b="1" kern="1200" baseline="0" dirty="0">
+                <a:ln w="500">
+                  <a:noFill/>
+                </a:ln>
+                <a:solidFill>
+                  <a:schemeClr val="tx2"/>
+                </a:solidFill>
+                <a:effectLst>
+                  <a:outerShdw blurRad="38100" dist="38100" dir="2700000" algn="tl">
+                    <a:srgbClr val="000000">
+                      <a:alpha val="43137"/>
+                    </a:srgbClr>
+                  </a:outerShdw>
+                  <a:reflection blurRad="12700" stA="20000" endPos="50000" dist="12700" dir="5400000" sy="-100000" algn="bl" rotWithShape="0"/>
+                </a:effectLst>
+                <a:latin typeface="+mj-lt"/>
+                <a:ea typeface="+mj-ea"/>
+                <a:cs typeface="+mj-cs"/>
+              </a:defRPr>
             </a:lvl1pPr>
           </a:lstStyle>
           <a:p>
@@ -9713,8 +9783,8 @@
         </p:nvSpPr>
         <p:spPr>
           <a:xfrm>
-            <a:off x="457200" y="2743201"/>
-            <a:ext cx="8229600" cy="685800"/>
+            <a:off x="609600" y="2743201"/>
+            <a:ext cx="7924800" cy="685800"/>
           </a:xfrm>
           <a:prstGeom prst="rect">
             <a:avLst/>
@@ -9725,7 +9795,7 @@
           <a:lstStyle>
             <a:lvl1pPr algn="ctr">
               <a:lnSpc>
-                <a:spcPts val="5800"/>
+                <a:spcPts val="5000"/>
               </a:lnSpc>
               <a:defRPr sz="5000" cap="none" baseline="0">
                 <a:effectLst>
@@ -9736,7 +9806,7 @@
                       <a:alpha val="90000"/>
                     </a:schemeClr>
                   </a:outerShdw>
-                  <a:reflection blurRad="12000" stA="25000" endPos="49000" dist="5000" dir="5400000" sy="-100000" algn="bl" rotWithShape="0"/>
+                  <a:reflection blurRad="12000" stA="20000" endPos="50000" dist="12700" dir="5400000" sy="-100000" algn="bl" rotWithShape="0"/>
                 </a:effectLst>
               </a:defRPr>
             </a:lvl1pPr>
@@ -9762,8 +9832,8 @@
         </p:nvSpPr>
         <p:spPr>
           <a:xfrm>
-            <a:off x="457200" y="3469480"/>
-            <a:ext cx="8229600" cy="569120"/>
+            <a:off x="609600" y="3469480"/>
+            <a:ext cx="7924800" cy="569120"/>
           </a:xfrm>
           <a:prstGeom prst="rect">
             <a:avLst/>
@@ -9854,8 +9924,1102 @@
 </file>
 
 <file path=ppt/slideLayouts/slideLayout4.xml><?xml version="1.0" encoding="utf-8"?>
+<p:sldLayout xmlns:a="http://schemas.openxmlformats.org/drawingml/2006/main" xmlns:r="http://schemas.openxmlformats.org/officeDocument/2006/relationships" xmlns:p="http://schemas.openxmlformats.org/presentationml/2006/main" preserve="1">
+  <p:cSld name="Source Code Example">
+    <p:spTree>
+      <p:nvGrpSpPr>
+        <p:cNvPr id="1" name=""/>
+        <p:cNvGrpSpPr/>
+        <p:nvPr/>
+      </p:nvGrpSpPr>
+      <p:grpSpPr>
+        <a:xfrm>
+          <a:off x="0" y="0"/>
+          <a:ext cx="0" cy="0"/>
+          <a:chOff x="0" y="0"/>
+          <a:chExt cx="0" cy="0"/>
+        </a:xfrm>
+      </p:grpSpPr>
+      <p:sp>
+        <p:nvSpPr>
+          <p:cNvPr id="3" name="Title 1"/>
+          <p:cNvSpPr>
+            <a:spLocks noGrp="1"/>
+          </p:cNvSpPr>
+          <p:nvPr>
+            <p:ph type="title" hasCustomPrompt="1"/>
+          </p:nvPr>
+        </p:nvSpPr>
+        <p:spPr>
+          <a:xfrm>
+            <a:off x="1828800" y="76200"/>
+            <a:ext cx="7086600" cy="914400"/>
+          </a:xfrm>
+          <a:prstGeom prst="rect">
+            <a:avLst/>
+          </a:prstGeom>
+        </p:spPr>
+        <p:txBody>
+          <a:bodyPr anchor="ctr" anchorCtr="0">
+            <a:noAutofit/>
+          </a:bodyPr>
+          <a:lstStyle>
+            <a:lvl1pPr>
+              <a:lnSpc>
+                <a:spcPts val="4000"/>
+              </a:lnSpc>
+              <a:defRPr sz="4000">
+                <a:effectLst>
+                  <a:outerShdw blurRad="38100" dist="38100" dir="2700000" algn="tl">
+                    <a:srgbClr val="000000">
+                      <a:alpha val="43137"/>
+                    </a:srgbClr>
+                  </a:outerShdw>
+                  <a:reflection blurRad="12700" stA="20000" endPos="50000" dist="12700" dir="5400000" sy="-100000" algn="bl" rotWithShape="0"/>
+                </a:effectLst>
+              </a:defRPr>
+            </a:lvl1pPr>
+          </a:lstStyle>
+          <a:p>
+            <a:r>
+              <a:rPr lang="en-US" dirty="0" smtClean="0"/>
+              <a:t>Slide Title</a:t>
+            </a:r>
+            <a:endParaRPr lang="en-US" dirty="0"/>
+          </a:p>
+        </p:txBody>
+      </p:sp>
+      <p:sp>
+        <p:nvSpPr>
+          <p:cNvPr id="4" name="Content Placeholder 2"/>
+          <p:cNvSpPr>
+            <a:spLocks noGrp="1"/>
+          </p:cNvSpPr>
+          <p:nvPr>
+            <p:ph idx="1" hasCustomPrompt="1"/>
+          </p:nvPr>
+        </p:nvSpPr>
+        <p:spPr>
+          <a:xfrm>
+            <a:off x="228600" y="1066800"/>
+            <a:ext cx="8686800" cy="579646"/>
+          </a:xfrm>
+          <a:prstGeom prst="rect">
+            <a:avLst/>
+          </a:prstGeom>
+        </p:spPr>
+        <p:txBody>
+          <a:bodyPr>
+            <a:spAutoFit/>
+          </a:bodyPr>
+          <a:lstStyle>
+            <a:lvl1pPr marL="319088" marR="0" indent="-319088" algn="l" defTabSz="914400" rtl="0" eaLnBrk="0" fontAlgn="base" latinLnBrk="0" hangingPunct="0">
+              <a:lnSpc>
+                <a:spcPct val="100000"/>
+              </a:lnSpc>
+              <a:spcBef>
+                <a:spcPct val="20000"/>
+              </a:spcBef>
+              <a:spcAft>
+                <a:spcPct val="0"/>
+              </a:spcAft>
+              <a:buClr>
+                <a:srgbClr val="46A6BD">
+                  <a:lumMod val="40000"/>
+                  <a:lumOff val="60000"/>
+                </a:srgbClr>
+              </a:buClr>
+              <a:buSzPct val="70000"/>
+              <a:buFont typeface="Wingdings 2" pitchFamily="18" charset="2"/>
+              <a:buChar char=""/>
+              <a:tabLst/>
+              <a:defRPr sz="3000" baseline="0">
+                <a:solidFill>
+                  <a:schemeClr val="tx1">
+                    <a:lumMod val="40000"/>
+                    <a:lumOff val="60000"/>
+                  </a:schemeClr>
+                </a:solidFill>
+              </a:defRPr>
+            </a:lvl1pPr>
+            <a:lvl2pPr>
+              <a:lnSpc>
+                <a:spcPts val="3800"/>
+              </a:lnSpc>
+              <a:spcBef>
+                <a:spcPts val="600"/>
+              </a:spcBef>
+              <a:spcAft>
+                <a:spcPts val="600"/>
+              </a:spcAft>
+              <a:buClr>
+                <a:srgbClr val="8FD600"/>
+              </a:buClr>
+              <a:defRPr sz="3000">
+                <a:solidFill>
+                  <a:schemeClr val="tx1">
+                    <a:lumMod val="40000"/>
+                    <a:lumOff val="60000"/>
+                  </a:schemeClr>
+                </a:solidFill>
+              </a:defRPr>
+            </a:lvl2pPr>
+            <a:lvl3pPr>
+              <a:lnSpc>
+                <a:spcPts val="3800"/>
+              </a:lnSpc>
+              <a:spcBef>
+                <a:spcPts val="600"/>
+              </a:spcBef>
+              <a:spcAft>
+                <a:spcPts val="600"/>
+              </a:spcAft>
+              <a:buClr>
+                <a:srgbClr val="FFAD9F"/>
+              </a:buClr>
+              <a:defRPr sz="2800">
+                <a:solidFill>
+                  <a:schemeClr val="tx1">
+                    <a:lumMod val="40000"/>
+                    <a:lumOff val="60000"/>
+                  </a:schemeClr>
+                </a:solidFill>
+              </a:defRPr>
+            </a:lvl3pPr>
+            <a:lvl4pPr>
+              <a:lnSpc>
+                <a:spcPts val="3800"/>
+              </a:lnSpc>
+              <a:spcBef>
+                <a:spcPts val="600"/>
+              </a:spcBef>
+              <a:spcAft>
+                <a:spcPts val="600"/>
+              </a:spcAft>
+              <a:buClr>
+                <a:srgbClr val="FACF82"/>
+              </a:buClr>
+              <a:defRPr sz="2600">
+                <a:solidFill>
+                  <a:schemeClr val="tx1">
+                    <a:lumMod val="40000"/>
+                    <a:lumOff val="60000"/>
+                  </a:schemeClr>
+                </a:solidFill>
+              </a:defRPr>
+            </a:lvl4pPr>
+            <a:lvl5pPr>
+              <a:lnSpc>
+                <a:spcPts val="3800"/>
+              </a:lnSpc>
+              <a:spcBef>
+                <a:spcPts val="600"/>
+              </a:spcBef>
+              <a:spcAft>
+                <a:spcPts val="600"/>
+              </a:spcAft>
+              <a:defRPr sz="2400">
+                <a:solidFill>
+                  <a:schemeClr val="tx1">
+                    <a:lumMod val="40000"/>
+                    <a:lumOff val="60000"/>
+                  </a:schemeClr>
+                </a:solidFill>
+              </a:defRPr>
+            </a:lvl5pPr>
+          </a:lstStyle>
+          <a:p>
+            <a:pPr marL="319088" marR="0" lvl="0" indent="-319088" algn="l" defTabSz="914400" rtl="0" eaLnBrk="0" fontAlgn="base" latinLnBrk="0" hangingPunct="0">
+              <a:lnSpc>
+                <a:spcPct val="100000"/>
+              </a:lnSpc>
+              <a:spcBef>
+                <a:spcPct val="20000"/>
+              </a:spcBef>
+              <a:spcAft>
+                <a:spcPct val="0"/>
+              </a:spcAft>
+              <a:buClr>
+                <a:srgbClr val="46A6BD">
+                  <a:lumMod val="40000"/>
+                  <a:lumOff val="60000"/>
+                </a:srgbClr>
+              </a:buClr>
+              <a:buSzPct val="70000"/>
+              <a:buFont typeface="Wingdings 2" pitchFamily="18" charset="2"/>
+              <a:buChar char=""/>
+              <a:tabLst/>
+              <a:defRPr/>
+            </a:pPr>
+            <a:r>
+              <a:rPr kumimoji="0" lang="en-US" sz="3200" b="1" i="0" u="none" strike="noStrike" kern="1200" cap="none" spc="0" normalizeH="0" baseline="0" noProof="0" dirty="0" smtClean="0">
+                <a:ln>
+                  <a:noFill/>
+                </a:ln>
+                <a:solidFill>
+                  <a:srgbClr val="CCFF66">
+                    <a:lumMod val="20000"/>
+                    <a:lumOff val="80000"/>
+                  </a:srgbClr>
+                </a:solidFill>
+                <a:effectLst>
+                  <a:outerShdw blurRad="38100" dist="38100" dir="2700000" algn="tl">
+                    <a:srgbClr val="000000">
+                      <a:alpha val="43137"/>
+                    </a:srgbClr>
+                  </a:outerShdw>
+                </a:effectLst>
+                <a:uLnTx/>
+                <a:uFillTx/>
+                <a:latin typeface="+mn-lt"/>
+                <a:ea typeface="+mn-ea"/>
+                <a:cs typeface="+mn-cs"/>
+              </a:rPr>
+              <a:t>First Level</a:t>
+            </a:r>
+          </a:p>
+        </p:txBody>
+      </p:sp>
+      <p:sp>
+        <p:nvSpPr>
+          <p:cNvPr id="6" name="Text Placeholder 5"/>
+          <p:cNvSpPr>
+            <a:spLocks noGrp="1"/>
+          </p:cNvSpPr>
+          <p:nvPr>
+            <p:ph type="body" sz="quarter" idx="10" hasCustomPrompt="1"/>
+          </p:nvPr>
+        </p:nvSpPr>
+        <p:spPr>
+          <a:xfrm>
+            <a:off x="457200" y="1828800"/>
+            <a:ext cx="8153400" cy="4708981"/>
+          </a:xfrm>
+          <a:prstGeom prst="rect">
+            <a:avLst/>
+          </a:prstGeom>
+          <a:solidFill>
+            <a:schemeClr val="accent5">
+              <a:lumMod val="40000"/>
+              <a:lumOff val="60000"/>
+              <a:alpha val="15000"/>
+            </a:schemeClr>
+          </a:solidFill>
+          <a:ln w="12700">
+            <a:solidFill>
+              <a:schemeClr val="accent5">
+                <a:lumMod val="60000"/>
+                <a:lumOff val="40000"/>
+              </a:schemeClr>
+            </a:solidFill>
+          </a:ln>
+        </p:spPr>
+        <p:txBody>
+          <a:bodyPr wrap="square">
+            <a:spAutoFit/>
+          </a:bodyPr>
+          <a:lstStyle>
+            <a:lvl1pPr marL="0" indent="0" algn="l">
+              <a:spcBef>
+                <a:spcPts val="0"/>
+              </a:spcBef>
+              <a:buNone/>
+              <a:defRPr lang="en-US" sz="2000" smtClean="0">
+                <a:solidFill>
+                  <a:srgbClr val="8CF4F2"/>
+                </a:solidFill>
+                <a:latin typeface="Consolas" pitchFamily="49" charset="0"/>
+                <a:cs typeface="Consolas" pitchFamily="49" charset="0"/>
+              </a:defRPr>
+            </a:lvl1pPr>
+          </a:lstStyle>
+          <a:p>
+            <a:pPr lvl="0"/>
+            <a:r>
+              <a:rPr lang="en-US" noProof="1" smtClean="0"/>
+              <a:t>Source code box</a:t>
+            </a:r>
+          </a:p>
+          <a:p>
+            <a:pPr lvl="0"/>
+            <a:endParaRPr lang="en-US" noProof="1" smtClean="0"/>
+          </a:p>
+          <a:p>
+            <a:pPr lvl="0"/>
+            <a:endParaRPr lang="en-US" noProof="1" smtClean="0"/>
+          </a:p>
+          <a:p>
+            <a:pPr lvl="0"/>
+            <a:endParaRPr lang="en-US" noProof="1" smtClean="0"/>
+          </a:p>
+          <a:p>
+            <a:pPr lvl="0"/>
+            <a:endParaRPr lang="en-US" noProof="1" smtClean="0"/>
+          </a:p>
+          <a:p>
+            <a:pPr lvl="0"/>
+            <a:endParaRPr lang="en-US" noProof="1" smtClean="0"/>
+          </a:p>
+          <a:p>
+            <a:pPr lvl="0"/>
+            <a:endParaRPr lang="en-US" noProof="1" smtClean="0"/>
+          </a:p>
+          <a:p>
+            <a:pPr lvl="0"/>
+            <a:endParaRPr lang="en-US" noProof="1" smtClean="0"/>
+          </a:p>
+          <a:p>
+            <a:pPr lvl="0"/>
+            <a:endParaRPr lang="en-US" noProof="1" smtClean="0"/>
+          </a:p>
+          <a:p>
+            <a:pPr lvl="0"/>
+            <a:endParaRPr lang="en-US" noProof="1" smtClean="0"/>
+          </a:p>
+          <a:p>
+            <a:pPr lvl="0"/>
+            <a:endParaRPr lang="en-US" noProof="1" smtClean="0"/>
+          </a:p>
+          <a:p>
+            <a:pPr lvl="0"/>
+            <a:endParaRPr lang="en-US" noProof="1" smtClean="0"/>
+          </a:p>
+          <a:p>
+            <a:pPr lvl="0"/>
+            <a:endParaRPr lang="en-US" noProof="1" smtClean="0"/>
+          </a:p>
+          <a:p>
+            <a:pPr lvl="0"/>
+            <a:endParaRPr lang="en-US" noProof="1" smtClean="0"/>
+          </a:p>
+          <a:p>
+            <a:pPr lvl="0"/>
+            <a:endParaRPr lang="en-US" noProof="1" smtClean="0"/>
+          </a:p>
+        </p:txBody>
+      </p:sp>
+      <p:sp>
+        <p:nvSpPr>
+          <p:cNvPr id="8" name="Slide Number Placeholder 7"/>
+          <p:cNvSpPr>
+            <a:spLocks noGrp="1"/>
+          </p:cNvSpPr>
+          <p:nvPr>
+            <p:ph type="sldNum" sz="quarter" idx="11"/>
+          </p:nvPr>
+        </p:nvSpPr>
+        <p:spPr/>
+        <p:txBody>
+          <a:bodyPr/>
+          <a:lstStyle/>
+          <a:p>
+            <a:pPr>
+              <a:defRPr/>
+            </a:pPr>
+            <a:fld id="{58452FF4-89E3-4D1B-9927-2DBDC00E58D7}" type="slidenum">
+              <a:rPr lang="en-US" smtClean="0"/>
+              <a:pPr>
+                <a:defRPr/>
+              </a:pPr>
+              <a:t>‹#›</a:t>
+            </a:fld>
+            <a:endParaRPr lang="en-US" dirty="0"/>
+          </a:p>
+        </p:txBody>
+      </p:sp>
+    </p:spTree>
+  </p:cSld>
+  <p:clrMapOvr>
+    <a:masterClrMapping/>
+  </p:clrMapOvr>
+  <p:timing>
+    <p:tnLst>
+      <p:par>
+        <p:cTn id="1" dur="indefinite" restart="never" nodeType="tmRoot"/>
+      </p:par>
+    </p:tnLst>
+  </p:timing>
+</p:sldLayout>
+</file>
+
+<file path=ppt/slideLayouts/slideLayout5.xml><?xml version="1.0" encoding="utf-8"?>
+<p:sldLayout xmlns:a="http://schemas.openxmlformats.org/drawingml/2006/main" xmlns:r="http://schemas.openxmlformats.org/officeDocument/2006/relationships" xmlns:p="http://schemas.openxmlformats.org/presentationml/2006/main" preserve="1">
+  <p:cSld name="Questions Slide">
+    <p:spTree>
+      <p:nvGrpSpPr>
+        <p:cNvPr id="1" name=""/>
+        <p:cNvGrpSpPr/>
+        <p:nvPr/>
+      </p:nvGrpSpPr>
+      <p:grpSpPr>
+        <a:xfrm>
+          <a:off x="0" y="0"/>
+          <a:ext cx="0" cy="0"/>
+          <a:chOff x="0" y="0"/>
+          <a:chExt cx="0" cy="0"/>
+        </a:xfrm>
+      </p:grpSpPr>
+      <p:sp>
+        <p:nvSpPr>
+          <p:cNvPr id="8" name="Title 1"/>
+          <p:cNvSpPr>
+            <a:spLocks noGrp="1"/>
+          </p:cNvSpPr>
+          <p:nvPr>
+            <p:ph type="title" hasCustomPrompt="1"/>
+          </p:nvPr>
+        </p:nvSpPr>
+        <p:spPr>
+          <a:xfrm>
+            <a:off x="1828800" y="152400"/>
+            <a:ext cx="7086600" cy="914400"/>
+          </a:xfrm>
+          <a:prstGeom prst="rect">
+            <a:avLst/>
+          </a:prstGeom>
+        </p:spPr>
+        <p:txBody>
+          <a:bodyPr anchor="ctr" anchorCtr="0">
+            <a:noAutofit/>
+          </a:bodyPr>
+          <a:lstStyle>
+            <a:lvl1pPr algn="r" rtl="0" eaLnBrk="0" fontAlgn="base" hangingPunct="0">
+              <a:lnSpc>
+                <a:spcPts val="4000"/>
+              </a:lnSpc>
+              <a:spcBef>
+                <a:spcPct val="0"/>
+              </a:spcBef>
+              <a:spcAft>
+                <a:spcPct val="0"/>
+              </a:spcAft>
+              <a:defRPr lang="en-US" sz="4000" b="1" kern="1200" baseline="0" dirty="0">
+                <a:ln w="500">
+                  <a:noFill/>
+                </a:ln>
+                <a:solidFill>
+                  <a:schemeClr val="tx2"/>
+                </a:solidFill>
+                <a:effectLst>
+                  <a:outerShdw blurRad="38100" dist="38100" dir="2700000" algn="tl">
+                    <a:srgbClr val="000000">
+                      <a:alpha val="43137"/>
+                    </a:srgbClr>
+                  </a:outerShdw>
+                  <a:reflection blurRad="12700" stA="20000" endPos="50000" dist="12700" dir="5400000" sy="-100000" algn="bl" rotWithShape="0"/>
+                </a:effectLst>
+                <a:latin typeface="+mj-lt"/>
+                <a:ea typeface="+mj-ea"/>
+                <a:cs typeface="+mj-cs"/>
+              </a:defRPr>
+            </a:lvl1pPr>
+          </a:lstStyle>
+          <a:p>
+            <a:r>
+              <a:rPr lang="en-US" dirty="0" smtClean="0"/>
+              <a:t>Presentation Title</a:t>
+            </a:r>
+            <a:endParaRPr lang="en-US" dirty="0"/>
+          </a:p>
+        </p:txBody>
+      </p:sp>
+      <p:sp>
+        <p:nvSpPr>
+          <p:cNvPr id="10" name="TextBox 9"/>
+          <p:cNvSpPr txBox="1"/>
+          <p:nvPr/>
+        </p:nvSpPr>
+        <p:spPr>
+          <a:xfrm>
+            <a:off x="1295400" y="2438400"/>
+            <a:ext cx="6400800" cy="2097345"/>
+          </a:xfrm>
+          <a:prstGeom prst="rect">
+            <a:avLst/>
+          </a:prstGeom>
+        </p:spPr>
+        <p:txBody>
+          <a:bodyPr anchor="ctr" anchorCtr="0"/>
+          <a:lstStyle/>
+          <a:p>
+            <a:pPr marL="319088" marR="0" lvl="0" indent="-319088" algn="ctr" defTabSz="914400" rtl="0" eaLnBrk="0" fontAlgn="base" latinLnBrk="0" hangingPunct="0">
+              <a:lnSpc>
+                <a:spcPct val="100000"/>
+              </a:lnSpc>
+              <a:spcBef>
+                <a:spcPct val="20000"/>
+              </a:spcBef>
+              <a:spcAft>
+                <a:spcPct val="0"/>
+              </a:spcAft>
+              <a:buClr>
+                <a:schemeClr val="accent5">
+                  <a:lumMod val="40000"/>
+                  <a:lumOff val="60000"/>
+                </a:schemeClr>
+              </a:buClr>
+              <a:buSzPct val="70000"/>
+              <a:buFont typeface="Wingdings 2" pitchFamily="18" charset="2"/>
+              <a:buNone/>
+              <a:tabLst/>
+              <a:defRPr/>
+            </a:pPr>
+            <a:r>
+              <a:rPr lang="en-US" sz="8000" b="1" kern="1200" dirty="0" smtClean="0">
+                <a:solidFill>
+                  <a:srgbClr val="E8FFC8"/>
+                </a:solidFill>
+                <a:effectLst>
+                  <a:outerShdw blurRad="38100" dist="38100" dir="2700000" algn="tl">
+                    <a:srgbClr val="000000">
+                      <a:alpha val="43137"/>
+                    </a:srgbClr>
+                  </a:outerShdw>
+                </a:effectLst>
+                <a:latin typeface="+mn-lt"/>
+                <a:ea typeface="+mn-ea"/>
+                <a:cs typeface="+mn-cs"/>
+              </a:rPr>
+              <a:t>Questions?</a:t>
+            </a:r>
+          </a:p>
+        </p:txBody>
+      </p:sp>
+      <p:sp>
+        <p:nvSpPr>
+          <p:cNvPr id="4" name="TextBox 3"/>
+          <p:cNvSpPr txBox="1"/>
+          <p:nvPr userDrawn="1"/>
+        </p:nvSpPr>
+        <p:spPr>
+          <a:xfrm>
+            <a:off x="1295400" y="2438400"/>
+            <a:ext cx="6400800" cy="2097345"/>
+          </a:xfrm>
+          <a:prstGeom prst="rect">
+            <a:avLst/>
+          </a:prstGeom>
+        </p:spPr>
+        <p:txBody>
+          <a:bodyPr anchor="ctr" anchorCtr="0"/>
+          <a:lstStyle/>
+          <a:p>
+            <a:pPr marL="319088" marR="0" lvl="0" indent="-319088" algn="ctr" defTabSz="914400" rtl="0" eaLnBrk="0" fontAlgn="base" latinLnBrk="0" hangingPunct="0">
+              <a:lnSpc>
+                <a:spcPct val="100000"/>
+              </a:lnSpc>
+              <a:spcBef>
+                <a:spcPct val="20000"/>
+              </a:spcBef>
+              <a:spcAft>
+                <a:spcPct val="0"/>
+              </a:spcAft>
+              <a:buClr>
+                <a:schemeClr val="accent5">
+                  <a:lumMod val="40000"/>
+                  <a:lumOff val="60000"/>
+                </a:schemeClr>
+              </a:buClr>
+              <a:buSzPct val="70000"/>
+              <a:buFont typeface="Wingdings 2" pitchFamily="18" charset="2"/>
+              <a:buNone/>
+              <a:tabLst/>
+              <a:defRPr/>
+            </a:pPr>
+            <a:r>
+              <a:rPr lang="en-US" sz="8000" b="1" kern="1200" dirty="0" smtClean="0">
+                <a:solidFill>
+                  <a:srgbClr val="E8FFC8"/>
+                </a:solidFill>
+                <a:effectLst>
+                  <a:outerShdw blurRad="38100" dist="38100" dir="2700000" algn="tl">
+                    <a:srgbClr val="000000">
+                      <a:alpha val="43137"/>
+                    </a:srgbClr>
+                  </a:outerShdw>
+                </a:effectLst>
+                <a:latin typeface="+mn-lt"/>
+                <a:ea typeface="+mn-ea"/>
+                <a:cs typeface="+mn-cs"/>
+              </a:rPr>
+              <a:t>Questions?</a:t>
+            </a:r>
+          </a:p>
+        </p:txBody>
+      </p:sp>
+    </p:spTree>
+  </p:cSld>
+  <p:clrMapOvr>
+    <a:masterClrMapping/>
+  </p:clrMapOvr>
+  <p:timing>
+    <p:tnLst>
+      <p:par>
+        <p:cTn id="1" dur="indefinite" restart="never" nodeType="tmRoot"/>
+      </p:par>
+    </p:tnLst>
+  </p:timing>
+</p:sldLayout>
+</file>
+
+<file path=ppt/slideLayouts/slideLayout6.xml><?xml version="1.0" encoding="utf-8"?>
+<p:sldLayout xmlns:a="http://schemas.openxmlformats.org/drawingml/2006/main" xmlns:r="http://schemas.openxmlformats.org/officeDocument/2006/relationships" xmlns:p="http://schemas.openxmlformats.org/presentationml/2006/main" type="blank" preserve="1">
+  <p:cSld name="Blank">
+    <p:spTree>
+      <p:nvGrpSpPr>
+        <p:cNvPr id="1" name=""/>
+        <p:cNvGrpSpPr/>
+        <p:nvPr/>
+      </p:nvGrpSpPr>
+      <p:grpSpPr>
+        <a:xfrm>
+          <a:off x="0" y="0"/>
+          <a:ext cx="0" cy="0"/>
+          <a:chOff x="0" y="0"/>
+          <a:chExt cx="0" cy="0"/>
+        </a:xfrm>
+      </p:grpSpPr>
+    </p:spTree>
+  </p:cSld>
+  <p:clrMapOvr>
+    <a:masterClrMapping/>
+  </p:clrMapOvr>
+  <p:timing>
+    <p:tnLst>
+      <p:par>
+        <p:cTn id="1" dur="indefinite" restart="never" nodeType="tmRoot"/>
+      </p:par>
+    </p:tnLst>
+  </p:timing>
+</p:sldLayout>
+</file>
+
+<file path=ppt/slideLayouts/slideLayout7.xml><?xml version="1.0" encoding="utf-8"?>
 <p:sldLayout xmlns:a="http://schemas.openxmlformats.org/drawingml/2006/main" xmlns:r="http://schemas.openxmlformats.org/officeDocument/2006/relationships" xmlns:p="http://schemas.openxmlformats.org/presentationml/2006/main" preserve="1" userDrawn="1">
-  <p:cSld name="Source Code Example">
+  <p:cSld name="1_Presentation Title Slide">
+    <p:spTree>
+      <p:nvGrpSpPr>
+        <p:cNvPr id="1" name=""/>
+        <p:cNvGrpSpPr/>
+        <p:nvPr/>
+      </p:nvGrpSpPr>
+      <p:grpSpPr>
+        <a:xfrm>
+          <a:off x="0" y="0"/>
+          <a:ext cx="0" cy="0"/>
+          <a:chOff x="0" y="0"/>
+          <a:chExt cx="0" cy="0"/>
+        </a:xfrm>
+      </p:grpSpPr>
+      <p:sp>
+        <p:nvSpPr>
+          <p:cNvPr id="6" name="Title 8"/>
+          <p:cNvSpPr>
+            <a:spLocks noGrp="1"/>
+          </p:cNvSpPr>
+          <p:nvPr>
+            <p:ph type="ctrTitle" hasCustomPrompt="1"/>
+          </p:nvPr>
+        </p:nvSpPr>
+        <p:spPr>
+          <a:xfrm>
+            <a:off x="457200" y="1524000"/>
+            <a:ext cx="8229600" cy="1524000"/>
+          </a:xfrm>
+          <a:prstGeom prst="rect">
+            <a:avLst/>
+          </a:prstGeom>
+        </p:spPr>
+        <p:txBody>
+          <a:bodyPr tIns="0" bIns="0" anchor="b" anchorCtr="0"/>
+          <a:lstStyle>
+            <a:lvl1pPr algn="r">
+              <a:lnSpc>
+                <a:spcPts val="5400"/>
+              </a:lnSpc>
+              <a:defRPr sz="5400" cap="none" baseline="0">
+                <a:solidFill>
+                  <a:srgbClr val="D4FF5B"/>
+                </a:solidFill>
+                <a:effectLst>
+                  <a:outerShdw blurRad="30000" dist="30000" dir="2700000" algn="tl" rotWithShape="0">
+                    <a:schemeClr val="bg2">
+                      <a:shade val="45000"/>
+                      <a:satMod val="150000"/>
+                      <a:alpha val="90000"/>
+                    </a:schemeClr>
+                  </a:outerShdw>
+                  <a:reflection blurRad="12000" stA="25000" endPos="49000" dist="5000" dir="5400000" sy="-100000" algn="bl" rotWithShape="0"/>
+                </a:effectLst>
+              </a:defRPr>
+            </a:lvl1pPr>
+          </a:lstStyle>
+          <a:p>
+            <a:r>
+              <a:rPr lang="en-US" dirty="0" smtClean="0"/>
+              <a:t>Presentation Title</a:t>
+            </a:r>
+            <a:endParaRPr lang="en-US" dirty="0"/>
+          </a:p>
+        </p:txBody>
+      </p:sp>
+      <p:sp>
+        <p:nvSpPr>
+          <p:cNvPr id="7" name="Subtitle 16"/>
+          <p:cNvSpPr>
+            <a:spLocks noGrp="1"/>
+          </p:cNvSpPr>
+          <p:nvPr>
+            <p:ph type="subTitle" idx="1" hasCustomPrompt="1"/>
+          </p:nvPr>
+        </p:nvSpPr>
+        <p:spPr>
+          <a:xfrm>
+            <a:off x="457200" y="3240880"/>
+            <a:ext cx="8229600" cy="569120"/>
+          </a:xfrm>
+          <a:prstGeom prst="rect">
+            <a:avLst/>
+          </a:prstGeom>
+        </p:spPr>
+        <p:txBody>
+          <a:bodyPr lIns="0" tIns="0" rIns="0" bIns="0" anchor="ctr" anchorCtr="0"/>
+          <a:lstStyle>
+            <a:lvl1pPr marL="0" indent="0" algn="r">
+              <a:buNone/>
+              <a:defRPr sz="2800">
+                <a:solidFill>
+                  <a:srgbClr val="FAF8C8"/>
+                </a:solidFill>
+              </a:defRPr>
+            </a:lvl1pPr>
+            <a:lvl2pPr marL="457200" indent="0" algn="ctr">
+              <a:buNone/>
+            </a:lvl2pPr>
+            <a:lvl3pPr marL="914400" indent="0" algn="ctr">
+              <a:buNone/>
+            </a:lvl3pPr>
+            <a:lvl4pPr marL="1371600" indent="0" algn="ctr">
+              <a:buNone/>
+            </a:lvl4pPr>
+            <a:lvl5pPr marL="1828800" indent="0" algn="ctr">
+              <a:buNone/>
+            </a:lvl5pPr>
+            <a:lvl6pPr marL="2286000" indent="0" algn="ctr">
+              <a:buNone/>
+            </a:lvl6pPr>
+            <a:lvl7pPr marL="2743200" indent="0" algn="ctr">
+              <a:buNone/>
+            </a:lvl7pPr>
+            <a:lvl8pPr marL="3200400" indent="0" algn="ctr">
+              <a:buNone/>
+            </a:lvl8pPr>
+            <a:lvl9pPr marL="3657600" indent="0" algn="ctr">
+              <a:buNone/>
+            </a:lvl9pPr>
+          </a:lstStyle>
+          <a:p>
+            <a:r>
+              <a:rPr lang="en-US" dirty="0" smtClean="0"/>
+              <a:t>Presentation Subtitle</a:t>
+            </a:r>
+            <a:endParaRPr lang="en-US" dirty="0"/>
+          </a:p>
+        </p:txBody>
+      </p:sp>
+      <p:cxnSp>
+        <p:nvCxnSpPr>
+          <p:cNvPr id="11" name="Straight Connector 10"/>
+          <p:cNvCxnSpPr/>
+          <p:nvPr userDrawn="1"/>
+        </p:nvCxnSpPr>
+        <p:spPr>
+          <a:xfrm>
+            <a:off x="2667000" y="4114800"/>
+            <a:ext cx="6248400" cy="0"/>
+          </a:xfrm>
+          <a:prstGeom prst="line">
+            <a:avLst/>
+          </a:prstGeom>
+          <a:ln w="38100" cap="rnd">
+            <a:solidFill>
+              <a:schemeClr val="accent5">
+                <a:lumMod val="20000"/>
+                <a:lumOff val="80000"/>
+                <a:alpha val="50000"/>
+              </a:schemeClr>
+            </a:solidFill>
+          </a:ln>
+          <a:effectLst>
+            <a:outerShdw blurRad="50800" dist="38100" dir="2700000" algn="tl" rotWithShape="0">
+              <a:prstClr val="black">
+                <a:alpha val="40000"/>
+              </a:prstClr>
+            </a:outerShdw>
+          </a:effectLst>
+        </p:spPr>
+        <p:style>
+          <a:lnRef idx="1">
+            <a:schemeClr val="accent1"/>
+          </a:lnRef>
+          <a:fillRef idx="0">
+            <a:schemeClr val="accent1"/>
+          </a:fillRef>
+          <a:effectRef idx="0">
+            <a:schemeClr val="accent1"/>
+          </a:effectRef>
+          <a:fontRef idx="minor">
+            <a:schemeClr val="tx1"/>
+          </a:fontRef>
+        </p:style>
+      </p:cxnSp>
+      <p:sp>
+        <p:nvSpPr>
+          <p:cNvPr id="14" name="Text Placeholder 13"/>
+          <p:cNvSpPr>
+            <a:spLocks noGrp="1"/>
+          </p:cNvSpPr>
+          <p:nvPr>
+            <p:ph type="body" sz="quarter" idx="10" hasCustomPrompt="1"/>
+          </p:nvPr>
+        </p:nvSpPr>
+        <p:spPr>
+          <a:xfrm>
+            <a:off x="457200" y="5224046"/>
+            <a:ext cx="3352800" cy="533400"/>
+          </a:xfrm>
+          <a:prstGeom prst="rect">
+            <a:avLst/>
+          </a:prstGeom>
+          <a:noFill/>
+        </p:spPr>
+        <p:txBody>
+          <a:bodyPr wrap="square" rtlCol="0">
+            <a:spAutoFit/>
+          </a:bodyPr>
+          <a:lstStyle>
+            <a:lvl1pPr algn="l" rtl="0" fontAlgn="base">
+              <a:spcBef>
+                <a:spcPct val="0"/>
+              </a:spcBef>
+              <a:spcAft>
+                <a:spcPct val="0"/>
+              </a:spcAft>
+              <a:buNone/>
+              <a:defRPr lang="en-US" sz="2800" b="1" kern="1200" dirty="0" smtClean="0">
+                <a:solidFill>
+                  <a:srgbClr val="DEFF9B"/>
+                </a:solidFill>
+                <a:effectLst>
+                  <a:outerShdw blurRad="38100" dist="38100" dir="2700000" algn="tl">
+                    <a:srgbClr val="000000">
+                      <a:alpha val="43137"/>
+                    </a:srgbClr>
+                  </a:outerShdw>
+                </a:effectLst>
+                <a:latin typeface="Corbel" pitchFamily="34" charset="0"/>
+                <a:ea typeface="+mn-ea"/>
+                <a:cs typeface="+mn-cs"/>
+              </a:defRPr>
+            </a:lvl1pPr>
+          </a:lstStyle>
+          <a:p>
+            <a:pPr lvl="0"/>
+            <a:r>
+              <a:rPr lang="en-US" dirty="0" smtClean="0"/>
+              <a:t>Author Name</a:t>
+            </a:r>
+            <a:endParaRPr lang="en-US" dirty="0"/>
+          </a:p>
+        </p:txBody>
+      </p:sp>
+      <p:sp>
+        <p:nvSpPr>
+          <p:cNvPr id="15" name="Text Placeholder 13"/>
+          <p:cNvSpPr>
+            <a:spLocks noGrp="1"/>
+          </p:cNvSpPr>
+          <p:nvPr>
+            <p:ph type="body" sz="quarter" idx="11" hasCustomPrompt="1"/>
+          </p:nvPr>
+        </p:nvSpPr>
+        <p:spPr>
+          <a:xfrm>
+            <a:off x="457200" y="5757446"/>
+            <a:ext cx="2090957" cy="369332"/>
+          </a:xfrm>
+          <a:prstGeom prst="rect">
+            <a:avLst/>
+          </a:prstGeom>
+          <a:noFill/>
+        </p:spPr>
+        <p:txBody>
+          <a:bodyPr wrap="none" rtlCol="0">
+            <a:spAutoFit/>
+          </a:bodyPr>
+          <a:lstStyle>
+            <a:lvl1pPr algn="l" rtl="0" fontAlgn="base">
+              <a:spcBef>
+                <a:spcPct val="0"/>
+              </a:spcBef>
+              <a:spcAft>
+                <a:spcPct val="0"/>
+              </a:spcAft>
+              <a:buNone/>
+              <a:defRPr lang="en-US" sz="1800" b="1" kern="1200" dirty="0" smtClean="0">
+                <a:solidFill>
+                  <a:srgbClr val="0EFE58"/>
+                </a:solidFill>
+                <a:effectLst>
+                  <a:outerShdw blurRad="38100" dist="38100" dir="2700000" algn="tl">
+                    <a:srgbClr val="000000">
+                      <a:alpha val="43137"/>
+                    </a:srgbClr>
+                  </a:outerShdw>
+                </a:effectLst>
+                <a:latin typeface="Corbel" pitchFamily="34" charset="0"/>
+                <a:ea typeface="+mn-ea"/>
+                <a:cs typeface="+mn-cs"/>
+              </a:defRPr>
+            </a:lvl1pPr>
+          </a:lstStyle>
+          <a:p>
+            <a:pPr algn="l"/>
+            <a:r>
+              <a:rPr lang="en-US" sz="1800" b="1" dirty="0" smtClean="0">
+                <a:solidFill>
+                  <a:srgbClr val="0EFE58"/>
+                </a:solidFill>
+                <a:effectLst>
+                  <a:outerShdw blurRad="38100" dist="38100" dir="2700000" algn="tl">
+                    <a:srgbClr val="000000">
+                      <a:alpha val="43137"/>
+                    </a:srgbClr>
+                  </a:outerShdw>
+                </a:effectLst>
+              </a:rPr>
+              <a:t>Telerik Corporation</a:t>
+            </a:r>
+            <a:endParaRPr lang="en-US" sz="1800" b="1" dirty="0">
+              <a:solidFill>
+                <a:srgbClr val="0EFE58"/>
+              </a:solidFill>
+              <a:effectLst>
+                <a:outerShdw blurRad="38100" dist="38100" dir="2700000" algn="tl">
+                  <a:srgbClr val="000000">
+                    <a:alpha val="43137"/>
+                  </a:srgbClr>
+                </a:outerShdw>
+              </a:effectLst>
+            </a:endParaRPr>
+          </a:p>
+        </p:txBody>
+      </p:sp>
+      <p:sp>
+        <p:nvSpPr>
+          <p:cNvPr id="16" name="Text Placeholder 13"/>
+          <p:cNvSpPr>
+            <a:spLocks noGrp="1"/>
+          </p:cNvSpPr>
+          <p:nvPr>
+            <p:ph type="body" sz="quarter" idx="12" hasCustomPrompt="1"/>
+          </p:nvPr>
+        </p:nvSpPr>
+        <p:spPr>
+          <a:xfrm>
+            <a:off x="457200" y="6062246"/>
+            <a:ext cx="1707903" cy="338554"/>
+          </a:xfrm>
+          <a:prstGeom prst="rect">
+            <a:avLst/>
+          </a:prstGeom>
+          <a:noFill/>
+        </p:spPr>
+        <p:txBody>
+          <a:bodyPr wrap="square" rtlCol="0">
+            <a:spAutoFit/>
+          </a:bodyPr>
+          <a:lstStyle>
+            <a:lvl1pPr algn="l" rtl="0" fontAlgn="base">
+              <a:spcBef>
+                <a:spcPct val="0"/>
+              </a:spcBef>
+              <a:spcAft>
+                <a:spcPct val="0"/>
+              </a:spcAft>
+              <a:buNone/>
+              <a:defRPr lang="en-US" sz="1600" b="1" kern="1200" dirty="0" smtClean="0">
+                <a:solidFill>
+                  <a:srgbClr val="0EFE58"/>
+                </a:solidFill>
+                <a:effectLst>
+                  <a:outerShdw blurRad="38100" dist="38100" dir="2700000" algn="tl">
+                    <a:srgbClr val="000000">
+                      <a:alpha val="43137"/>
+                    </a:srgbClr>
+                  </a:outerShdw>
+                </a:effectLst>
+                <a:latin typeface="Corbel" pitchFamily="34" charset="0"/>
+                <a:ea typeface="+mn-ea"/>
+                <a:cs typeface="+mn-cs"/>
+              </a:defRPr>
+            </a:lvl1pPr>
+          </a:lstStyle>
+          <a:p>
+            <a:pPr algn="l"/>
+            <a:r>
+              <a:rPr lang="en-US" sz="1600" b="1" dirty="0" smtClean="0">
+                <a:solidFill>
+                  <a:schemeClr val="tx1">
+                    <a:lumMod val="50000"/>
+                  </a:schemeClr>
+                </a:solidFill>
+                <a:effectLst>
+                  <a:outerShdw blurRad="38100" dist="38100" dir="2700000" algn="tl">
+                    <a:srgbClr val="000000">
+                      <a:alpha val="43137"/>
+                    </a:srgbClr>
+                  </a:outerShdw>
+                </a:effectLst>
+                <a:hlinkClick r:id="rId2"/>
+              </a:rPr>
+              <a:t>www.telerik.com</a:t>
+            </a:r>
+            <a:endParaRPr lang="en-US" sz="1600" b="1" dirty="0">
+              <a:solidFill>
+                <a:schemeClr val="tx1">
+                  <a:lumMod val="50000"/>
+                </a:schemeClr>
+              </a:solidFill>
+              <a:effectLst>
+                <a:outerShdw blurRad="38100" dist="38100" dir="2700000" algn="tl">
+                  <a:srgbClr val="000000">
+                    <a:alpha val="43137"/>
+                  </a:srgbClr>
+                </a:outerShdw>
+              </a:effectLst>
+            </a:endParaRPr>
+          </a:p>
+        </p:txBody>
+      </p:sp>
+    </p:spTree>
+  </p:cSld>
+  <p:clrMapOvr>
+    <a:masterClrMapping/>
+  </p:clrMapOvr>
+  <p:timing>
+    <p:tnLst>
+      <p:par>
+        <p:cTn id="1" dur="indefinite" restart="never" nodeType="tmRoot"/>
+      </p:par>
+    </p:tnLst>
+  </p:timing>
+</p:sldLayout>
+</file>
+
+<file path=ppt/slideLayouts/slideLayout8.xml><?xml version="1.0" encoding="utf-8"?>
+<p:sldLayout xmlns:a="http://schemas.openxmlformats.org/drawingml/2006/main" xmlns:r="http://schemas.openxmlformats.org/officeDocument/2006/relationships" xmlns:p="http://schemas.openxmlformats.org/presentationml/2006/main" preserve="1" userDrawn="1">
+  <p:cSld name="1_Source Code Example">
     <p:spTree>
       <p:nvGrpSpPr>
         <p:cNvPr id="1" name=""/>
@@ -10225,9 +11389,9 @@
 </p:sldLayout>
 </file>
 
-<file path=ppt/slideLayouts/slideLayout5.xml><?xml version="1.0" encoding="utf-8"?>
+<file path=ppt/slideLayouts/slideLayout9.xml><?xml version="1.0" encoding="utf-8"?>
 <p:sldLayout xmlns:a="http://schemas.openxmlformats.org/drawingml/2006/main" xmlns:r="http://schemas.openxmlformats.org/officeDocument/2006/relationships" xmlns:p="http://schemas.openxmlformats.org/presentationml/2006/main" preserve="1" userDrawn="1">
-  <p:cSld name="Questions Slide">
+  <p:cSld name="1_Questions Slide">
     <p:spTree>
       <p:nvGrpSpPr>
         <p:cNvPr id="1" name=""/>
@@ -10344,38 +11508,6 @@
           </a:p>
         </p:txBody>
       </p:sp>
-    </p:spTree>
-  </p:cSld>
-  <p:clrMapOvr>
-    <a:masterClrMapping/>
-  </p:clrMapOvr>
-  <p:timing>
-    <p:tnLst>
-      <p:par>
-        <p:cTn id="1" dur="indefinite" restart="never" nodeType="tmRoot"/>
-      </p:par>
-    </p:tnLst>
-  </p:timing>
-</p:sldLayout>
-</file>
-
-<file path=ppt/slideLayouts/slideLayout6.xml><?xml version="1.0" encoding="utf-8"?>
-<p:sldLayout xmlns:a="http://schemas.openxmlformats.org/drawingml/2006/main" xmlns:r="http://schemas.openxmlformats.org/officeDocument/2006/relationships" xmlns:p="http://schemas.openxmlformats.org/presentationml/2006/main" type="blank" preserve="1">
-  <p:cSld name="Blank">
-    <p:spTree>
-      <p:nvGrpSpPr>
-        <p:cNvPr id="1" name=""/>
-        <p:cNvGrpSpPr/>
-        <p:nvPr/>
-      </p:nvGrpSpPr>
-      <p:grpSpPr>
-        <a:xfrm>
-          <a:off x="0" y="0"/>
-          <a:ext cx="0" cy="0"/>
-          <a:chOff x="0" y="0"/>
-          <a:chExt cx="0" cy="0"/>
-        </a:xfrm>
-      </p:grpSpPr>
     </p:spTree>
   </p:cSld>
   <p:clrMapOvr>
@@ -10434,7 +11566,7 @@
         <p:nvSpPr>
           <p:cNvPr id="7" name="Flowchart: Document 6"/>
           <p:cNvSpPr/>
-          <p:nvPr userDrawn="1"/>
+          <p:nvPr/>
         </p:nvSpPr>
         <p:spPr>
           <a:xfrm rot="10800000">
@@ -10739,7 +11871,7 @@
         <p:nvSpPr>
           <p:cNvPr id="8" name="Flowchart: Document 7"/>
           <p:cNvSpPr/>
-          <p:nvPr userDrawn="1"/>
+          <p:nvPr/>
         </p:nvSpPr>
         <p:spPr>
           <a:xfrm rot="10800000">
@@ -11171,10 +12303,10 @@
           <p:cNvPicPr>
             <a:picLocks noChangeAspect="1"/>
           </p:cNvPicPr>
-          <p:nvPr userDrawn="1"/>
+          <p:nvPr/>
         </p:nvPicPr>
         <p:blipFill>
-          <a:blip r:embed="rId8" cstate="print">
+          <a:blip r:embed="rId11" cstate="print">
             <a:lum bright="-20000"/>
           </a:blip>
           <a:srcRect/>
@@ -11240,16 +12372,788 @@
           </a:p>
         </p:txBody>
       </p:sp>
+      <p:sp>
+        <p:nvSpPr>
+          <p:cNvPr id="6" name="Flowchart: Document 6"/>
+          <p:cNvSpPr/>
+          <p:nvPr userDrawn="1"/>
+        </p:nvSpPr>
+        <p:spPr>
+          <a:xfrm rot="10800000">
+            <a:off x="1" y="411366"/>
+            <a:ext cx="9144000" cy="5562705"/>
+          </a:xfrm>
+          <a:custGeom>
+            <a:avLst/>
+            <a:gdLst>
+              <a:gd name="connsiteX0" fmla="*/ 0 w 21600"/>
+              <a:gd name="connsiteY0" fmla="*/ 0 h 19378"/>
+              <a:gd name="connsiteX1" fmla="*/ 21600 w 21600"/>
+              <a:gd name="connsiteY1" fmla="*/ 0 h 19378"/>
+              <a:gd name="connsiteX2" fmla="*/ 21600 w 21600"/>
+              <a:gd name="connsiteY2" fmla="*/ 17322 h 19378"/>
+              <a:gd name="connsiteX3" fmla="*/ 0 w 21600"/>
+              <a:gd name="connsiteY3" fmla="*/ 19378 h 19378"/>
+              <a:gd name="connsiteX4" fmla="*/ 0 w 21600"/>
+              <a:gd name="connsiteY4" fmla="*/ 0 h 19378"/>
+              <a:gd name="connsiteX0" fmla="*/ 0 w 21600"/>
+              <a:gd name="connsiteY0" fmla="*/ 0 h 19378"/>
+              <a:gd name="connsiteX1" fmla="*/ 21600 w 21600"/>
+              <a:gd name="connsiteY1" fmla="*/ 0 h 19378"/>
+              <a:gd name="connsiteX2" fmla="*/ 21600 w 21600"/>
+              <a:gd name="connsiteY2" fmla="*/ 17322 h 19378"/>
+              <a:gd name="connsiteX3" fmla="*/ 0 w 21600"/>
+              <a:gd name="connsiteY3" fmla="*/ 19378 h 19378"/>
+              <a:gd name="connsiteX4" fmla="*/ 0 w 21600"/>
+              <a:gd name="connsiteY4" fmla="*/ 0 h 19378"/>
+              <a:gd name="connsiteX0" fmla="*/ 0 w 21600"/>
+              <a:gd name="connsiteY0" fmla="*/ 0 h 19378"/>
+              <a:gd name="connsiteX1" fmla="*/ 21600 w 21600"/>
+              <a:gd name="connsiteY1" fmla="*/ 0 h 19378"/>
+              <a:gd name="connsiteX2" fmla="*/ 21600 w 21600"/>
+              <a:gd name="connsiteY2" fmla="*/ 17322 h 19378"/>
+              <a:gd name="connsiteX3" fmla="*/ 0 w 21600"/>
+              <a:gd name="connsiteY3" fmla="*/ 19378 h 19378"/>
+              <a:gd name="connsiteX4" fmla="*/ 0 w 21600"/>
+              <a:gd name="connsiteY4" fmla="*/ 0 h 19378"/>
+              <a:gd name="connsiteX0" fmla="*/ 0 w 21600"/>
+              <a:gd name="connsiteY0" fmla="*/ 0 h 19974"/>
+              <a:gd name="connsiteX1" fmla="*/ 21600 w 21600"/>
+              <a:gd name="connsiteY1" fmla="*/ 0 h 19974"/>
+              <a:gd name="connsiteX2" fmla="*/ 21600 w 21600"/>
+              <a:gd name="connsiteY2" fmla="*/ 17322 h 19974"/>
+              <a:gd name="connsiteX3" fmla="*/ 0 w 21600"/>
+              <a:gd name="connsiteY3" fmla="*/ 19974 h 19974"/>
+              <a:gd name="connsiteX4" fmla="*/ 0 w 21600"/>
+              <a:gd name="connsiteY4" fmla="*/ 0 h 19974"/>
+              <a:gd name="connsiteX0" fmla="*/ 0 w 21600"/>
+              <a:gd name="connsiteY0" fmla="*/ 0 h 19974"/>
+              <a:gd name="connsiteX1" fmla="*/ 21600 w 21600"/>
+              <a:gd name="connsiteY1" fmla="*/ 0 h 19974"/>
+              <a:gd name="connsiteX2" fmla="*/ 21600 w 21600"/>
+              <a:gd name="connsiteY2" fmla="*/ 17322 h 19974"/>
+              <a:gd name="connsiteX3" fmla="*/ 0 w 21600"/>
+              <a:gd name="connsiteY3" fmla="*/ 19974 h 19974"/>
+              <a:gd name="connsiteX4" fmla="*/ 0 w 21600"/>
+              <a:gd name="connsiteY4" fmla="*/ 0 h 19974"/>
+              <a:gd name="connsiteX0" fmla="*/ 0 w 21600"/>
+              <a:gd name="connsiteY0" fmla="*/ 0 h 19974"/>
+              <a:gd name="connsiteX1" fmla="*/ 21600 w 21600"/>
+              <a:gd name="connsiteY1" fmla="*/ 0 h 19974"/>
+              <a:gd name="connsiteX2" fmla="*/ 21600 w 21600"/>
+              <a:gd name="connsiteY2" fmla="*/ 17322 h 19974"/>
+              <a:gd name="connsiteX3" fmla="*/ 0 w 21600"/>
+              <a:gd name="connsiteY3" fmla="*/ 19974 h 19974"/>
+              <a:gd name="connsiteX4" fmla="*/ 0 w 21600"/>
+              <a:gd name="connsiteY4" fmla="*/ 0 h 19974"/>
+              <a:gd name="connsiteX0" fmla="*/ 0 w 21600"/>
+              <a:gd name="connsiteY0" fmla="*/ 0 h 20252"/>
+              <a:gd name="connsiteX1" fmla="*/ 21600 w 21600"/>
+              <a:gd name="connsiteY1" fmla="*/ 0 h 20252"/>
+              <a:gd name="connsiteX2" fmla="*/ 21600 w 21600"/>
+              <a:gd name="connsiteY2" fmla="*/ 17322 h 20252"/>
+              <a:gd name="connsiteX3" fmla="*/ 0 w 21600"/>
+              <a:gd name="connsiteY3" fmla="*/ 20252 h 20252"/>
+              <a:gd name="connsiteX4" fmla="*/ 0 w 21600"/>
+              <a:gd name="connsiteY4" fmla="*/ 0 h 20252"/>
+              <a:gd name="connsiteX0" fmla="*/ 0 w 21600"/>
+              <a:gd name="connsiteY0" fmla="*/ 0 h 20252"/>
+              <a:gd name="connsiteX1" fmla="*/ 21600 w 21600"/>
+              <a:gd name="connsiteY1" fmla="*/ 0 h 20252"/>
+              <a:gd name="connsiteX2" fmla="*/ 21600 w 21600"/>
+              <a:gd name="connsiteY2" fmla="*/ 17322 h 20252"/>
+              <a:gd name="connsiteX3" fmla="*/ 0 w 21600"/>
+              <a:gd name="connsiteY3" fmla="*/ 20252 h 20252"/>
+              <a:gd name="connsiteX4" fmla="*/ 0 w 21600"/>
+              <a:gd name="connsiteY4" fmla="*/ 0 h 20252"/>
+            </a:gdLst>
+            <a:ahLst/>
+            <a:cxnLst>
+              <a:cxn ang="0">
+                <a:pos x="connsiteX0" y="connsiteY0"/>
+              </a:cxn>
+              <a:cxn ang="0">
+                <a:pos x="connsiteX1" y="connsiteY1"/>
+              </a:cxn>
+              <a:cxn ang="0">
+                <a:pos x="connsiteX2" y="connsiteY2"/>
+              </a:cxn>
+              <a:cxn ang="0">
+                <a:pos x="connsiteX3" y="connsiteY3"/>
+              </a:cxn>
+              <a:cxn ang="0">
+                <a:pos x="connsiteX4" y="connsiteY4"/>
+              </a:cxn>
+              <a:cxn ang="0">
+                <a:pos x="connsiteX0" y="connsiteY0"/>
+              </a:cxn>
+              <a:cxn ang="0">
+                <a:pos x="connsiteX1" y="connsiteY1"/>
+              </a:cxn>
+              <a:cxn ang="0">
+                <a:pos x="connsiteX2" y="connsiteY2"/>
+              </a:cxn>
+              <a:cxn ang="0">
+                <a:pos x="connsiteX3" y="connsiteY3"/>
+              </a:cxn>
+              <a:cxn ang="0">
+                <a:pos x="connsiteX4" y="connsiteY4"/>
+              </a:cxn>
+              <a:cxn ang="0">
+                <a:pos x="connsiteX0" y="connsiteY0"/>
+              </a:cxn>
+              <a:cxn ang="0">
+                <a:pos x="connsiteX1" y="connsiteY1"/>
+              </a:cxn>
+              <a:cxn ang="0">
+                <a:pos x="connsiteX2" y="connsiteY2"/>
+              </a:cxn>
+              <a:cxn ang="0">
+                <a:pos x="connsiteX3" y="connsiteY3"/>
+              </a:cxn>
+              <a:cxn ang="0">
+                <a:pos x="connsiteX4" y="connsiteY4"/>
+              </a:cxn>
+              <a:cxn ang="0">
+                <a:pos x="connsiteX0" y="connsiteY0"/>
+              </a:cxn>
+              <a:cxn ang="0">
+                <a:pos x="connsiteX1" y="connsiteY1"/>
+              </a:cxn>
+              <a:cxn ang="0">
+                <a:pos x="connsiteX2" y="connsiteY2"/>
+              </a:cxn>
+              <a:cxn ang="0">
+                <a:pos x="connsiteX3" y="connsiteY3"/>
+              </a:cxn>
+              <a:cxn ang="0">
+                <a:pos x="connsiteX4" y="connsiteY4"/>
+              </a:cxn>
+              <a:cxn ang="0">
+                <a:pos x="connsiteX0" y="connsiteY0"/>
+              </a:cxn>
+              <a:cxn ang="0">
+                <a:pos x="connsiteX1" y="connsiteY1"/>
+              </a:cxn>
+              <a:cxn ang="0">
+                <a:pos x="connsiteX2" y="connsiteY2"/>
+              </a:cxn>
+              <a:cxn ang="0">
+                <a:pos x="connsiteX3" y="connsiteY3"/>
+              </a:cxn>
+              <a:cxn ang="0">
+                <a:pos x="connsiteX4" y="connsiteY4"/>
+              </a:cxn>
+              <a:cxn ang="0">
+                <a:pos x="connsiteX0" y="connsiteY0"/>
+              </a:cxn>
+              <a:cxn ang="0">
+                <a:pos x="connsiteX1" y="connsiteY1"/>
+              </a:cxn>
+              <a:cxn ang="0">
+                <a:pos x="connsiteX2" y="connsiteY2"/>
+              </a:cxn>
+              <a:cxn ang="0">
+                <a:pos x="connsiteX3" y="connsiteY3"/>
+              </a:cxn>
+              <a:cxn ang="0">
+                <a:pos x="connsiteX4" y="connsiteY4"/>
+              </a:cxn>
+              <a:cxn ang="0">
+                <a:pos x="connsiteX0" y="connsiteY0"/>
+              </a:cxn>
+              <a:cxn ang="0">
+                <a:pos x="connsiteX1" y="connsiteY1"/>
+              </a:cxn>
+              <a:cxn ang="0">
+                <a:pos x="connsiteX2" y="connsiteY2"/>
+              </a:cxn>
+              <a:cxn ang="0">
+                <a:pos x="connsiteX3" y="connsiteY3"/>
+              </a:cxn>
+              <a:cxn ang="0">
+                <a:pos x="connsiteX4" y="connsiteY4"/>
+              </a:cxn>
+              <a:cxn ang="0">
+                <a:pos x="connsiteX0" y="connsiteY0"/>
+              </a:cxn>
+              <a:cxn ang="0">
+                <a:pos x="connsiteX1" y="connsiteY1"/>
+              </a:cxn>
+              <a:cxn ang="0">
+                <a:pos x="connsiteX2" y="connsiteY2"/>
+              </a:cxn>
+              <a:cxn ang="0">
+                <a:pos x="connsiteX3" y="connsiteY3"/>
+              </a:cxn>
+              <a:cxn ang="0">
+                <a:pos x="connsiteX4" y="connsiteY4"/>
+              </a:cxn>
+            </a:cxnLst>
+            <a:rect l="l" t="t" r="r" b="b"/>
+            <a:pathLst>
+              <a:path w="21600" h="20252">
+                <a:moveTo>
+                  <a:pt x="0" y="0"/>
+                </a:moveTo>
+                <a:lnTo>
+                  <a:pt x="21600" y="0"/>
+                </a:lnTo>
+                <a:lnTo>
+                  <a:pt x="21600" y="17322"/>
+                </a:lnTo>
+                <a:cubicBezTo>
+                  <a:pt x="10800" y="17322"/>
+                  <a:pt x="10056" y="24231"/>
+                  <a:pt x="0" y="20252"/>
+                </a:cubicBezTo>
+                <a:lnTo>
+                  <a:pt x="0" y="0"/>
+                </a:lnTo>
+                <a:close/>
+              </a:path>
+            </a:pathLst>
+          </a:custGeom>
+          <a:gradFill>
+            <a:gsLst>
+              <a:gs pos="100000">
+                <a:schemeClr val="bg1">
+                  <a:lumMod val="85000"/>
+                  <a:lumOff val="15000"/>
+                </a:schemeClr>
+              </a:gs>
+              <a:gs pos="65000">
+                <a:schemeClr val="bg2">
+                  <a:shade val="100000"/>
+                  <a:satMod val="600000"/>
+                  <a:alpha val="0"/>
+                </a:schemeClr>
+              </a:gs>
+            </a:gsLst>
+            <a:lin ang="4800000" scaled="1"/>
+          </a:gradFill>
+          <a:ln w="31750" cap="sq" cmpd="sng" algn="ctr">
+            <a:noFill/>
+            <a:prstDash val="solid"/>
+          </a:ln>
+          <a:effectLst/>
+        </p:spPr>
+        <p:style>
+          <a:lnRef idx="3">
+            <a:schemeClr val="lt1"/>
+          </a:lnRef>
+          <a:fillRef idx="1">
+            <a:schemeClr val="accent1"/>
+          </a:fillRef>
+          <a:effectRef idx="1">
+            <a:schemeClr val="accent1"/>
+          </a:effectRef>
+          <a:fontRef idx="minor">
+            <a:schemeClr val="lt1"/>
+          </a:fontRef>
+        </p:style>
+        <p:txBody>
+          <a:bodyPr anchor="ctr"/>
+          <a:lstStyle/>
+          <a:p>
+            <a:pPr algn="ctr" fontAlgn="auto">
+              <a:spcBef>
+                <a:spcPts val="0"/>
+              </a:spcBef>
+              <a:spcAft>
+                <a:spcPts val="0"/>
+              </a:spcAft>
+              <a:defRPr/>
+            </a:pPr>
+            <a:endParaRPr lang="en-US" sz="1800">
+              <a:effectLst>
+                <a:outerShdw blurRad="38100" dist="38100" dir="2700000" algn="tl">
+                  <a:srgbClr val="000000">
+                    <a:alpha val="43137"/>
+                  </a:srgbClr>
+                </a:outerShdw>
+              </a:effectLst>
+            </a:endParaRPr>
+          </a:p>
+        </p:txBody>
+      </p:sp>
+      <p:sp>
+        <p:nvSpPr>
+          <p:cNvPr id="9" name="Flowchart: Document 7"/>
+          <p:cNvSpPr/>
+          <p:nvPr userDrawn="1"/>
+        </p:nvSpPr>
+        <p:spPr>
+          <a:xfrm rot="10800000">
+            <a:off x="1" y="609600"/>
+            <a:ext cx="9144000" cy="4480425"/>
+          </a:xfrm>
+          <a:custGeom>
+            <a:avLst/>
+            <a:gdLst>
+              <a:gd name="connsiteX0" fmla="*/ 0 w 21600"/>
+              <a:gd name="connsiteY0" fmla="*/ 0 h 18944"/>
+              <a:gd name="connsiteX1" fmla="*/ 21600 w 21600"/>
+              <a:gd name="connsiteY1" fmla="*/ 0 h 18944"/>
+              <a:gd name="connsiteX2" fmla="*/ 21600 w 21600"/>
+              <a:gd name="connsiteY2" fmla="*/ 17322 h 18944"/>
+              <a:gd name="connsiteX3" fmla="*/ 0 w 21600"/>
+              <a:gd name="connsiteY3" fmla="*/ 18944 h 18944"/>
+              <a:gd name="connsiteX4" fmla="*/ 0 w 21600"/>
+              <a:gd name="connsiteY4" fmla="*/ 0 h 18944"/>
+              <a:gd name="connsiteX0" fmla="*/ 0 w 21600"/>
+              <a:gd name="connsiteY0" fmla="*/ 0 h 18944"/>
+              <a:gd name="connsiteX1" fmla="*/ 21600 w 21600"/>
+              <a:gd name="connsiteY1" fmla="*/ 0 h 18944"/>
+              <a:gd name="connsiteX2" fmla="*/ 21600 w 21600"/>
+              <a:gd name="connsiteY2" fmla="*/ 17322 h 18944"/>
+              <a:gd name="connsiteX3" fmla="*/ 0 w 21600"/>
+              <a:gd name="connsiteY3" fmla="*/ 18944 h 18944"/>
+              <a:gd name="connsiteX4" fmla="*/ 0 w 21600"/>
+              <a:gd name="connsiteY4" fmla="*/ 0 h 18944"/>
+              <a:gd name="connsiteX0" fmla="*/ 0 w 21600"/>
+              <a:gd name="connsiteY0" fmla="*/ 0 h 19350"/>
+              <a:gd name="connsiteX1" fmla="*/ 21600 w 21600"/>
+              <a:gd name="connsiteY1" fmla="*/ 0 h 19350"/>
+              <a:gd name="connsiteX2" fmla="*/ 21600 w 21600"/>
+              <a:gd name="connsiteY2" fmla="*/ 17322 h 19350"/>
+              <a:gd name="connsiteX3" fmla="*/ 0 w 21600"/>
+              <a:gd name="connsiteY3" fmla="*/ 19350 h 19350"/>
+              <a:gd name="connsiteX4" fmla="*/ 0 w 21600"/>
+              <a:gd name="connsiteY4" fmla="*/ 0 h 19350"/>
+              <a:gd name="connsiteX0" fmla="*/ 0 w 21600"/>
+              <a:gd name="connsiteY0" fmla="*/ 0 h 19350"/>
+              <a:gd name="connsiteX1" fmla="*/ 21600 w 21600"/>
+              <a:gd name="connsiteY1" fmla="*/ 0 h 19350"/>
+              <a:gd name="connsiteX2" fmla="*/ 21600 w 21600"/>
+              <a:gd name="connsiteY2" fmla="*/ 17322 h 19350"/>
+              <a:gd name="connsiteX3" fmla="*/ 0 w 21600"/>
+              <a:gd name="connsiteY3" fmla="*/ 19350 h 19350"/>
+              <a:gd name="connsiteX4" fmla="*/ 0 w 21600"/>
+              <a:gd name="connsiteY4" fmla="*/ 0 h 19350"/>
+              <a:gd name="connsiteX0" fmla="*/ 0 w 21600"/>
+              <a:gd name="connsiteY0" fmla="*/ 0 h 19350"/>
+              <a:gd name="connsiteX1" fmla="*/ 21600 w 21600"/>
+              <a:gd name="connsiteY1" fmla="*/ 0 h 19350"/>
+              <a:gd name="connsiteX2" fmla="*/ 21600 w 21600"/>
+              <a:gd name="connsiteY2" fmla="*/ 17322 h 19350"/>
+              <a:gd name="connsiteX3" fmla="*/ 0 w 21600"/>
+              <a:gd name="connsiteY3" fmla="*/ 19350 h 19350"/>
+              <a:gd name="connsiteX4" fmla="*/ 0 w 21600"/>
+              <a:gd name="connsiteY4" fmla="*/ 0 h 19350"/>
+              <a:gd name="connsiteX0" fmla="*/ 0 w 21600"/>
+              <a:gd name="connsiteY0" fmla="*/ 0 h 19350"/>
+              <a:gd name="connsiteX1" fmla="*/ 21600 w 21600"/>
+              <a:gd name="connsiteY1" fmla="*/ 0 h 19350"/>
+              <a:gd name="connsiteX2" fmla="*/ 21600 w 21600"/>
+              <a:gd name="connsiteY2" fmla="*/ 17322 h 19350"/>
+              <a:gd name="connsiteX3" fmla="*/ 0 w 21600"/>
+              <a:gd name="connsiteY3" fmla="*/ 19350 h 19350"/>
+              <a:gd name="connsiteX4" fmla="*/ 0 w 21600"/>
+              <a:gd name="connsiteY4" fmla="*/ 0 h 19350"/>
+              <a:gd name="connsiteX0" fmla="*/ 0 w 21600"/>
+              <a:gd name="connsiteY0" fmla="*/ 0 h 19691"/>
+              <a:gd name="connsiteX1" fmla="*/ 21600 w 21600"/>
+              <a:gd name="connsiteY1" fmla="*/ 0 h 19691"/>
+              <a:gd name="connsiteX2" fmla="*/ 21600 w 21600"/>
+              <a:gd name="connsiteY2" fmla="*/ 17322 h 19691"/>
+              <a:gd name="connsiteX3" fmla="*/ 0 w 21600"/>
+              <a:gd name="connsiteY3" fmla="*/ 19691 h 19691"/>
+              <a:gd name="connsiteX4" fmla="*/ 0 w 21600"/>
+              <a:gd name="connsiteY4" fmla="*/ 0 h 19691"/>
+              <a:gd name="connsiteX0" fmla="*/ 0 w 21600"/>
+              <a:gd name="connsiteY0" fmla="*/ 0 h 19691"/>
+              <a:gd name="connsiteX1" fmla="*/ 21600 w 21600"/>
+              <a:gd name="connsiteY1" fmla="*/ 0 h 19691"/>
+              <a:gd name="connsiteX2" fmla="*/ 21600 w 21600"/>
+              <a:gd name="connsiteY2" fmla="*/ 17322 h 19691"/>
+              <a:gd name="connsiteX3" fmla="*/ 0 w 21600"/>
+              <a:gd name="connsiteY3" fmla="*/ 19691 h 19691"/>
+              <a:gd name="connsiteX4" fmla="*/ 0 w 21600"/>
+              <a:gd name="connsiteY4" fmla="*/ 0 h 19691"/>
+              <a:gd name="connsiteX0" fmla="*/ 0 w 21600"/>
+              <a:gd name="connsiteY0" fmla="*/ 0 h 20032"/>
+              <a:gd name="connsiteX1" fmla="*/ 21600 w 21600"/>
+              <a:gd name="connsiteY1" fmla="*/ 0 h 20032"/>
+              <a:gd name="connsiteX2" fmla="*/ 21600 w 21600"/>
+              <a:gd name="connsiteY2" fmla="*/ 17322 h 20032"/>
+              <a:gd name="connsiteX3" fmla="*/ 0 w 21600"/>
+              <a:gd name="connsiteY3" fmla="*/ 20032 h 20032"/>
+              <a:gd name="connsiteX4" fmla="*/ 0 w 21600"/>
+              <a:gd name="connsiteY4" fmla="*/ 0 h 20032"/>
+              <a:gd name="connsiteX0" fmla="*/ 0 w 21600"/>
+              <a:gd name="connsiteY0" fmla="*/ 0 h 20032"/>
+              <a:gd name="connsiteX1" fmla="*/ 21600 w 21600"/>
+              <a:gd name="connsiteY1" fmla="*/ 0 h 20032"/>
+              <a:gd name="connsiteX2" fmla="*/ 21600 w 21600"/>
+              <a:gd name="connsiteY2" fmla="*/ 17322 h 20032"/>
+              <a:gd name="connsiteX3" fmla="*/ 0 w 21600"/>
+              <a:gd name="connsiteY3" fmla="*/ 20032 h 20032"/>
+              <a:gd name="connsiteX4" fmla="*/ 0 w 21600"/>
+              <a:gd name="connsiteY4" fmla="*/ 0 h 20032"/>
+              <a:gd name="connsiteX0" fmla="*/ 0 w 21600"/>
+              <a:gd name="connsiteY0" fmla="*/ 0 h 20032"/>
+              <a:gd name="connsiteX1" fmla="*/ 21600 w 21600"/>
+              <a:gd name="connsiteY1" fmla="*/ 0 h 20032"/>
+              <a:gd name="connsiteX2" fmla="*/ 21600 w 21600"/>
+              <a:gd name="connsiteY2" fmla="*/ 17322 h 20032"/>
+              <a:gd name="connsiteX3" fmla="*/ 0 w 21600"/>
+              <a:gd name="connsiteY3" fmla="*/ 20032 h 20032"/>
+              <a:gd name="connsiteX4" fmla="*/ 0 w 21600"/>
+              <a:gd name="connsiteY4" fmla="*/ 0 h 20032"/>
+              <a:gd name="connsiteX0" fmla="*/ 0 w 21600"/>
+              <a:gd name="connsiteY0" fmla="*/ 0 h 20032"/>
+              <a:gd name="connsiteX1" fmla="*/ 21600 w 21600"/>
+              <a:gd name="connsiteY1" fmla="*/ 0 h 20032"/>
+              <a:gd name="connsiteX2" fmla="*/ 21600 w 21600"/>
+              <a:gd name="connsiteY2" fmla="*/ 17322 h 20032"/>
+              <a:gd name="connsiteX3" fmla="*/ 0 w 21600"/>
+              <a:gd name="connsiteY3" fmla="*/ 20032 h 20032"/>
+              <a:gd name="connsiteX4" fmla="*/ 0 w 21600"/>
+              <a:gd name="connsiteY4" fmla="*/ 0 h 20032"/>
+              <a:gd name="connsiteX0" fmla="*/ 0 w 21600"/>
+              <a:gd name="connsiteY0" fmla="*/ 0 h 20032"/>
+              <a:gd name="connsiteX1" fmla="*/ 21600 w 21600"/>
+              <a:gd name="connsiteY1" fmla="*/ 0 h 20032"/>
+              <a:gd name="connsiteX2" fmla="*/ 21600 w 21600"/>
+              <a:gd name="connsiteY2" fmla="*/ 17322 h 20032"/>
+              <a:gd name="connsiteX3" fmla="*/ 0 w 21600"/>
+              <a:gd name="connsiteY3" fmla="*/ 20032 h 20032"/>
+              <a:gd name="connsiteX4" fmla="*/ 0 w 21600"/>
+              <a:gd name="connsiteY4" fmla="*/ 0 h 20032"/>
+            </a:gdLst>
+            <a:ahLst/>
+            <a:cxnLst>
+              <a:cxn ang="0">
+                <a:pos x="connsiteX0" y="connsiteY0"/>
+              </a:cxn>
+              <a:cxn ang="0">
+                <a:pos x="connsiteX1" y="connsiteY1"/>
+              </a:cxn>
+              <a:cxn ang="0">
+                <a:pos x="connsiteX2" y="connsiteY2"/>
+              </a:cxn>
+              <a:cxn ang="0">
+                <a:pos x="connsiteX3" y="connsiteY3"/>
+              </a:cxn>
+              <a:cxn ang="0">
+                <a:pos x="connsiteX4" y="connsiteY4"/>
+              </a:cxn>
+              <a:cxn ang="0">
+                <a:pos x="connsiteX0" y="connsiteY0"/>
+              </a:cxn>
+              <a:cxn ang="0">
+                <a:pos x="connsiteX1" y="connsiteY1"/>
+              </a:cxn>
+              <a:cxn ang="0">
+                <a:pos x="connsiteX2" y="connsiteY2"/>
+              </a:cxn>
+              <a:cxn ang="0">
+                <a:pos x="connsiteX3" y="connsiteY3"/>
+              </a:cxn>
+              <a:cxn ang="0">
+                <a:pos x="connsiteX4" y="connsiteY4"/>
+              </a:cxn>
+              <a:cxn ang="0">
+                <a:pos x="connsiteX0" y="connsiteY0"/>
+              </a:cxn>
+              <a:cxn ang="0">
+                <a:pos x="connsiteX1" y="connsiteY1"/>
+              </a:cxn>
+              <a:cxn ang="0">
+                <a:pos x="connsiteX2" y="connsiteY2"/>
+              </a:cxn>
+              <a:cxn ang="0">
+                <a:pos x="connsiteX3" y="connsiteY3"/>
+              </a:cxn>
+              <a:cxn ang="0">
+                <a:pos x="connsiteX4" y="connsiteY4"/>
+              </a:cxn>
+              <a:cxn ang="0">
+                <a:pos x="connsiteX0" y="connsiteY0"/>
+              </a:cxn>
+              <a:cxn ang="0">
+                <a:pos x="connsiteX1" y="connsiteY1"/>
+              </a:cxn>
+              <a:cxn ang="0">
+                <a:pos x="connsiteX2" y="connsiteY2"/>
+              </a:cxn>
+              <a:cxn ang="0">
+                <a:pos x="connsiteX3" y="connsiteY3"/>
+              </a:cxn>
+              <a:cxn ang="0">
+                <a:pos x="connsiteX4" y="connsiteY4"/>
+              </a:cxn>
+              <a:cxn ang="0">
+                <a:pos x="connsiteX0" y="connsiteY0"/>
+              </a:cxn>
+              <a:cxn ang="0">
+                <a:pos x="connsiteX1" y="connsiteY1"/>
+              </a:cxn>
+              <a:cxn ang="0">
+                <a:pos x="connsiteX2" y="connsiteY2"/>
+              </a:cxn>
+              <a:cxn ang="0">
+                <a:pos x="connsiteX3" y="connsiteY3"/>
+              </a:cxn>
+              <a:cxn ang="0">
+                <a:pos x="connsiteX4" y="connsiteY4"/>
+              </a:cxn>
+              <a:cxn ang="0">
+                <a:pos x="connsiteX0" y="connsiteY0"/>
+              </a:cxn>
+              <a:cxn ang="0">
+                <a:pos x="connsiteX1" y="connsiteY1"/>
+              </a:cxn>
+              <a:cxn ang="0">
+                <a:pos x="connsiteX2" y="connsiteY2"/>
+              </a:cxn>
+              <a:cxn ang="0">
+                <a:pos x="connsiteX3" y="connsiteY3"/>
+              </a:cxn>
+              <a:cxn ang="0">
+                <a:pos x="connsiteX4" y="connsiteY4"/>
+              </a:cxn>
+              <a:cxn ang="0">
+                <a:pos x="connsiteX0" y="connsiteY0"/>
+              </a:cxn>
+              <a:cxn ang="0">
+                <a:pos x="connsiteX1" y="connsiteY1"/>
+              </a:cxn>
+              <a:cxn ang="0">
+                <a:pos x="connsiteX2" y="connsiteY2"/>
+              </a:cxn>
+              <a:cxn ang="0">
+                <a:pos x="connsiteX3" y="connsiteY3"/>
+              </a:cxn>
+              <a:cxn ang="0">
+                <a:pos x="connsiteX4" y="connsiteY4"/>
+              </a:cxn>
+              <a:cxn ang="0">
+                <a:pos x="connsiteX0" y="connsiteY0"/>
+              </a:cxn>
+              <a:cxn ang="0">
+                <a:pos x="connsiteX1" y="connsiteY1"/>
+              </a:cxn>
+              <a:cxn ang="0">
+                <a:pos x="connsiteX2" y="connsiteY2"/>
+              </a:cxn>
+              <a:cxn ang="0">
+                <a:pos x="connsiteX3" y="connsiteY3"/>
+              </a:cxn>
+              <a:cxn ang="0">
+                <a:pos x="connsiteX4" y="connsiteY4"/>
+              </a:cxn>
+              <a:cxn ang="0">
+                <a:pos x="connsiteX0" y="connsiteY0"/>
+              </a:cxn>
+              <a:cxn ang="0">
+                <a:pos x="connsiteX1" y="connsiteY1"/>
+              </a:cxn>
+              <a:cxn ang="0">
+                <a:pos x="connsiteX2" y="connsiteY2"/>
+              </a:cxn>
+              <a:cxn ang="0">
+                <a:pos x="connsiteX3" y="connsiteY3"/>
+              </a:cxn>
+              <a:cxn ang="0">
+                <a:pos x="connsiteX4" y="connsiteY4"/>
+              </a:cxn>
+              <a:cxn ang="0">
+                <a:pos x="connsiteX0" y="connsiteY0"/>
+              </a:cxn>
+              <a:cxn ang="0">
+                <a:pos x="connsiteX1" y="connsiteY1"/>
+              </a:cxn>
+              <a:cxn ang="0">
+                <a:pos x="connsiteX2" y="connsiteY2"/>
+              </a:cxn>
+              <a:cxn ang="0">
+                <a:pos x="connsiteX3" y="connsiteY3"/>
+              </a:cxn>
+              <a:cxn ang="0">
+                <a:pos x="connsiteX4" y="connsiteY4"/>
+              </a:cxn>
+              <a:cxn ang="0">
+                <a:pos x="connsiteX0" y="connsiteY0"/>
+              </a:cxn>
+              <a:cxn ang="0">
+                <a:pos x="connsiteX1" y="connsiteY1"/>
+              </a:cxn>
+              <a:cxn ang="0">
+                <a:pos x="connsiteX2" y="connsiteY2"/>
+              </a:cxn>
+              <a:cxn ang="0">
+                <a:pos x="connsiteX3" y="connsiteY3"/>
+              </a:cxn>
+              <a:cxn ang="0">
+                <a:pos x="connsiteX4" y="connsiteY4"/>
+              </a:cxn>
+              <a:cxn ang="0">
+                <a:pos x="connsiteX0" y="connsiteY0"/>
+              </a:cxn>
+              <a:cxn ang="0">
+                <a:pos x="connsiteX1" y="connsiteY1"/>
+              </a:cxn>
+              <a:cxn ang="0">
+                <a:pos x="connsiteX2" y="connsiteY2"/>
+              </a:cxn>
+              <a:cxn ang="0">
+                <a:pos x="connsiteX3" y="connsiteY3"/>
+              </a:cxn>
+              <a:cxn ang="0">
+                <a:pos x="connsiteX4" y="connsiteY4"/>
+              </a:cxn>
+              <a:cxn ang="0">
+                <a:pos x="connsiteX0" y="connsiteY0"/>
+              </a:cxn>
+              <a:cxn ang="0">
+                <a:pos x="connsiteX1" y="connsiteY1"/>
+              </a:cxn>
+              <a:cxn ang="0">
+                <a:pos x="connsiteX2" y="connsiteY2"/>
+              </a:cxn>
+              <a:cxn ang="0">
+                <a:pos x="connsiteX3" y="connsiteY3"/>
+              </a:cxn>
+              <a:cxn ang="0">
+                <a:pos x="connsiteX4" y="connsiteY4"/>
+              </a:cxn>
+            </a:cxnLst>
+            <a:rect l="l" t="t" r="r" b="b"/>
+            <a:pathLst>
+              <a:path w="21600" h="20032">
+                <a:moveTo>
+                  <a:pt x="0" y="0"/>
+                </a:moveTo>
+                <a:lnTo>
+                  <a:pt x="21600" y="0"/>
+                </a:lnTo>
+                <a:lnTo>
+                  <a:pt x="21600" y="17322"/>
+                </a:lnTo>
+                <a:cubicBezTo>
+                  <a:pt x="10800" y="17322"/>
+                  <a:pt x="8684" y="24776"/>
+                  <a:pt x="0" y="20032"/>
+                </a:cubicBezTo>
+                <a:lnTo>
+                  <a:pt x="0" y="0"/>
+                </a:lnTo>
+                <a:close/>
+              </a:path>
+            </a:pathLst>
+          </a:custGeom>
+          <a:gradFill>
+            <a:gsLst>
+              <a:gs pos="100000">
+                <a:schemeClr val="bg1">
+                  <a:lumMod val="65000"/>
+                  <a:lumOff val="35000"/>
+                </a:schemeClr>
+              </a:gs>
+              <a:gs pos="65000">
+                <a:schemeClr val="bg2">
+                  <a:shade val="100000"/>
+                  <a:satMod val="600000"/>
+                  <a:alpha val="0"/>
+                </a:schemeClr>
+              </a:gs>
+            </a:gsLst>
+            <a:lin ang="4800000" scaled="1"/>
+          </a:gradFill>
+          <a:ln w="31750" cap="sq" cmpd="sng" algn="ctr">
+            <a:noFill/>
+            <a:prstDash val="solid"/>
+          </a:ln>
+          <a:effectLst/>
+        </p:spPr>
+        <p:style>
+          <a:lnRef idx="3">
+            <a:schemeClr val="lt1"/>
+          </a:lnRef>
+          <a:fillRef idx="1">
+            <a:schemeClr val="accent1"/>
+          </a:fillRef>
+          <a:effectRef idx="1">
+            <a:schemeClr val="accent1"/>
+          </a:effectRef>
+          <a:fontRef idx="minor">
+            <a:schemeClr val="lt1"/>
+          </a:fontRef>
+        </p:style>
+        <p:txBody>
+          <a:bodyPr anchor="ctr"/>
+          <a:lstStyle/>
+          <a:p>
+            <a:pPr algn="ctr" fontAlgn="auto">
+              <a:spcBef>
+                <a:spcPts val="0"/>
+              </a:spcBef>
+              <a:spcAft>
+                <a:spcPts val="0"/>
+              </a:spcAft>
+              <a:defRPr/>
+            </a:pPr>
+            <a:endParaRPr lang="en-US" sz="1800">
+              <a:effectLst>
+                <a:outerShdw blurRad="38100" dist="38100" dir="2700000" algn="tl">
+                  <a:srgbClr val="000000">
+                    <a:alpha val="43137"/>
+                  </a:srgbClr>
+                </a:outerShdw>
+              </a:effectLst>
+            </a:endParaRPr>
+          </a:p>
+        </p:txBody>
+      </p:sp>
+      <p:pic>
+        <p:nvPicPr>
+          <p:cNvPr id="10" name="Picture 10" descr="telerik_logo_new-(white).png"/>
+          <p:cNvPicPr>
+            <a:picLocks noChangeAspect="1"/>
+          </p:cNvPicPr>
+          <p:nvPr userDrawn="1"/>
+        </p:nvPicPr>
+        <p:blipFill>
+          <a:blip r:embed="rId11" cstate="print">
+            <a:lum bright="-20000"/>
+          </a:blip>
+          <a:srcRect/>
+          <a:stretch>
+            <a:fillRect/>
+          </a:stretch>
+        </p:blipFill>
+        <p:spPr bwMode="auto">
+          <a:xfrm>
+            <a:off x="152400" y="304800"/>
+            <a:ext cx="1600200" cy="389382"/>
+          </a:xfrm>
+          <a:prstGeom prst="rect">
+            <a:avLst/>
+          </a:prstGeom>
+          <a:noFill/>
+          <a:ln w="9525">
+            <a:noFill/>
+            <a:miter lim="800000"/>
+            <a:headEnd/>
+            <a:tailEnd/>
+          </a:ln>
+        </p:spPr>
+      </p:pic>
     </p:spTree>
   </p:cSld>
   <p:clrMap bg1="dk1" tx1="lt1" bg2="dk2" tx2="lt2" accent1="accent1" accent2="accent2" accent3="accent3" accent4="accent4" accent5="accent5" accent6="accent6" hlink="hlink" folHlink="folHlink"/>
   <p:sldLayoutIdLst>
-    <p:sldLayoutId id="2147483701" r:id="rId1"/>
-    <p:sldLayoutId id="2147483688" r:id="rId2"/>
-    <p:sldLayoutId id="2147483689" r:id="rId3"/>
-    <p:sldLayoutId id="2147483703" r:id="rId4"/>
-    <p:sldLayoutId id="2147483702" r:id="rId5"/>
-    <p:sldLayoutId id="2147483694" r:id="rId6"/>
+    <p:sldLayoutId id="2147483705" r:id="rId1"/>
+    <p:sldLayoutId id="2147483706" r:id="rId2"/>
+    <p:sldLayoutId id="2147483707" r:id="rId3"/>
+    <p:sldLayoutId id="2147483708" r:id="rId4"/>
+    <p:sldLayoutId id="2147483709" r:id="rId5"/>
+    <p:sldLayoutId id="2147483710" r:id="rId6"/>
+    <p:sldLayoutId id="2147483701" r:id="rId7"/>
+    <p:sldLayoutId id="2147483703" r:id="rId8"/>
+    <p:sldLayoutId id="2147483702" r:id="rId9"/>
   </p:sldLayoutIdLst>
   <p:timing>
     <p:tnLst>
@@ -11261,7 +13165,7 @@
   <p:hf hdr="0" ftr="0" dt="0"/>
   <p:txStyles>
     <p:titleStyle>
-      <a:lvl1pPr algn="r" rtl="0" eaLnBrk="0" fontAlgn="base" hangingPunct="0">
+      <a:lvl1pPr algn="r" rtl="0" eaLnBrk="1" fontAlgn="base" hangingPunct="1">
         <a:lnSpc>
           <a:spcPts val="4400"/>
         </a:lnSpc>
@@ -11291,7 +13195,7 @@
           <a:cs typeface="+mj-cs"/>
         </a:defRPr>
       </a:lvl1pPr>
-      <a:lvl2pPr algn="r" rtl="0" eaLnBrk="0" fontAlgn="base" hangingPunct="0">
+      <a:lvl2pPr algn="r" rtl="0" eaLnBrk="1" fontAlgn="base" hangingPunct="1">
         <a:spcBef>
           <a:spcPct val="0"/>
         </a:spcBef>
@@ -11305,7 +13209,7 @@
           <a:latin typeface="Corbel" pitchFamily="34" charset="0"/>
         </a:defRPr>
       </a:lvl2pPr>
-      <a:lvl3pPr algn="r" rtl="0" eaLnBrk="0" fontAlgn="base" hangingPunct="0">
+      <a:lvl3pPr algn="r" rtl="0" eaLnBrk="1" fontAlgn="base" hangingPunct="1">
         <a:spcBef>
           <a:spcPct val="0"/>
         </a:spcBef>
@@ -11319,7 +13223,7 @@
           <a:latin typeface="Corbel" pitchFamily="34" charset="0"/>
         </a:defRPr>
       </a:lvl3pPr>
-      <a:lvl4pPr algn="r" rtl="0" eaLnBrk="0" fontAlgn="base" hangingPunct="0">
+      <a:lvl4pPr algn="r" rtl="0" eaLnBrk="1" fontAlgn="base" hangingPunct="1">
         <a:spcBef>
           <a:spcPct val="0"/>
         </a:spcBef>
@@ -11333,7 +13237,7 @@
           <a:latin typeface="Corbel" pitchFamily="34" charset="0"/>
         </a:defRPr>
       </a:lvl4pPr>
-      <a:lvl5pPr algn="r" rtl="0" eaLnBrk="0" fontAlgn="base" hangingPunct="0">
+      <a:lvl5pPr algn="r" rtl="0" eaLnBrk="1" fontAlgn="base" hangingPunct="1">
         <a:spcBef>
           <a:spcPct val="0"/>
         </a:spcBef>
@@ -11347,7 +13251,7 @@
           <a:latin typeface="Corbel" pitchFamily="34" charset="0"/>
         </a:defRPr>
       </a:lvl5pPr>
-      <a:lvl6pPr marL="457200" algn="r" rtl="0" fontAlgn="base">
+      <a:lvl6pPr marL="457200" algn="r" rtl="0" eaLnBrk="1" fontAlgn="base" hangingPunct="1">
         <a:spcBef>
           <a:spcPct val="0"/>
         </a:spcBef>
@@ -11361,7 +13265,7 @@
           <a:latin typeface="Corbel" pitchFamily="34" charset="0"/>
         </a:defRPr>
       </a:lvl6pPr>
-      <a:lvl7pPr marL="914400" algn="r" rtl="0" fontAlgn="base">
+      <a:lvl7pPr marL="914400" algn="r" rtl="0" eaLnBrk="1" fontAlgn="base" hangingPunct="1">
         <a:spcBef>
           <a:spcPct val="0"/>
         </a:spcBef>
@@ -11375,7 +13279,7 @@
           <a:latin typeface="Corbel" pitchFamily="34" charset="0"/>
         </a:defRPr>
       </a:lvl7pPr>
-      <a:lvl8pPr marL="1371600" algn="r" rtl="0" fontAlgn="base">
+      <a:lvl8pPr marL="1371600" algn="r" rtl="0" eaLnBrk="1" fontAlgn="base" hangingPunct="1">
         <a:spcBef>
           <a:spcPct val="0"/>
         </a:spcBef>
@@ -11389,7 +13293,7 @@
           <a:latin typeface="Corbel" pitchFamily="34" charset="0"/>
         </a:defRPr>
       </a:lvl8pPr>
-      <a:lvl9pPr marL="1828800" algn="r" rtl="0" fontAlgn="base">
+      <a:lvl9pPr marL="1828800" algn="r" rtl="0" eaLnBrk="1" fontAlgn="base" hangingPunct="1">
         <a:spcBef>
           <a:spcPct val="0"/>
         </a:spcBef>
@@ -11405,7 +13309,7 @@
       </a:lvl9pPr>
     </p:titleStyle>
     <p:bodyStyle>
-      <a:lvl1pPr marL="319088" indent="-319088" algn="l" rtl="0" eaLnBrk="0" fontAlgn="base" hangingPunct="0">
+      <a:lvl1pPr marL="319088" indent="-319088" algn="l" rtl="0" eaLnBrk="1" fontAlgn="base" hangingPunct="1">
         <a:spcBef>
           <a:spcPct val="20000"/>
         </a:spcBef>
@@ -11440,7 +13344,7 @@
           <a:cs typeface="+mn-cs"/>
         </a:defRPr>
       </a:lvl1pPr>
-      <a:lvl2pPr marL="630238" indent="-273050" algn="l" rtl="0" eaLnBrk="0" fontAlgn="base" hangingPunct="0">
+      <a:lvl2pPr marL="630238" indent="-273050" algn="l" rtl="0" eaLnBrk="1" fontAlgn="base" hangingPunct="1">
         <a:spcBef>
           <a:spcPct val="20000"/>
         </a:spcBef>
@@ -11474,7 +13378,7 @@
           <a:cs typeface="+mn-cs"/>
         </a:defRPr>
       </a:lvl2pPr>
-      <a:lvl3pPr marL="922338" indent="-273050" algn="l" rtl="0" eaLnBrk="0" fontAlgn="base" hangingPunct="0">
+      <a:lvl3pPr marL="922338" indent="-273050" algn="l" rtl="0" eaLnBrk="1" fontAlgn="base" hangingPunct="1">
         <a:spcBef>
           <a:spcPct val="20000"/>
         </a:spcBef>
@@ -11507,7 +13411,7 @@
           <a:cs typeface="+mn-cs"/>
         </a:defRPr>
       </a:lvl3pPr>
-      <a:lvl4pPr marL="1187450" indent="-228600" algn="l" rtl="0" eaLnBrk="0" fontAlgn="base" hangingPunct="0">
+      <a:lvl4pPr marL="1187450" indent="-228600" algn="l" rtl="0" eaLnBrk="1" fontAlgn="base" hangingPunct="1">
         <a:spcBef>
           <a:spcPct val="20000"/>
         </a:spcBef>
@@ -11538,7 +13442,7 @@
           <a:cs typeface="+mn-cs"/>
         </a:defRPr>
       </a:lvl4pPr>
-      <a:lvl5pPr marL="1425575" indent="-228600" algn="l" rtl="0" eaLnBrk="0" fontAlgn="base" hangingPunct="0">
+      <a:lvl5pPr marL="1425575" indent="-228600" algn="l" rtl="0" eaLnBrk="1" fontAlgn="base" hangingPunct="1">
         <a:spcBef>
           <a:spcPct val="20000"/>
         </a:spcBef>
@@ -11881,12 +13785,7 @@
             <p:ph type="body" sz="quarter" idx="12"/>
           </p:nvPr>
         </p:nvSpPr>
-        <p:spPr>
-          <a:xfrm>
-            <a:off x="457200" y="6062246"/>
-            <a:ext cx="1707903" cy="338554"/>
-          </a:xfrm>
-        </p:spPr>
+        <p:spPr/>
         <p:txBody>
           <a:bodyPr/>
           <a:lstStyle/>
@@ -12302,90 +14201,6 @@
       </p:sp>
       <p:sp>
         <p:nvSpPr>
-          <p:cNvPr id="1435653" name="Rectangle 5"/>
-          <p:cNvSpPr>
-            <a:spLocks noGrp="1" noChangeArrowheads="1"/>
-          </p:cNvSpPr>
-          <p:nvPr>
-            <p:ph type="body" idx="1"/>
-          </p:nvPr>
-        </p:nvSpPr>
-        <p:spPr>
-          <a:xfrm>
-            <a:off x="758825" y="1343025"/>
-            <a:ext cx="6757988" cy="2805113"/>
-          </a:xfrm>
-        </p:spPr>
-        <p:txBody>
-          <a:bodyPr/>
-          <a:lstStyle/>
-          <a:p>
-            <a:pPr marL="622300" lvl="1" indent="-260350">
-              <a:lnSpc>
-                <a:spcPct val="100000"/>
-              </a:lnSpc>
-            </a:pPr>
-            <a:r>
-              <a:rPr lang="en-US" dirty="0"/>
-              <a:t>Rich object-oriented library with fundamental classes</a:t>
-            </a:r>
-            <a:r>
-              <a:rPr lang="bg-BG" dirty="0"/>
-              <a:t> </a:t>
-            </a:r>
-            <a:endParaRPr lang="en-US" dirty="0"/>
-          </a:p>
-          <a:p>
-            <a:pPr marL="622300" lvl="1" indent="-260350">
-              <a:lnSpc>
-                <a:spcPct val="100000"/>
-              </a:lnSpc>
-            </a:pPr>
-            <a:r>
-              <a:rPr lang="en-US" dirty="0" smtClean="0"/>
-              <a:t>Input-output, collections</a:t>
-            </a:r>
-            <a:r>
-              <a:rPr lang="en-US" dirty="0"/>
-              <a:t>, </a:t>
-            </a:r>
-            <a:r>
-              <a:rPr lang="en-US" dirty="0" smtClean="0"/>
-              <a:t>text </a:t>
-            </a:r>
-            <a:r>
-              <a:rPr lang="en-US" dirty="0"/>
-              <a:t>processing, networking,</a:t>
-            </a:r>
-            <a:r>
-              <a:rPr lang="bg-BG" dirty="0"/>
-              <a:t> </a:t>
-            </a:r>
-            <a:r>
-              <a:rPr lang="en-US" dirty="0" smtClean="0"/>
-              <a:t>security</a:t>
-            </a:r>
-            <a:r>
-              <a:rPr lang="bg-BG" dirty="0"/>
-              <a:t>, </a:t>
-            </a:r>
-            <a:r>
-              <a:rPr lang="en-US" dirty="0" smtClean="0"/>
-              <a:t>multi-threading</a:t>
-            </a:r>
-            <a:r>
-              <a:rPr lang="bg-BG" dirty="0"/>
-              <a:t>, </a:t>
-            </a:r>
-            <a:r>
-              <a:rPr lang="en-US" dirty="0"/>
-              <a:t>…</a:t>
-            </a:r>
-          </a:p>
-        </p:txBody>
-      </p:sp>
-      <p:sp>
-        <p:nvSpPr>
           <p:cNvPr id="9" name="Rectangle 5"/>
           <p:cNvSpPr>
             <a:spLocks noGrp="1" noChangeArrowheads="1"/>
@@ -12423,6 +14238,90 @@
               <a:t>)</a:t>
             </a:r>
             <a:endParaRPr lang="bg-BG" sz="3800" dirty="0"/>
+          </a:p>
+        </p:txBody>
+      </p:sp>
+      <p:sp>
+        <p:nvSpPr>
+          <p:cNvPr id="1435653" name="Rectangle 5"/>
+          <p:cNvSpPr>
+            <a:spLocks noGrp="1" noChangeArrowheads="1"/>
+          </p:cNvSpPr>
+          <p:nvPr>
+            <p:ph idx="1"/>
+          </p:nvPr>
+        </p:nvSpPr>
+        <p:spPr>
+          <a:xfrm>
+            <a:off x="758825" y="1343025"/>
+            <a:ext cx="6757988" cy="2805113"/>
+          </a:xfrm>
+        </p:spPr>
+        <p:txBody>
+          <a:bodyPr/>
+          <a:lstStyle/>
+          <a:p>
+            <a:pPr marL="622300" lvl="1" indent="-260350">
+              <a:lnSpc>
+                <a:spcPct val="100000"/>
+              </a:lnSpc>
+            </a:pPr>
+            <a:r>
+              <a:rPr lang="en-US" dirty="0"/>
+              <a:t>Rich object-oriented library with fundamental classes</a:t>
+            </a:r>
+            <a:r>
+              <a:rPr lang="bg-BG" dirty="0"/>
+              <a:t> </a:t>
+            </a:r>
+            <a:endParaRPr lang="en-US" dirty="0"/>
+          </a:p>
+          <a:p>
+            <a:pPr marL="622300" lvl="1" indent="-260350">
+              <a:lnSpc>
+                <a:spcPct val="100000"/>
+              </a:lnSpc>
+            </a:pPr>
+            <a:r>
+              <a:rPr lang="en-US" dirty="0" smtClean="0"/>
+              <a:t>Input-output, collections</a:t>
+            </a:r>
+            <a:r>
+              <a:rPr lang="en-US" dirty="0"/>
+              <a:t>, </a:t>
+            </a:r>
+            <a:r>
+              <a:rPr lang="en-US" dirty="0" smtClean="0"/>
+              <a:t>text </a:t>
+            </a:r>
+            <a:r>
+              <a:rPr lang="en-US" dirty="0"/>
+              <a:t>processing, networking,</a:t>
+            </a:r>
+            <a:r>
+              <a:rPr lang="bg-BG" dirty="0"/>
+              <a:t> </a:t>
+            </a:r>
+            <a:r>
+              <a:rPr lang="en-US" dirty="0" smtClean="0"/>
+              <a:t>security</a:t>
+            </a:r>
+            <a:r>
+              <a:rPr lang="bg-BG" dirty="0"/>
+              <a:t>, </a:t>
+            </a:r>
+            <a:r>
+              <a:rPr lang="en-US" dirty="0" smtClean="0"/>
+              <a:t>multi-threading</a:t>
+            </a:r>
+            <a:r>
+              <a:rPr lang="bg-BG" dirty="0"/>
+              <a:t>, </a:t>
+            </a:r>
+            <a:r>
+              <a:rPr lang="en-US" dirty="0"/>
+              <a:t>…</a:t>
+            </a:r>
           </a:p>
         </p:txBody>
       </p:sp>
@@ -18460,12 +20359,54 @@
       </p:grpSpPr>
       <p:sp>
         <p:nvSpPr>
+          <p:cNvPr id="1443843" name="Rectangle 3"/>
+          <p:cNvSpPr>
+            <a:spLocks noGrp="1" noChangeArrowheads="1"/>
+          </p:cNvSpPr>
+          <p:nvPr>
+            <p:ph type="title"/>
+          </p:nvPr>
+        </p:nvSpPr>
+        <p:spPr>
+          <a:noFill/>
+          <a:ln/>
+          <a:effectLst>
+            <a:outerShdw dist="17961" dir="2700000" algn="ctr" rotWithShape="0">
+              <a:schemeClr val="bg2"/>
+            </a:outerShdw>
+          </a:effectLst>
+        </p:spPr>
+        <p:txBody>
+          <a:bodyPr/>
+          <a:lstStyle/>
+          <a:p>
+            <a:r>
+              <a:rPr lang="en-US" sz="3600" dirty="0"/>
+              <a:t>Common Language Runtime</a:t>
+            </a:r>
+            <a:r>
+              <a:rPr lang="bg-BG" sz="3600" dirty="0"/>
+              <a:t> (</a:t>
+            </a:r>
+            <a:r>
+              <a:rPr lang="en-US" sz="3600" dirty="0"/>
+              <a:t>CLR</a:t>
+            </a:r>
+            <a:r>
+              <a:rPr lang="bg-BG" sz="3600" dirty="0"/>
+              <a:t>)</a:t>
+            </a:r>
+          </a:p>
+        </p:txBody>
+      </p:sp>
+      <p:sp>
+        <p:nvSpPr>
           <p:cNvPr id="1443842" name="Rectangle 2"/>
           <p:cNvSpPr>
             <a:spLocks noGrp="1" noChangeArrowheads="1"/>
           </p:cNvSpPr>
           <p:nvPr>
-            <p:ph type="body" idx="1"/>
+            <p:ph idx="1"/>
           </p:nvPr>
         </p:nvSpPr>
         <p:spPr/>
@@ -18658,50 +20599,13 @@
             </a:pPr>
             <a:r>
               <a:rPr lang="en-US" dirty="0"/>
-              <a:t>Possible compilation in advance</a:t>
-            </a:r>
-          </a:p>
-        </p:txBody>
-      </p:sp>
-      <p:sp>
-        <p:nvSpPr>
-          <p:cNvPr id="1443843" name="Rectangle 3"/>
-          <p:cNvSpPr>
-            <a:spLocks noGrp="1" noChangeArrowheads="1"/>
-          </p:cNvSpPr>
-          <p:nvPr>
-            <p:ph type="title"/>
-          </p:nvPr>
-        </p:nvSpPr>
-        <p:spPr>
-          <a:noFill/>
-          <a:ln/>
-          <a:effectLst>
-            <a:outerShdw dist="17961" dir="2700000" algn="ctr" rotWithShape="0">
-              <a:schemeClr val="bg2"/>
-            </a:outerShdw>
-          </a:effectLst>
-        </p:spPr>
-        <p:txBody>
-          <a:bodyPr/>
-          <a:lstStyle/>
-          <a:p>
-            <a:r>
-              <a:rPr lang="en-US" sz="3600" dirty="0"/>
-              <a:t>Common Language Runtime</a:t>
-            </a:r>
-            <a:r>
-              <a:rPr lang="bg-BG" sz="3600" dirty="0"/>
-              <a:t> (</a:t>
-            </a:r>
-            <a:r>
-              <a:rPr lang="en-US" sz="3600" dirty="0"/>
-              <a:t>CLR</a:t>
-            </a:r>
-            <a:r>
-              <a:rPr lang="bg-BG" sz="3600" dirty="0"/>
-              <a:t>)</a:t>
-            </a:r>
+              <a:t>Possible compilation in </a:t>
+            </a:r>
+            <a:r>
+              <a:rPr lang="en-US" dirty="0" smtClean="0"/>
+              <a:t>advance (Ngen)</a:t>
+            </a:r>
+            <a:endParaRPr lang="en-US" dirty="0"/>
           </a:p>
         </p:txBody>
       </p:sp>
@@ -18778,12 +20682,55 @@
       </p:grpSpPr>
       <p:sp>
         <p:nvSpPr>
+          <p:cNvPr id="1445893" name="Rectangle 5"/>
+          <p:cNvSpPr>
+            <a:spLocks noGrp="1" noChangeArrowheads="1"/>
+          </p:cNvSpPr>
+          <p:nvPr>
+            <p:ph type="title"/>
+          </p:nvPr>
+        </p:nvSpPr>
+        <p:spPr>
+          <a:noFill/>
+          <a:ln/>
+          <a:effectLst>
+            <a:outerShdw dist="17961" dir="2700000" algn="ctr" rotWithShape="0">
+              <a:schemeClr val="bg2"/>
+            </a:outerShdw>
+          </a:effectLst>
+        </p:spPr>
+        <p:txBody>
+          <a:bodyPr/>
+          <a:lstStyle/>
+          <a:p>
+            <a:r>
+              <a:rPr lang="en-US" dirty="0" smtClean="0"/>
+              <a:t>Responsibilities</a:t>
+            </a:r>
+            <a:r>
+              <a:rPr lang="ru-RU" dirty="0" smtClean="0"/>
+              <a:t> </a:t>
+            </a:r>
+            <a:r>
+              <a:rPr lang="en-US" dirty="0"/>
+              <a:t>of</a:t>
+            </a:r>
+            <a:r>
+              <a:rPr lang="ru-RU" dirty="0"/>
+              <a:t> CLR</a:t>
+            </a:r>
+            <a:endParaRPr lang="bg-BG" dirty="0"/>
+          </a:p>
+        </p:txBody>
+      </p:sp>
+      <p:sp>
+        <p:nvSpPr>
           <p:cNvPr id="1445890" name="Rectangle 2"/>
           <p:cNvSpPr>
             <a:spLocks noGrp="1" noChangeArrowheads="1"/>
           </p:cNvSpPr>
           <p:nvPr>
-            <p:ph type="body" idx="1"/>
+            <p:ph idx="1"/>
           </p:nvPr>
         </p:nvSpPr>
         <p:spPr/>
@@ -18920,49 +20867,6 @@
               <a:t>Role-based security</a:t>
             </a:r>
             <a:endParaRPr lang="bg-BG" sz="2600" dirty="0"/>
-          </a:p>
-        </p:txBody>
-      </p:sp>
-      <p:sp>
-        <p:nvSpPr>
-          <p:cNvPr id="1445893" name="Rectangle 5"/>
-          <p:cNvSpPr>
-            <a:spLocks noGrp="1" noChangeArrowheads="1"/>
-          </p:cNvSpPr>
-          <p:nvPr>
-            <p:ph type="title"/>
-          </p:nvPr>
-        </p:nvSpPr>
-        <p:spPr>
-          <a:noFill/>
-          <a:ln/>
-          <a:effectLst>
-            <a:outerShdw dist="17961" dir="2700000" algn="ctr" rotWithShape="0">
-              <a:schemeClr val="bg2"/>
-            </a:outerShdw>
-          </a:effectLst>
-        </p:spPr>
-        <p:txBody>
-          <a:bodyPr/>
-          <a:lstStyle/>
-          <a:p>
-            <a:r>
-              <a:rPr lang="en-US" dirty="0" smtClean="0"/>
-              <a:t>Responsibilities</a:t>
-            </a:r>
-            <a:r>
-              <a:rPr lang="ru-RU" dirty="0" smtClean="0"/>
-              <a:t> </a:t>
-            </a:r>
-            <a:r>
-              <a:rPr lang="en-US" dirty="0"/>
-              <a:t>of</a:t>
-            </a:r>
-            <a:r>
-              <a:rPr lang="ru-RU" dirty="0"/>
-              <a:t> CLR</a:t>
-            </a:r>
-            <a:endParaRPr lang="bg-BG" dirty="0"/>
           </a:p>
         </p:txBody>
       </p:sp>
@@ -18983,8 +20887,8 @@
         </p:blipFill>
         <p:spPr bwMode="auto">
           <a:xfrm>
-            <a:off x="5943600" y="4419600"/>
-            <a:ext cx="2638425" cy="1962150"/>
+            <a:off x="5257800" y="3824177"/>
+            <a:ext cx="3253204" cy="2419350"/>
           </a:xfrm>
           <a:prstGeom prst="rect">
             <a:avLst/>
@@ -19035,126 +20939,6 @@
       </p:grpSpPr>
       <p:sp>
         <p:nvSpPr>
-          <p:cNvPr id="1447938" name="Rectangle 2"/>
-          <p:cNvSpPr>
-            <a:spLocks noGrp="1" noChangeArrowheads="1"/>
-          </p:cNvSpPr>
-          <p:nvPr>
-            <p:ph type="body" idx="1"/>
-          </p:nvPr>
-        </p:nvSpPr>
-        <p:spPr>
-          <a:xfrm>
-            <a:off x="228600" y="1219200"/>
-            <a:ext cx="8686800" cy="5410200"/>
-          </a:xfrm>
-        </p:spPr>
-        <p:txBody>
-          <a:bodyPr/>
-          <a:lstStyle/>
-          <a:p>
-            <a:pPr>
-              <a:lnSpc>
-                <a:spcPct val="105000"/>
-              </a:lnSpc>
-            </a:pPr>
-            <a:r>
-              <a:rPr lang="en-US" dirty="0"/>
-              <a:t>Managing </a:t>
-            </a:r>
-            <a:r>
-              <a:rPr lang="en-US" dirty="0" smtClean="0"/>
-              <a:t>exceptions</a:t>
-            </a:r>
-          </a:p>
-          <a:p>
-            <a:pPr>
-              <a:lnSpc>
-                <a:spcPct val="105000"/>
-              </a:lnSpc>
-            </a:pPr>
-            <a:r>
-              <a:rPr lang="en-US" dirty="0" smtClean="0"/>
-              <a:t>Managing </a:t>
-            </a:r>
-            <a:r>
-              <a:rPr lang="en-US" dirty="0"/>
-              <a:t>concurrency </a:t>
-            </a:r>
-            <a:r>
-              <a:rPr lang="ru-RU" dirty="0"/>
-              <a:t>– </a:t>
-            </a:r>
-            <a:r>
-              <a:rPr lang="en-US" dirty="0"/>
-              <a:t>controlling </a:t>
-            </a:r>
-            <a:r>
-              <a:rPr lang="en-US" dirty="0" smtClean="0"/>
-              <a:t>the </a:t>
-            </a:r>
-            <a:r>
-              <a:rPr lang="en-US" dirty="0"/>
-              <a:t>parallel </a:t>
-            </a:r>
-            <a:r>
-              <a:rPr lang="en-US" dirty="0" smtClean="0"/>
-              <a:t>execution of application </a:t>
-            </a:r>
-            <a:r>
-              <a:rPr lang="ru-RU" dirty="0" smtClean="0"/>
-              <a:t>threads</a:t>
-            </a:r>
-            <a:endParaRPr lang="en-US" dirty="0"/>
-          </a:p>
-          <a:p>
-            <a:pPr>
-              <a:lnSpc>
-                <a:spcPct val="105000"/>
-              </a:lnSpc>
-            </a:pPr>
-            <a:r>
-              <a:rPr lang="en-US" dirty="0" smtClean="0"/>
-              <a:t>Managing application domains and their isolation</a:t>
-            </a:r>
-            <a:endParaRPr lang="bg-BG" dirty="0" smtClean="0"/>
-          </a:p>
-          <a:p>
-            <a:pPr>
-              <a:lnSpc>
-                <a:spcPct val="105000"/>
-              </a:lnSpc>
-            </a:pPr>
-            <a:r>
-              <a:rPr lang="en-US" dirty="0" smtClean="0"/>
-              <a:t>Interaction with unmanaged code</a:t>
-            </a:r>
-            <a:endParaRPr lang="bg-BG" dirty="0"/>
-          </a:p>
-          <a:p>
-            <a:pPr>
-              <a:lnSpc>
-                <a:spcPct val="105000"/>
-              </a:lnSpc>
-            </a:pPr>
-            <a:r>
-              <a:rPr lang="en-US" dirty="0"/>
-              <a:t>Supporting</a:t>
-            </a:r>
-            <a:r>
-              <a:rPr lang="bg-BG" dirty="0"/>
-              <a:t> </a:t>
-            </a:r>
-            <a:r>
-              <a:rPr lang="en-US" dirty="0" smtClean="0"/>
-              <a:t>debug /					 profile of .NET code</a:t>
-            </a:r>
-            <a:endParaRPr lang="bg-BG" dirty="0"/>
-          </a:p>
-        </p:txBody>
-      </p:sp>
-      <p:sp>
-        <p:nvSpPr>
           <p:cNvPr id="1447939" name="Rectangle 3"/>
           <p:cNvSpPr>
             <a:spLocks noGrp="1" noChangeArrowheads="1"/>
@@ -19194,6 +20978,126 @@
             <a:r>
               <a:rPr lang="en-US" dirty="0"/>
               <a:t> (2)</a:t>
+            </a:r>
+            <a:endParaRPr lang="bg-BG" dirty="0"/>
+          </a:p>
+        </p:txBody>
+      </p:sp>
+      <p:sp>
+        <p:nvSpPr>
+          <p:cNvPr id="1447938" name="Rectangle 2"/>
+          <p:cNvSpPr>
+            <a:spLocks noGrp="1" noChangeArrowheads="1"/>
+          </p:cNvSpPr>
+          <p:nvPr>
+            <p:ph idx="1"/>
+          </p:nvPr>
+        </p:nvSpPr>
+        <p:spPr>
+          <a:xfrm>
+            <a:off x="228600" y="1219200"/>
+            <a:ext cx="8686800" cy="5410200"/>
+          </a:xfrm>
+        </p:spPr>
+        <p:txBody>
+          <a:bodyPr/>
+          <a:lstStyle/>
+          <a:p>
+            <a:pPr>
+              <a:lnSpc>
+                <a:spcPct val="105000"/>
+              </a:lnSpc>
+            </a:pPr>
+            <a:r>
+              <a:rPr lang="en-US" dirty="0"/>
+              <a:t>Managing </a:t>
+            </a:r>
+            <a:r>
+              <a:rPr lang="en-US" dirty="0" smtClean="0"/>
+              <a:t>exceptions</a:t>
+            </a:r>
+          </a:p>
+          <a:p>
+            <a:pPr>
+              <a:lnSpc>
+                <a:spcPct val="105000"/>
+              </a:lnSpc>
+            </a:pPr>
+            <a:r>
+              <a:rPr lang="en-US" dirty="0" smtClean="0"/>
+              <a:t>Managing </a:t>
+            </a:r>
+            <a:r>
+              <a:rPr lang="en-US" dirty="0"/>
+              <a:t>concurrency </a:t>
+            </a:r>
+            <a:r>
+              <a:rPr lang="ru-RU" dirty="0"/>
+              <a:t>– </a:t>
+            </a:r>
+            <a:r>
+              <a:rPr lang="en-US" dirty="0"/>
+              <a:t>controlling </a:t>
+            </a:r>
+            <a:r>
+              <a:rPr lang="en-US" dirty="0" smtClean="0"/>
+              <a:t>the </a:t>
+            </a:r>
+            <a:r>
+              <a:rPr lang="en-US" dirty="0"/>
+              <a:t>parallel </a:t>
+            </a:r>
+            <a:r>
+              <a:rPr lang="en-US" dirty="0" smtClean="0"/>
+              <a:t>execution of application </a:t>
+            </a:r>
+            <a:r>
+              <a:rPr lang="ru-RU" dirty="0" smtClean="0"/>
+              <a:t>threads</a:t>
+            </a:r>
+            <a:endParaRPr lang="en-US" dirty="0"/>
+          </a:p>
+          <a:p>
+            <a:pPr>
+              <a:lnSpc>
+                <a:spcPct val="105000"/>
+              </a:lnSpc>
+            </a:pPr>
+            <a:r>
+              <a:rPr lang="en-US" dirty="0" smtClean="0"/>
+              <a:t>Managing application domains and their isolation</a:t>
+            </a:r>
+            <a:endParaRPr lang="bg-BG" dirty="0" smtClean="0"/>
+          </a:p>
+          <a:p>
+            <a:pPr>
+              <a:lnSpc>
+                <a:spcPct val="105000"/>
+              </a:lnSpc>
+            </a:pPr>
+            <a:r>
+              <a:rPr lang="en-US" dirty="0" smtClean="0"/>
+              <a:t>Interaction with unmanaged code</a:t>
+            </a:r>
+            <a:endParaRPr lang="bg-BG" dirty="0"/>
+          </a:p>
+          <a:p>
+            <a:pPr>
+              <a:lnSpc>
+                <a:spcPct val="105000"/>
+              </a:lnSpc>
+            </a:pPr>
+            <a:r>
+              <a:rPr lang="en-US" dirty="0"/>
+              <a:t>Supporting</a:t>
+            </a:r>
+            <a:r>
+              <a:rPr lang="bg-BG" dirty="0"/>
+              <a:t> </a:t>
+            </a:r>
+            <a:r>
+              <a:rPr lang="en-US" dirty="0" smtClean="0"/>
+              <a:t>debug /					 profile of .NET code</a:t>
             </a:r>
             <a:endParaRPr lang="bg-BG" dirty="0"/>
           </a:p>
@@ -19221,7 +21125,7 @@
           </a:xfrm>
           <a:prstGeom prst="roundRect">
             <a:avLst>
-              <a:gd name="adj" fmla="val 8678"/>
+              <a:gd name="adj" fmla="val 4836"/>
             </a:avLst>
           </a:prstGeom>
           <a:noFill/>
@@ -19290,13 +21194,13 @@
             <a:spLocks noGrp="1" noChangeArrowheads="1"/>
           </p:cNvSpPr>
           <p:nvPr>
-            <p:ph type="body" idx="1"/>
+            <p:ph idx="1"/>
           </p:nvPr>
         </p:nvSpPr>
         <p:spPr>
           <a:xfrm>
-            <a:off x="228600" y="990600"/>
-            <a:ext cx="8686800" cy="5638800"/>
+            <a:off x="228600" y="914400"/>
+            <a:ext cx="8686800" cy="5715000"/>
           </a:xfrm>
         </p:spPr>
         <p:txBody>
@@ -19594,7 +21498,7 @@
         </p:nvSpPr>
         <p:spPr bwMode="auto">
           <a:xfrm>
-            <a:off x="1300163" y="5832475"/>
+            <a:off x="1300163" y="5757862"/>
             <a:ext cx="6478587" cy="719138"/>
           </a:xfrm>
           <a:prstGeom prst="rect">
@@ -19663,7 +21567,7 @@
         </p:nvSpPr>
         <p:spPr bwMode="auto">
           <a:xfrm>
-            <a:off x="1300163" y="4773613"/>
+            <a:off x="1300163" y="4699000"/>
             <a:ext cx="2051050" cy="900112"/>
           </a:xfrm>
           <a:prstGeom prst="rect">
@@ -19749,7 +21653,7 @@
         </p:nvSpPr>
         <p:spPr bwMode="auto">
           <a:xfrm>
-            <a:off x="3519488" y="4773613"/>
+            <a:off x="3519488" y="4699000"/>
             <a:ext cx="2051050" cy="900112"/>
           </a:xfrm>
           <a:prstGeom prst="rect">
@@ -19843,7 +21747,7 @@
         </p:nvSpPr>
         <p:spPr bwMode="auto">
           <a:xfrm>
-            <a:off x="5729288" y="4778375"/>
+            <a:off x="5729288" y="4703762"/>
             <a:ext cx="2051050" cy="900113"/>
           </a:xfrm>
           <a:prstGeom prst="rect">
@@ -19937,7 +21841,7 @@
         </p:nvSpPr>
         <p:spPr bwMode="auto">
           <a:xfrm>
-            <a:off x="1300163" y="3886200"/>
+            <a:off x="1300163" y="3811587"/>
             <a:ext cx="3167062" cy="719138"/>
           </a:xfrm>
           <a:prstGeom prst="rect">
@@ -20006,7 +21910,7 @@
         </p:nvSpPr>
         <p:spPr bwMode="auto">
           <a:xfrm>
-            <a:off x="4611688" y="3886200"/>
+            <a:off x="4611688" y="3811587"/>
             <a:ext cx="3167062" cy="719138"/>
           </a:xfrm>
           <a:prstGeom prst="rect">
@@ -20075,7 +21979,7 @@
         </p:nvSpPr>
         <p:spPr bwMode="auto">
           <a:xfrm>
-            <a:off x="1300163" y="3013075"/>
+            <a:off x="1300163" y="2938462"/>
             <a:ext cx="3167062" cy="719138"/>
           </a:xfrm>
           <a:prstGeom prst="rect">
@@ -20144,7 +22048,7 @@
         </p:nvSpPr>
         <p:spPr bwMode="auto">
           <a:xfrm>
-            <a:off x="4611688" y="3013075"/>
+            <a:off x="4611688" y="2938462"/>
             <a:ext cx="3167062" cy="719138"/>
           </a:xfrm>
           <a:prstGeom prst="rect">
@@ -20213,7 +22117,7 @@
         </p:nvSpPr>
         <p:spPr bwMode="auto">
           <a:xfrm>
-            <a:off x="1300163" y="2138363"/>
+            <a:off x="1300163" y="2063750"/>
             <a:ext cx="3167062" cy="719137"/>
           </a:xfrm>
           <a:prstGeom prst="rect">
@@ -20282,7 +22186,7 @@
         </p:nvSpPr>
         <p:spPr bwMode="auto">
           <a:xfrm>
-            <a:off x="4611688" y="2138363"/>
+            <a:off x="4611688" y="2063750"/>
             <a:ext cx="3167062" cy="719137"/>
           </a:xfrm>
           <a:prstGeom prst="rect">
@@ -20351,7 +22255,7 @@
         </p:nvSpPr>
         <p:spPr bwMode="auto">
           <a:xfrm>
-            <a:off x="1300163" y="1266825"/>
+            <a:off x="1300163" y="1192212"/>
             <a:ext cx="6478587" cy="719138"/>
           </a:xfrm>
           <a:prstGeom prst="rect">
@@ -20521,7 +22425,7 @@
         </p:blipFill>
         <p:spPr bwMode="auto">
           <a:xfrm flipH="1">
-            <a:off x="2362200" y="3557646"/>
+            <a:off x="2241699" y="3557646"/>
             <a:ext cx="4377266" cy="2690754"/>
           </a:xfrm>
           <a:prstGeom prst="roundRect">
@@ -20595,15 +22499,10 @@
             <a:spLocks noGrp="1" noChangeArrowheads="1"/>
           </p:cNvSpPr>
           <p:nvPr>
-            <p:ph type="body" idx="1"/>
+            <p:ph idx="1"/>
           </p:nvPr>
         </p:nvSpPr>
-        <p:spPr>
-          <a:xfrm>
-            <a:off x="228600" y="1066800"/>
-            <a:ext cx="8686800" cy="5638800"/>
-          </a:xfrm>
-        </p:spPr>
+        <p:spPr/>
         <p:txBody>
           <a:bodyPr/>
           <a:lstStyle/>
@@ -20813,6 +22712,12 @@
             </a:r>
             <a:r>
               <a:rPr lang="en-US" dirty="0" smtClean="0">
+                <a:solidFill>
+                  <a:schemeClr val="accent5">
+                    <a:lumMod val="20000"/>
+                    <a:lumOff val="80000"/>
+                  </a:schemeClr>
+                </a:solidFill>
                 <a:latin typeface="Consolas" pitchFamily="49" charset="0"/>
                 <a:cs typeface="Consolas" pitchFamily="49" charset="0"/>
               </a:rPr>
@@ -20824,6 +22729,12 @@
             </a:r>
             <a:r>
               <a:rPr lang="en-US" dirty="0" smtClean="0">
+                <a:solidFill>
+                  <a:schemeClr val="accent5">
+                    <a:lumMod val="20000"/>
+                    <a:lumOff val="80000"/>
+                  </a:schemeClr>
+                </a:solidFill>
                 <a:latin typeface="Consolas" pitchFamily="49" charset="0"/>
                 <a:cs typeface="Consolas" pitchFamily="49" charset="0"/>
               </a:rPr>
@@ -20831,6 +22742,12 @@
             </a:r>
             <a:r>
               <a:rPr lang="en-US" noProof="1" smtClean="0">
+                <a:solidFill>
+                  <a:schemeClr val="accent5">
+                    <a:lumMod val="20000"/>
+                    <a:lumOff val="80000"/>
+                  </a:schemeClr>
+                </a:solidFill>
                 <a:latin typeface="Consolas" pitchFamily="49" charset="0"/>
                 <a:cs typeface="Consolas" pitchFamily="49" charset="0"/>
               </a:rPr>
@@ -20879,137 +22796,6 @@
       </p:grpSpPr>
       <p:sp>
         <p:nvSpPr>
-          <p:cNvPr id="1453058" name="Rectangle 2"/>
-          <p:cNvSpPr>
-            <a:spLocks noGrp="1" noChangeArrowheads="1"/>
-          </p:cNvSpPr>
-          <p:nvPr>
-            <p:ph type="body" idx="1"/>
-          </p:nvPr>
-        </p:nvSpPr>
-        <p:spPr>
-          <a:xfrm>
-            <a:off x="228600" y="1143001"/>
-            <a:ext cx="8736013" cy="5454650"/>
-          </a:xfrm>
-        </p:spPr>
-        <p:txBody>
-          <a:bodyPr/>
-          <a:lstStyle/>
-          <a:p>
-            <a:pPr>
-              <a:lnSpc>
-                <a:spcPct val="100000"/>
-              </a:lnSpc>
-            </a:pPr>
-            <a:r>
-              <a:rPr lang="en-US" dirty="0"/>
-              <a:t>Object-oriented</a:t>
-            </a:r>
-            <a:endParaRPr lang="bg-BG" dirty="0"/>
-          </a:p>
-          <a:p>
-            <a:pPr>
-              <a:lnSpc>
-                <a:spcPct val="100000"/>
-              </a:lnSpc>
-            </a:pPr>
-            <a:r>
-              <a:rPr lang="en-US" dirty="0" smtClean="0"/>
-              <a:t>Secure</a:t>
-            </a:r>
-            <a:endParaRPr lang="bg-BG" dirty="0"/>
-          </a:p>
-          <a:p>
-            <a:pPr>
-              <a:lnSpc>
-                <a:spcPct val="100000"/>
-              </a:lnSpc>
-            </a:pPr>
-            <a:r>
-              <a:rPr lang="en-US" dirty="0" smtClean="0"/>
-              <a:t>Reliable</a:t>
-            </a:r>
-          </a:p>
-          <a:p>
-            <a:pPr lvl="1">
-              <a:lnSpc>
-                <a:spcPct val="100000"/>
-              </a:lnSpc>
-            </a:pPr>
-            <a:r>
-              <a:rPr lang="en-US" dirty="0" smtClean="0"/>
-              <a:t>Protected from </a:t>
-            </a:r>
-            <a:r>
-              <a:rPr lang="bg-BG" dirty="0" smtClean="0"/>
-              <a:t>irregular</a:t>
-            </a:r>
-            <a:r>
-              <a:rPr lang="en-US" dirty="0" smtClean="0"/>
-              <a:t> use of types</a:t>
-            </a:r>
-            <a:r>
-              <a:rPr lang="bg-BG" dirty="0" smtClean="0"/>
-              <a:t> (</a:t>
-            </a:r>
-            <a:r>
-              <a:rPr lang="en-US" dirty="0" smtClean="0"/>
-              <a:t>type-safe)</a:t>
-            </a:r>
-            <a:endParaRPr lang="en-US" dirty="0"/>
-          </a:p>
-          <a:p>
-            <a:pPr>
-              <a:lnSpc>
-                <a:spcPct val="100000"/>
-              </a:lnSpc>
-            </a:pPr>
-            <a:r>
-              <a:rPr lang="en-US" dirty="0"/>
-              <a:t>Allows integration between </a:t>
-            </a:r>
-            <a:r>
-              <a:rPr lang="en-US" dirty="0" smtClean="0"/>
-              <a:t>components and data types </a:t>
-            </a:r>
-            <a:r>
-              <a:rPr lang="en-US" dirty="0"/>
-              <a:t>of different programming languages</a:t>
-            </a:r>
-            <a:endParaRPr lang="bg-BG" dirty="0"/>
-          </a:p>
-          <a:p>
-            <a:pPr>
-              <a:lnSpc>
-                <a:spcPct val="100000"/>
-              </a:lnSpc>
-            </a:pPr>
-            <a:r>
-              <a:rPr lang="en-US" dirty="0"/>
-              <a:t>Portable between different </a:t>
-            </a:r>
-            <a:r>
-              <a:rPr lang="en-US" dirty="0" smtClean="0"/>
-              <a:t>platforms</a:t>
-            </a:r>
-          </a:p>
-          <a:p>
-            <a:pPr lvl="1">
-              <a:lnSpc>
-                <a:spcPct val="100000"/>
-              </a:lnSpc>
-            </a:pPr>
-            <a:r>
-              <a:rPr lang="en-US" dirty="0" smtClean="0"/>
-              <a:t>Windows, Linux, Max OS X, etc.</a:t>
-            </a:r>
-            <a:endParaRPr lang="bg-BG" dirty="0"/>
-          </a:p>
-        </p:txBody>
-      </p:sp>
-      <p:sp>
-        <p:nvSpPr>
           <p:cNvPr id="1453059" name="Rectangle 3"/>
           <p:cNvSpPr>
             <a:spLocks noGrp="1" noChangeArrowheads="1"/>
@@ -21039,6 +22825,137 @@
               <a:rPr lang="bg-BG" dirty="0"/>
               <a:t>(2)</a:t>
             </a:r>
+          </a:p>
+        </p:txBody>
+      </p:sp>
+      <p:sp>
+        <p:nvSpPr>
+          <p:cNvPr id="1453058" name="Rectangle 2"/>
+          <p:cNvSpPr>
+            <a:spLocks noGrp="1" noChangeArrowheads="1"/>
+          </p:cNvSpPr>
+          <p:nvPr>
+            <p:ph idx="1"/>
+          </p:nvPr>
+        </p:nvSpPr>
+        <p:spPr>
+          <a:xfrm>
+            <a:off x="228600" y="1143001"/>
+            <a:ext cx="8736013" cy="5454650"/>
+          </a:xfrm>
+        </p:spPr>
+        <p:txBody>
+          <a:bodyPr/>
+          <a:lstStyle/>
+          <a:p>
+            <a:pPr>
+              <a:lnSpc>
+                <a:spcPct val="100000"/>
+              </a:lnSpc>
+            </a:pPr>
+            <a:r>
+              <a:rPr lang="en-US" dirty="0"/>
+              <a:t>Object-oriented</a:t>
+            </a:r>
+            <a:endParaRPr lang="bg-BG" dirty="0"/>
+          </a:p>
+          <a:p>
+            <a:pPr>
+              <a:lnSpc>
+                <a:spcPct val="100000"/>
+              </a:lnSpc>
+            </a:pPr>
+            <a:r>
+              <a:rPr lang="en-US" dirty="0" smtClean="0"/>
+              <a:t>Secure</a:t>
+            </a:r>
+            <a:endParaRPr lang="bg-BG" dirty="0"/>
+          </a:p>
+          <a:p>
+            <a:pPr>
+              <a:lnSpc>
+                <a:spcPct val="100000"/>
+              </a:lnSpc>
+            </a:pPr>
+            <a:r>
+              <a:rPr lang="en-US" dirty="0" smtClean="0"/>
+              <a:t>Reliable</a:t>
+            </a:r>
+          </a:p>
+          <a:p>
+            <a:pPr lvl="1">
+              <a:lnSpc>
+                <a:spcPct val="100000"/>
+              </a:lnSpc>
+            </a:pPr>
+            <a:r>
+              <a:rPr lang="en-US" dirty="0" smtClean="0"/>
+              <a:t>Protected from </a:t>
+            </a:r>
+            <a:r>
+              <a:rPr lang="bg-BG" dirty="0" smtClean="0"/>
+              <a:t>irregular</a:t>
+            </a:r>
+            <a:r>
+              <a:rPr lang="en-US" dirty="0" smtClean="0"/>
+              <a:t> use of types</a:t>
+            </a:r>
+            <a:r>
+              <a:rPr lang="bg-BG" dirty="0" smtClean="0"/>
+              <a:t> (</a:t>
+            </a:r>
+            <a:r>
+              <a:rPr lang="en-US" dirty="0" smtClean="0"/>
+              <a:t>type-safe)</a:t>
+            </a:r>
+            <a:endParaRPr lang="en-US" dirty="0"/>
+          </a:p>
+          <a:p>
+            <a:pPr>
+              <a:lnSpc>
+                <a:spcPct val="100000"/>
+              </a:lnSpc>
+            </a:pPr>
+            <a:r>
+              <a:rPr lang="en-US" dirty="0"/>
+              <a:t>Allows integration between </a:t>
+            </a:r>
+            <a:r>
+              <a:rPr lang="en-US" dirty="0" smtClean="0"/>
+              <a:t>components and data types </a:t>
+            </a:r>
+            <a:r>
+              <a:rPr lang="en-US" dirty="0"/>
+              <a:t>of different programming languages</a:t>
+            </a:r>
+            <a:endParaRPr lang="bg-BG" dirty="0"/>
+          </a:p>
+          <a:p>
+            <a:pPr>
+              <a:lnSpc>
+                <a:spcPct val="100000"/>
+              </a:lnSpc>
+            </a:pPr>
+            <a:r>
+              <a:rPr lang="en-US" dirty="0"/>
+              <a:t>Portable between different </a:t>
+            </a:r>
+            <a:r>
+              <a:rPr lang="en-US" dirty="0" smtClean="0"/>
+              <a:t>platforms</a:t>
+            </a:r>
+          </a:p>
+          <a:p>
+            <a:pPr lvl="1">
+              <a:lnSpc>
+                <a:spcPct val="100000"/>
+              </a:lnSpc>
+            </a:pPr>
+            <a:r>
+              <a:rPr lang="en-US" dirty="0" smtClean="0"/>
+              <a:t>Windows, Linux, Max OS X, etc.</a:t>
+            </a:r>
+            <a:endParaRPr lang="bg-BG" dirty="0"/>
           </a:p>
         </p:txBody>
       </p:sp>
@@ -21146,7 +23063,7 @@
             <a:spLocks noGrp="1" noChangeArrowheads="1"/>
           </p:cNvSpPr>
           <p:nvPr>
-            <p:ph type="body" idx="1"/>
+            <p:ph idx="1"/>
           </p:nvPr>
         </p:nvSpPr>
         <p:spPr/>
@@ -21324,7 +23241,7 @@
             <a:spLocks noGrp="1" noChangeArrowheads="1"/>
           </p:cNvSpPr>
           <p:nvPr>
-            <p:ph type="body" idx="1"/>
+            <p:ph idx="1"/>
           </p:nvPr>
         </p:nvSpPr>
         <p:spPr/>
@@ -21561,8 +23478,10 @@
             <a:off x="2218018" y="3124200"/>
             <a:ext cx="4441264" cy="3124200"/>
           </a:xfrm>
-          <a:prstGeom prst="rect">
-            <a:avLst/>
+          <a:prstGeom prst="roundRect">
+            <a:avLst>
+              <a:gd name="adj" fmla="val 6797"/>
+            </a:avLst>
           </a:prstGeom>
           <a:ln>
             <a:noFill/>
@@ -21671,7 +23590,7 @@
             <a:spLocks noGrp="1" noChangeArrowheads="1"/>
           </p:cNvSpPr>
           <p:nvPr>
-            <p:ph type="body" idx="1"/>
+            <p:ph idx="1"/>
           </p:nvPr>
         </p:nvSpPr>
         <p:spPr>
@@ -23596,7 +25515,7 @@
         </p:nvSpPr>
         <p:spPr bwMode="auto">
           <a:xfrm>
-            <a:off x="7391400" y="1143000"/>
+            <a:off x="7315200" y="1143000"/>
             <a:ext cx="1524000" cy="1317164"/>
           </a:xfrm>
           <a:prstGeom prst="wedgeRoundRectCallout">
@@ -24769,7 +26688,7 @@
             <a:spLocks noGrp="1" noChangeArrowheads="1"/>
           </p:cNvSpPr>
           <p:nvPr>
-            <p:ph type="body" idx="1"/>
+            <p:ph idx="1"/>
           </p:nvPr>
         </p:nvSpPr>
         <p:spPr/>
@@ -24877,7 +26796,7 @@
         </p:blipFill>
         <p:spPr bwMode="auto">
           <a:xfrm>
-            <a:off x="6096000" y="4867088"/>
+            <a:off x="6096000" y="4892040"/>
             <a:ext cx="2514600" cy="1508760"/>
           </a:xfrm>
           <a:prstGeom prst="roundRect">
@@ -26817,60 +28736,82 @@
           </a:p>
         </p:txBody>
       </p:sp>
-      <p:pic>
-        <p:nvPicPr>
-          <p:cNvPr id="50178" name="Picture 2" descr="http://it.bluent.com/images/software-application.jpg"/>
-          <p:cNvPicPr>
-            <a:picLocks noChangeAspect="1" noChangeArrowheads="1"/>
-          </p:cNvPicPr>
+      <p:grpSp>
+        <p:nvGrpSpPr>
+          <p:cNvPr id="2" name="Group 1"/>
+          <p:cNvGrpSpPr/>
           <p:nvPr/>
-        </p:nvPicPr>
-        <p:blipFill>
-          <a:blip r:embed="rId3" cstate="print"/>
-          <a:srcRect/>
-          <a:stretch>
-            <a:fillRect/>
-          </a:stretch>
-        </p:blipFill>
-        <p:spPr bwMode="auto">
+        </p:nvGrpSpPr>
+        <p:grpSpPr>
           <a:xfrm>
-            <a:off x="2438400" y="1516858"/>
-            <a:ext cx="4114800" cy="2301240"/>
+            <a:off x="2438400" y="1195718"/>
+            <a:ext cx="4114800" cy="2622380"/>
+            <a:chOff x="2438400" y="1195718"/>
+            <a:chExt cx="4114800" cy="2622380"/>
           </a:xfrm>
-          <a:prstGeom prst="roundRect">
-            <a:avLst>
-              <a:gd name="adj" fmla="val 8283"/>
-            </a:avLst>
-          </a:prstGeom>
-          <a:noFill/>
-        </p:spPr>
-      </p:pic>
-      <p:pic>
-        <p:nvPicPr>
-          <p:cNvPr id="50179" name="Picture 3" descr="C:\Trash\ms.net-logo-blue.jpg"/>
-          <p:cNvPicPr>
-            <a:picLocks noChangeAspect="1" noChangeArrowheads="1"/>
-          </p:cNvPicPr>
-          <p:nvPr/>
-        </p:nvPicPr>
-        <p:blipFill>
-          <a:blip r:embed="rId4" cstate="print"/>
-          <a:srcRect/>
-          <a:stretch>
-            <a:fillRect/>
-          </a:stretch>
-        </p:blipFill>
-        <p:spPr bwMode="auto">
-          <a:xfrm>
-            <a:off x="4303324" y="1219200"/>
-            <a:ext cx="1838510" cy="895350"/>
-          </a:xfrm>
-          <a:prstGeom prst="roundRect">
-            <a:avLst/>
-          </a:prstGeom>
-          <a:noFill/>
-        </p:spPr>
-      </p:pic>
+        </p:grpSpPr>
+        <p:pic>
+          <p:nvPicPr>
+            <p:cNvPr id="50178" name="Picture 2" descr="http://it.bluent.com/images/software-application.jpg"/>
+            <p:cNvPicPr>
+              <a:picLocks noChangeAspect="1" noChangeArrowheads="1"/>
+            </p:cNvPicPr>
+            <p:nvPr/>
+          </p:nvPicPr>
+          <p:blipFill>
+            <a:blip r:embed="rId3" cstate="print"/>
+            <a:srcRect/>
+            <a:stretch>
+              <a:fillRect/>
+            </a:stretch>
+          </p:blipFill>
+          <p:spPr bwMode="auto">
+            <a:xfrm>
+              <a:off x="2438400" y="1516858"/>
+              <a:ext cx="4114800" cy="2301240"/>
+            </a:xfrm>
+            <a:prstGeom prst="roundRect">
+              <a:avLst>
+                <a:gd name="adj" fmla="val 8283"/>
+              </a:avLst>
+            </a:prstGeom>
+            <a:noFill/>
+          </p:spPr>
+        </p:pic>
+        <p:pic>
+          <p:nvPicPr>
+            <p:cNvPr id="50179" name="Picture 3" descr="C:\Trash\ms.net-logo-blue.jpg"/>
+            <p:cNvPicPr>
+              <a:picLocks noChangeAspect="1" noChangeArrowheads="1"/>
+            </p:cNvPicPr>
+            <p:nvPr/>
+          </p:nvPicPr>
+          <p:blipFill>
+            <a:blip r:embed="rId4" cstate="print"/>
+            <a:srcRect/>
+            <a:stretch>
+              <a:fillRect/>
+            </a:stretch>
+          </p:blipFill>
+          <p:spPr bwMode="auto">
+            <a:xfrm>
+              <a:off x="4345856" y="1195718"/>
+              <a:ext cx="1838510" cy="895350"/>
+            </a:xfrm>
+            <a:prstGeom prst="roundRect">
+              <a:avLst/>
+            </a:prstGeom>
+            <a:noFill/>
+            <a:effectLst>
+              <a:outerShdw blurRad="50800" dist="38100" dir="2700000" algn="tl" rotWithShape="0">
+                <a:prstClr val="black">
+                  <a:alpha val="40000"/>
+                </a:prstClr>
+              </a:outerShdw>
+            </a:effectLst>
+          </p:spPr>
+        </p:pic>
+      </p:grpSp>
     </p:spTree>
   </p:cSld>
   <p:clrMapOvr>
@@ -26934,7 +28875,7 @@
             <a:spLocks noGrp="1" noChangeArrowheads="1"/>
           </p:cNvSpPr>
           <p:nvPr>
-            <p:ph type="body" idx="1"/>
+            <p:ph idx="1"/>
           </p:nvPr>
         </p:nvSpPr>
         <p:spPr>
@@ -27136,7 +29077,7 @@
             <a:spLocks noGrp="1" noChangeArrowheads="1"/>
           </p:cNvSpPr>
           <p:nvPr>
-            <p:ph type="body" idx="1"/>
+            <p:ph idx="1"/>
           </p:nvPr>
         </p:nvSpPr>
         <p:spPr/>
@@ -28256,7 +30197,7 @@
             <a:spLocks noGrp="1" noChangeArrowheads="1"/>
           </p:cNvSpPr>
           <p:nvPr>
-            <p:ph type="body" idx="1"/>
+            <p:ph idx="1"/>
           </p:nvPr>
         </p:nvSpPr>
         <p:spPr/>
@@ -28581,7 +30522,7 @@
             <a:spLocks noGrp="1" noChangeArrowheads="1"/>
           </p:cNvSpPr>
           <p:nvPr>
-            <p:ph type="body" idx="1"/>
+            <p:ph idx="1"/>
           </p:nvPr>
         </p:nvSpPr>
         <p:spPr>
@@ -28751,7 +30692,7 @@
             <a:spLocks noGrp="1" noChangeArrowheads="1"/>
           </p:cNvSpPr>
           <p:nvPr>
-            <p:ph type="body" idx="1"/>
+            <p:ph idx="1"/>
           </p:nvPr>
         </p:nvSpPr>
         <p:spPr>
@@ -29154,7 +31095,7 @@
             <a:spLocks noGrp="1" noChangeArrowheads="1"/>
           </p:cNvSpPr>
           <p:nvPr>
-            <p:ph type="body" idx="1"/>
+            <p:ph idx="1"/>
           </p:nvPr>
         </p:nvSpPr>
         <p:spPr>
@@ -29450,7 +31391,7 @@
             <a:spLocks noGrp="1" noChangeArrowheads="1"/>
           </p:cNvSpPr>
           <p:nvPr>
-            <p:ph type="body" idx="1"/>
+            <p:ph idx="1"/>
           </p:nvPr>
         </p:nvSpPr>
         <p:spPr>
@@ -29819,7 +31760,7 @@
             <a:spLocks noGrp="1" noChangeArrowheads="1"/>
           </p:cNvSpPr>
           <p:nvPr>
-            <p:ph type="body" idx="1"/>
+            <p:ph idx="1"/>
           </p:nvPr>
         </p:nvSpPr>
         <p:spPr>
@@ -30013,7 +31954,7 @@
             <a:spLocks noGrp="1" noChangeArrowheads="1"/>
           </p:cNvSpPr>
           <p:nvPr>
-            <p:ph type="body" idx="1"/>
+            <p:ph idx="1"/>
           </p:nvPr>
         </p:nvSpPr>
         <p:spPr>
@@ -30253,12 +32194,35 @@
       </p:grpSpPr>
       <p:sp>
         <p:nvSpPr>
+          <p:cNvPr id="1484802" name="Rectangle 2"/>
+          <p:cNvSpPr>
+            <a:spLocks noGrp="1" noChangeArrowheads="1"/>
+          </p:cNvSpPr>
+          <p:nvPr>
+            <p:ph type="title"/>
+          </p:nvPr>
+        </p:nvSpPr>
+        <p:spPr/>
+        <p:txBody>
+          <a:bodyPr/>
+          <a:lstStyle/>
+          <a:p>
+            <a:r>
+              <a:rPr lang="en-US" dirty="0"/>
+              <a:t>C# Language – Example</a:t>
+            </a:r>
+            <a:endParaRPr lang="bg-BG" dirty="0"/>
+          </a:p>
+        </p:txBody>
+      </p:sp>
+      <p:sp>
+        <p:nvSpPr>
           <p:cNvPr id="1484806" name="Rectangle 6"/>
           <p:cNvSpPr>
             <a:spLocks noGrp="1" noChangeArrowheads="1"/>
           </p:cNvSpPr>
           <p:nvPr>
-            <p:ph type="body" idx="1"/>
+            <p:ph idx="1"/>
           </p:nvPr>
         </p:nvSpPr>
         <p:spPr>
@@ -30310,29 +32274,6 @@
               <a:t>Example of C# program:</a:t>
             </a:r>
             <a:endParaRPr lang="en-US" dirty="0"/>
-          </a:p>
-        </p:txBody>
-      </p:sp>
-      <p:sp>
-        <p:nvSpPr>
-          <p:cNvPr id="1484802" name="Rectangle 2"/>
-          <p:cNvSpPr>
-            <a:spLocks noGrp="1" noChangeArrowheads="1"/>
-          </p:cNvSpPr>
-          <p:nvPr>
-            <p:ph type="title"/>
-          </p:nvPr>
-        </p:nvSpPr>
-        <p:spPr/>
-        <p:txBody>
-          <a:bodyPr/>
-          <a:lstStyle/>
-          <a:p>
-            <a:r>
-              <a:rPr lang="en-US" dirty="0"/>
-              <a:t>C# Language – Example</a:t>
-            </a:r>
-            <a:endParaRPr lang="bg-BG" dirty="0"/>
           </a:p>
         </p:txBody>
       </p:sp>
@@ -30956,7 +32897,15 @@
           <a:p>
             <a:r>
               <a:rPr lang="en-US" dirty="0" smtClean="0"/>
-              <a:t>Standard Out-of-the-box Functionality</a:t>
+              <a:t>Standard Out-of-the-box </a:t>
+            </a:r>
+            <a:r>
+              <a:rPr lang="en-US" dirty="0" smtClean="0"/>
+              <a:t>.</a:t>
+            </a:r>
+            <a:r>
+              <a:rPr lang="en-US" smtClean="0"/>
+              <a:t>NET APIs</a:t>
             </a:r>
             <a:endParaRPr lang="en-US" dirty="0"/>
           </a:p>
@@ -31056,7 +33005,7 @@
             <a:spLocks noGrp="1" noChangeArrowheads="1"/>
           </p:cNvSpPr>
           <p:nvPr>
-            <p:ph type="body" idx="1"/>
+            <p:ph idx="1"/>
           </p:nvPr>
         </p:nvSpPr>
         <p:spPr>
@@ -31087,7 +33036,15 @@
             </a:r>
             <a:r>
               <a:rPr lang="en-US" dirty="0" smtClean="0"/>
-              <a:t>library of out-of-the-box reusable classes and components</a:t>
+              <a:t>library of out-of-the-box reusable classes </a:t>
+            </a:r>
+            <a:r>
+              <a:rPr lang="en-US" smtClean="0"/>
+              <a:t>and </a:t>
+            </a:r>
+            <a:r>
+              <a:rPr lang="en-US" smtClean="0"/>
+              <a:t>components (APIs)</a:t>
             </a:r>
             <a:endParaRPr lang="en-US" dirty="0"/>
           </a:p>
@@ -37197,7 +39154,7 @@
         </p:nvSpPr>
         <p:spPr>
           <a:xfrm>
-            <a:off x="1260512" y="4419600"/>
+            <a:off x="1260512" y="4572000"/>
             <a:ext cx="6480175" cy="736600"/>
           </a:xfrm>
         </p:spPr>
@@ -37230,7 +39187,7 @@
         </p:nvSpPr>
         <p:spPr>
           <a:xfrm>
-            <a:off x="931358" y="5293520"/>
+            <a:off x="931358" y="5445920"/>
             <a:ext cx="7145842" cy="497680"/>
           </a:xfrm>
         </p:spPr>
@@ -37269,7 +39226,7 @@
         </p:blipFill>
         <p:spPr bwMode="auto">
           <a:xfrm>
-            <a:off x="1824392" y="1293304"/>
+            <a:off x="1824392" y="1219200"/>
             <a:ext cx="5495216" cy="3050096"/>
           </a:xfrm>
           <a:prstGeom prst="rect">
@@ -37385,7 +39342,7 @@
             <a:spLocks noGrp="1" noChangeArrowheads="1"/>
           </p:cNvSpPr>
           <p:nvPr>
-            <p:ph type="body" idx="1"/>
+            <p:ph idx="1"/>
           </p:nvPr>
         </p:nvSpPr>
         <p:spPr/>
@@ -37435,7 +39392,15 @@
             </a:pPr>
             <a:r>
               <a:rPr lang="en-US" dirty="0" smtClean="0"/>
-              <a:t>GUI / Web / mobile / server / cloud / etc.</a:t>
+              <a:t>GUI / Web / </a:t>
+            </a:r>
+            <a:r>
+              <a:rPr lang="en-US" dirty="0" smtClean="0"/>
+              <a:t>RIA / mobile </a:t>
+            </a:r>
+            <a:r>
+              <a:rPr lang="en-US" dirty="0" smtClean="0"/>
+              <a:t>/ server / cloud / etc.</a:t>
             </a:r>
             <a:endParaRPr lang="bg-BG" dirty="0"/>
           </a:p>
@@ -37468,9 +39433,14 @@
               </a:lnSpc>
             </a:pPr>
             <a:r>
+              <a:rPr lang="en-US" dirty="0"/>
+              <a:t>Silverlight / Windows Phone </a:t>
+            </a:r>
+            <a:r>
               <a:rPr lang="en-US" dirty="0" smtClean="0"/>
-              <a:t>Silverlight</a:t>
-            </a:r>
+              <a:t>7</a:t>
+            </a:r>
+            <a:endParaRPr lang="en-US" dirty="0" smtClean="0"/>
           </a:p>
           <a:p>
             <a:pPr lvl="1">
@@ -37480,7 +39450,11 @@
             </a:pPr>
             <a:r>
               <a:rPr lang="en-US" dirty="0" smtClean="0"/>
-              <a:t>.NET Compact Framework</a:t>
+              <a:t>.NET Compact </a:t>
+            </a:r>
+            <a:r>
+              <a:rPr lang="en-US" dirty="0" smtClean="0"/>
+              <a:t>Framework</a:t>
             </a:r>
           </a:p>
         </p:txBody>
@@ -37502,8 +39476,8 @@
         </p:blipFill>
         <p:spPr bwMode="auto">
           <a:xfrm>
-            <a:off x="6705600" y="4495800"/>
-            <a:ext cx="1847850" cy="1828800"/>
+            <a:off x="6477000" y="4269557"/>
+            <a:ext cx="2076450" cy="2055043"/>
           </a:xfrm>
           <a:prstGeom prst="roundRect">
             <a:avLst>
@@ -37576,7 +39550,7 @@
             <a:spLocks noGrp="1" noChangeArrowheads="1"/>
           </p:cNvSpPr>
           <p:nvPr>
-            <p:ph type="body" idx="1"/>
+            <p:ph idx="1"/>
           </p:nvPr>
         </p:nvSpPr>
         <p:spPr/>
@@ -37769,8 +39743,8 @@
         </p:blipFill>
         <p:spPr bwMode="auto">
           <a:xfrm>
-            <a:off x="7162800" y="4191000"/>
-            <a:ext cx="1428750" cy="609600"/>
+            <a:off x="6841054" y="4191000"/>
+            <a:ext cx="1785938" cy="762000"/>
           </a:xfrm>
           <a:prstGeom prst="roundRect">
             <a:avLst>
@@ -37846,7 +39820,7 @@
             <a:spLocks noGrp="1" noChangeArrowheads="1"/>
           </p:cNvSpPr>
           <p:nvPr>
-            <p:ph type="body" idx="1"/>
+            <p:ph idx="1"/>
           </p:nvPr>
         </p:nvSpPr>
         <p:spPr/>
@@ -37992,8 +39966,8 @@
         </p:blipFill>
         <p:spPr bwMode="auto">
           <a:xfrm>
-            <a:off x="7239000" y="1219200"/>
-            <a:ext cx="1428750" cy="609600"/>
+            <a:off x="6705600" y="3124200"/>
+            <a:ext cx="1864516" cy="795528"/>
           </a:xfrm>
           <a:prstGeom prst="roundRect">
             <a:avLst>
@@ -38917,7 +40891,7 @@
             <a:spLocks noGrp="1" noChangeArrowheads="1"/>
           </p:cNvSpPr>
           <p:nvPr>
-            <p:ph type="body" idx="1"/>
+            <p:ph idx="1"/>
           </p:nvPr>
         </p:nvSpPr>
         <p:spPr/>
@@ -39123,7 +41097,7 @@
             <a:spLocks noGrp="1" noChangeArrowheads="1"/>
           </p:cNvSpPr>
           <p:nvPr>
-            <p:ph type="body" idx="1"/>
+            <p:ph idx="1"/>
           </p:nvPr>
         </p:nvSpPr>
         <p:spPr>
@@ -39328,7 +41302,7 @@
             <a:spLocks noGrp="1" noChangeArrowheads="1"/>
           </p:cNvSpPr>
           <p:nvPr>
-            <p:ph type="body" idx="1"/>
+            <p:ph idx="1"/>
           </p:nvPr>
         </p:nvSpPr>
         <p:spPr/>
@@ -39547,13 +41521,13 @@
             <a:spLocks noGrp="1" noChangeArrowheads="1"/>
           </p:cNvSpPr>
           <p:nvPr>
-            <p:ph type="body" idx="1"/>
+            <p:ph idx="1"/>
           </p:nvPr>
         </p:nvSpPr>
         <p:spPr>
           <a:xfrm>
-            <a:off x="152400" y="990600"/>
-            <a:ext cx="8796338" cy="5678489"/>
+            <a:off x="152400" y="914400"/>
+            <a:ext cx="8796338" cy="5754689"/>
           </a:xfrm>
         </p:spPr>
         <p:txBody>
@@ -39791,18 +41765,57 @@
       </p:grpSpPr>
       <p:sp>
         <p:nvSpPr>
-          <p:cNvPr id="1431554" name="Rectangle 2"/>
+          <p:cNvPr id="1431556" name="Rectangle 4"/>
           <p:cNvSpPr>
             <a:spLocks noGrp="1" noChangeArrowheads="1"/>
           </p:cNvSpPr>
           <p:nvPr>
-            <p:ph type="body" idx="1"/>
+            <p:ph type="title"/>
           </p:nvPr>
         </p:nvSpPr>
         <p:spPr>
           <a:xfrm>
-            <a:off x="839788" y="1409700"/>
-            <a:ext cx="7618412" cy="4035425"/>
+            <a:off x="1981200" y="80962"/>
+            <a:ext cx="6983413" cy="909638"/>
+          </a:xfrm>
+          <a:noFill/>
+          <a:ln/>
+        </p:spPr>
+        <p:txBody>
+          <a:bodyPr/>
+          <a:lstStyle/>
+          <a:p>
+            <a:r>
+              <a:rPr lang="en-US" dirty="0"/>
+              <a:t>.NET Framework Architecture</a:t>
+            </a:r>
+            <a:endParaRPr lang="bg-BG" dirty="0">
+              <a:solidFill>
+                <a:schemeClr val="accent1"/>
+              </a:solidFill>
+              <a:effectLst>
+                <a:outerShdw blurRad="38100" dist="38100" dir="2700000" algn="tl">
+                  <a:srgbClr val="000000"/>
+                </a:outerShdw>
+              </a:effectLst>
+            </a:endParaRPr>
+          </a:p>
+        </p:txBody>
+      </p:sp>
+      <p:sp>
+        <p:nvSpPr>
+          <p:cNvPr id="1431554" name="Rectangle 2"/>
+          <p:cNvSpPr>
+            <a:spLocks noGrp="1" noChangeArrowheads="1"/>
+          </p:cNvSpPr>
+          <p:nvPr>
+            <p:ph idx="1"/>
+          </p:nvPr>
+        </p:nvSpPr>
+        <p:spPr>
+          <a:xfrm>
+            <a:off x="839788" y="1219200"/>
+            <a:ext cx="7618412" cy="4225925"/>
           </a:xfrm>
         </p:spPr>
         <p:txBody>
@@ -39999,45 +42012,6 @@
           </a:p>
         </p:txBody>
       </p:sp>
-      <p:sp>
-        <p:nvSpPr>
-          <p:cNvPr id="1431556" name="Rectangle 4"/>
-          <p:cNvSpPr>
-            <a:spLocks noGrp="1" noChangeArrowheads="1"/>
-          </p:cNvSpPr>
-          <p:nvPr>
-            <p:ph type="title"/>
-          </p:nvPr>
-        </p:nvSpPr>
-        <p:spPr>
-          <a:xfrm>
-            <a:off x="1981200" y="80962"/>
-            <a:ext cx="6983413" cy="909638"/>
-          </a:xfrm>
-          <a:noFill/>
-          <a:ln/>
-        </p:spPr>
-        <p:txBody>
-          <a:bodyPr/>
-          <a:lstStyle/>
-          <a:p>
-            <a:r>
-              <a:rPr lang="en-US" dirty="0"/>
-              <a:t>.NET Framework Architecture</a:t>
-            </a:r>
-            <a:endParaRPr lang="bg-BG" dirty="0">
-              <a:solidFill>
-                <a:schemeClr val="accent1"/>
-              </a:solidFill>
-              <a:effectLst>
-                <a:outerShdw blurRad="38100" dist="38100" dir="2700000" algn="tl">
-                  <a:srgbClr val="000000"/>
-                </a:outerShdw>
-              </a:effectLst>
-            </a:endParaRPr>
-          </a:p>
-        </p:txBody>
-      </p:sp>
       <p:pic>
         <p:nvPicPr>
           <p:cNvPr id="94210" name="Picture 2" descr="http://www.teach-ict.com/ecdl/module_1/workbook7/miniweb/images/opsystem.jpg"/>
@@ -40064,6 +42038,56 @@
             </a:avLst>
           </a:prstGeom>
           <a:noFill/>
+        </p:spPr>
+      </p:pic>
+      <p:pic>
+        <p:nvPicPr>
+          <p:cNvPr id="1026" name="Picture 2" descr="http://www.rsc-sw-scotland.ac.uk/images/windows_7_vienna_logo-1.jpg"/>
+          <p:cNvPicPr>
+            <a:picLocks noChangeAspect="1" noChangeArrowheads="1"/>
+          </p:cNvPicPr>
+          <p:nvPr/>
+        </p:nvPicPr>
+        <p:blipFill>
+          <a:blip r:embed="rId4" cstate="print">
+            <a:extLst>
+              <a:ext uri="{28A0092B-C50C-407E-A947-70E740481C1C}">
+                <a14:useLocalDpi xmlns:a14="http://schemas.microsoft.com/office/drawing/2010/main" val="0"/>
+              </a:ext>
+            </a:extLst>
+          </a:blip>
+          <a:srcRect/>
+          <a:stretch>
+            <a:fillRect/>
+          </a:stretch>
+        </p:blipFill>
+        <p:spPr bwMode="auto">
+          <a:xfrm>
+            <a:off x="381000" y="4552294"/>
+            <a:ext cx="1549464" cy="923926"/>
+          </a:xfrm>
+          <a:prstGeom prst="roundRect">
+            <a:avLst>
+              <a:gd name="adj" fmla="val 5128"/>
+            </a:avLst>
+          </a:prstGeom>
+          <a:noFill/>
+          <a:ln>
+            <a:solidFill>
+              <a:schemeClr val="accent5">
+                <a:lumMod val="50000"/>
+              </a:schemeClr>
+            </a:solidFill>
+          </a:ln>
+          <a:extLst>
+            <a:ext uri="{909E8E84-426E-40DD-AFC4-6F175D3DCCD1}">
+              <a14:hiddenFill xmlns:a14="http://schemas.microsoft.com/office/drawing/2010/main">
+                <a:solidFill>
+                  <a:srgbClr val="FFFFFF"/>
+                </a:solidFill>
+              </a14:hiddenFill>
+            </a:ext>
+          </a:extLst>
         </p:spPr>
       </p:pic>
     </p:spTree>
@@ -41223,7 +43247,7 @@
 </file>
 
 <file path=ppt/theme/theme1.xml><?xml version="1.0" encoding="utf-8"?>
-<a:theme xmlns:a="http://schemas.openxmlformats.org/drawingml/2006/main" name="Telerik Master Template">
+<a:theme xmlns:a="http://schemas.openxmlformats.org/drawingml/2006/main" name="Telerik-PowerPoint-Theme">
   <a:themeElements>
     <a:clrScheme name="Telerik Colors Theme">
       <a:dk1>
